--- a/Presentations/OGC API Map Tiles 20190620.pptx
+++ b/Presentations/OGC API Map Tiles 20190620.pptx
@@ -5,19 +5,20 @@
     <p:sldMasterId id="2147483654" r:id="rId1"/>
   </p:sldMasterIdLst>
   <p:notesMasterIdLst>
-    <p:notesMasterId r:id="rId9"/>
+    <p:notesMasterId r:id="rId10"/>
   </p:notesMasterIdLst>
   <p:handoutMasterIdLst>
-    <p:handoutMasterId r:id="rId10"/>
+    <p:handoutMasterId r:id="rId11"/>
   </p:handoutMasterIdLst>
   <p:sldIdLst>
     <p:sldId id="256" r:id="rId2"/>
     <p:sldId id="357" r:id="rId3"/>
     <p:sldId id="358" r:id="rId4"/>
     <p:sldId id="361" r:id="rId5"/>
-    <p:sldId id="362" r:id="rId6"/>
-    <p:sldId id="359" r:id="rId7"/>
-    <p:sldId id="360" r:id="rId8"/>
+    <p:sldId id="363" r:id="rId6"/>
+    <p:sldId id="362" r:id="rId7"/>
+    <p:sldId id="359" r:id="rId8"/>
+    <p:sldId id="360" r:id="rId9"/>
   </p:sldIdLst>
   <p:sldSz cx="9144000" cy="6858000" type="screen4x3"/>
   <p:notesSz cx="6904038" cy="9220200"/>
@@ -148,7 +149,7 @@
   </p:defaultTextStyle>
   <p:extLst>
     <p:ext uri="{EFAFB233-063F-42B5-8137-9DF3F51BA10A}">
-      <p15:sldGuideLst xmlns:p15="http://schemas.microsoft.com/office/powerpoint/2012/main">
+      <p15:sldGuideLst xmlns:p15="http://schemas.microsoft.com/office/powerpoint/2012/main" xmlns="">
         <p15:guide id="1" orient="horz" pos="2112">
           <p15:clr>
             <a:srgbClr val="A4A3A4"/>
@@ -162,7 +163,7 @@
       </p15:sldGuideLst>
     </p:ext>
     <p:ext uri="{2D200454-40CA-4A62-9FC3-DE9A4176ACB9}">
-      <p15:notesGuideLst xmlns:p15="http://schemas.microsoft.com/office/powerpoint/2012/main"/>
+      <p15:notesGuideLst xmlns:p15="http://schemas.microsoft.com/office/powerpoint/2012/main" xmlns=""/>
     </p:ext>
   </p:extLst>
 </p:presentation>
@@ -392,7 +393,7 @@
               <a:pPr>
                 <a:defRPr/>
               </a:pPr>
-              <a:t>‹#›</a:t>
+              <a:t>‹Nº›</a:t>
             </a:fld>
             <a:endParaRPr lang="en-US" altLang="en-US"/>
           </a:p>
@@ -401,7 +402,7 @@
     </p:spTree>
     <p:extLst>
       <p:ext uri="{BB962C8B-B14F-4D97-AF65-F5344CB8AC3E}">
-        <p14:creationId xmlns:p14="http://schemas.microsoft.com/office/powerpoint/2010/main" val="1234334927"/>
+        <p14:creationId xmlns:p14="http://schemas.microsoft.com/office/powerpoint/2010/main" xmlns="" val="1234334927"/>
       </p:ext>
     </p:extLst>
   </p:cSld>
@@ -563,10 +564,10 @@
           </a:ln>
           <a:extLst>
             <a:ext uri="{FAA26D3D-D897-4be2-8F04-BA451C77F1D7}">
-              <ma14:placeholderFlag xmlns="" xmlns:ma14="http://schemas.microsoft.com/office/mac/drawingml/2011/main" val="1"/>
+              <ma14:placeholderFlag xmlns:ma14="http://schemas.microsoft.com/office/mac/drawingml/2011/main" xmlns="" val="1"/>
             </a:ext>
             <a:ext uri="{909E8E84-426E-40dd-AFC4-6F175D3DCCD1}">
-              <a14:hiddenFill xmlns:a14="http://schemas.microsoft.com/office/drawing/2010/main" xmlns="">
+              <a14:hiddenFill xmlns="" xmlns:a14="http://schemas.microsoft.com/office/drawing/2010/main">
                 <a:solidFill>
                   <a:srgbClr val="FFFFFF"/>
                 </a:solidFill>
@@ -745,7 +746,7 @@
               <a:pPr>
                 <a:defRPr/>
               </a:pPr>
-              <a:t>‹#›</a:t>
+              <a:t>‹Nº›</a:t>
             </a:fld>
             <a:endParaRPr lang="en-US" altLang="en-US"/>
           </a:p>
@@ -754,7 +755,7 @@
     </p:spTree>
     <p:extLst>
       <p:ext uri="{BB962C8B-B14F-4D97-AF65-F5344CB8AC3E}">
-        <p14:creationId xmlns:p14="http://schemas.microsoft.com/office/powerpoint/2010/main" val="490211317"/>
+        <p14:creationId xmlns:p14="http://schemas.microsoft.com/office/powerpoint/2010/main" xmlns="" val="490211317"/>
       </p:ext>
     </p:extLst>
   </p:cSld>
@@ -1058,10 +1059,10 @@
           <p:nvPr userDrawn="1"/>
         </p:nvPicPr>
         <p:blipFill>
-          <a:blip r:embed="rId2">
+          <a:blip r:embed="rId2" cstate="print">
             <a:extLst>
               <a:ext uri="{28A0092B-C50C-407E-A947-70E740481C1C}">
-                <a14:useLocalDpi xmlns:a14="http://schemas.microsoft.com/office/drawing/2010/main"/>
+                <a14:useLocalDpi xmlns:a14="http://schemas.microsoft.com/office/drawing/2010/main" xmlns=""/>
               </a:ext>
             </a:extLst>
           </a:blip>
@@ -1084,14 +1085,14 @@
           </a:ln>
           <a:extLst>
             <a:ext uri="{909E8E84-426E-40dd-AFC4-6F175D3DCCD1}">
-              <a14:hiddenFill xmlns:a14="http://schemas.microsoft.com/office/drawing/2010/main" xmlns="">
+              <a14:hiddenFill xmlns="" xmlns:a14="http://schemas.microsoft.com/office/drawing/2010/main">
                 <a:solidFill>
                   <a:srgbClr val="FFFFFF"/>
                 </a:solidFill>
               </a14:hiddenFill>
             </a:ext>
             <a:ext uri="{91240B29-F687-4f45-9708-019B960494DF}">
-              <a14:hiddenLine xmlns:a14="http://schemas.microsoft.com/office/drawing/2010/main" xmlns="" w="9525">
+              <a14:hiddenLine xmlns="" xmlns:a14="http://schemas.microsoft.com/office/drawing/2010/main" w="9525">
                 <a:solidFill>
                   <a:srgbClr val="000000"/>
                 </a:solidFill>
@@ -1112,10 +1113,10 @@
           <p:nvPr userDrawn="1"/>
         </p:nvPicPr>
         <p:blipFill>
-          <a:blip r:embed="rId3">
+          <a:blip r:embed="rId3" cstate="print">
             <a:extLst>
               <a:ext uri="{28A0092B-C50C-407E-A947-70E740481C1C}">
-                <a14:useLocalDpi xmlns:a14="http://schemas.microsoft.com/office/drawing/2010/main"/>
+                <a14:useLocalDpi xmlns:a14="http://schemas.microsoft.com/office/drawing/2010/main" xmlns=""/>
               </a:ext>
             </a:extLst>
           </a:blip>
@@ -1138,14 +1139,14 @@
           </a:ln>
           <a:extLst>
             <a:ext uri="{909E8E84-426E-40dd-AFC4-6F175D3DCCD1}">
-              <a14:hiddenFill xmlns:a14="http://schemas.microsoft.com/office/drawing/2010/main" xmlns="">
+              <a14:hiddenFill xmlns="" xmlns:a14="http://schemas.microsoft.com/office/drawing/2010/main">
                 <a:solidFill>
                   <a:srgbClr val="FFFFFF"/>
                 </a:solidFill>
               </a14:hiddenFill>
             </a:ext>
             <a:ext uri="{91240B29-F687-4f45-9708-019B960494DF}">
-              <a14:hiddenLine xmlns:a14="http://schemas.microsoft.com/office/drawing/2010/main" xmlns="" w="9525">
+              <a14:hiddenLine xmlns="" xmlns:a14="http://schemas.microsoft.com/office/drawing/2010/main" w="9525">
                 <a:solidFill>
                   <a:srgbClr val="000000"/>
                 </a:solidFill>
@@ -1272,7 +1273,7 @@
           <p:cNvPr id="14" name="Picture 13">
             <a:extLst>
               <a:ext uri="{FF2B5EF4-FFF2-40B4-BE49-F238E27FC236}">
-                <a16:creationId xmlns:a16="http://schemas.microsoft.com/office/drawing/2014/main" id="{68B13933-3126-964D-BB68-34B6D82CF12F}"/>
+                <a16:creationId xmlns:a16="http://schemas.microsoft.com/office/drawing/2014/main" xmlns="" id="{68B13933-3126-964D-BB68-34B6D82CF12F}"/>
               </a:ext>
             </a:extLst>
           </p:cNvPr>
@@ -1282,10 +1283,10 @@
           <p:nvPr userDrawn="1"/>
         </p:nvPicPr>
         <p:blipFill>
-          <a:blip r:embed="rId4">
+          <a:blip r:embed="rId4" cstate="print">
             <a:extLst>
               <a:ext uri="{28A0092B-C50C-407E-A947-70E740481C1C}">
-                <a14:useLocalDpi xmlns:a14="http://schemas.microsoft.com/office/drawing/2010/main" val="0"/>
+                <a14:useLocalDpi xmlns:a14="http://schemas.microsoft.com/office/drawing/2010/main" xmlns="" val="0"/>
               </a:ext>
             </a:extLst>
           </a:blip>
@@ -1306,7 +1307,7 @@
     </p:spTree>
     <p:extLst>
       <p:ext uri="{BB962C8B-B14F-4D97-AF65-F5344CB8AC3E}">
-        <p14:creationId xmlns:p14="http://schemas.microsoft.com/office/powerpoint/2010/main" val="1766936704"/>
+        <p14:creationId xmlns:p14="http://schemas.microsoft.com/office/powerpoint/2010/main" xmlns="" val="1766936704"/>
       </p:ext>
     </p:extLst>
   </p:cSld>
@@ -1466,7 +1467,7 @@
               <a:pPr>
                 <a:defRPr/>
               </a:pPr>
-              <a:t>‹#›</a:t>
+              <a:t>‹Nº›</a:t>
             </a:fld>
             <a:endParaRPr lang="en-US" altLang="en-US"/>
           </a:p>
@@ -1475,7 +1476,7 @@
     </p:spTree>
     <p:extLst>
       <p:ext uri="{BB962C8B-B14F-4D97-AF65-F5344CB8AC3E}">
-        <p14:creationId xmlns:p14="http://schemas.microsoft.com/office/powerpoint/2010/main" val="1094566108"/>
+        <p14:creationId xmlns:p14="http://schemas.microsoft.com/office/powerpoint/2010/main" xmlns="" val="1094566108"/>
       </p:ext>
     </p:extLst>
   </p:cSld>
@@ -1645,7 +1646,7 @@
               <a:pPr>
                 <a:defRPr/>
               </a:pPr>
-              <a:t>‹#›</a:t>
+              <a:t>‹Nº›</a:t>
             </a:fld>
             <a:endParaRPr lang="en-US" altLang="en-US"/>
           </a:p>
@@ -1654,7 +1655,7 @@
     </p:spTree>
     <p:extLst>
       <p:ext uri="{BB962C8B-B14F-4D97-AF65-F5344CB8AC3E}">
-        <p14:creationId xmlns:p14="http://schemas.microsoft.com/office/powerpoint/2010/main" val="1027656954"/>
+        <p14:creationId xmlns:p14="http://schemas.microsoft.com/office/powerpoint/2010/main" xmlns="" val="1027656954"/>
       </p:ext>
     </p:extLst>
   </p:cSld>
@@ -1814,7 +1815,7 @@
               <a:pPr>
                 <a:defRPr/>
               </a:pPr>
-              <a:t>‹#›</a:t>
+              <a:t>‹Nº›</a:t>
             </a:fld>
             <a:endParaRPr lang="en-US" altLang="en-US"/>
           </a:p>
@@ -1823,7 +1824,7 @@
     </p:spTree>
     <p:extLst>
       <p:ext uri="{BB962C8B-B14F-4D97-AF65-F5344CB8AC3E}">
-        <p14:creationId xmlns:p14="http://schemas.microsoft.com/office/powerpoint/2010/main" val="775088069"/>
+        <p14:creationId xmlns:p14="http://schemas.microsoft.com/office/powerpoint/2010/main" xmlns="" val="775088069"/>
       </p:ext>
     </p:extLst>
   </p:cSld>
@@ -2006,7 +2007,7 @@
               <a:pPr>
                 <a:defRPr/>
               </a:pPr>
-              <a:t>‹#›</a:t>
+              <a:t>‹Nº›</a:t>
             </a:fld>
             <a:endParaRPr lang="en-US" altLang="en-US"/>
           </a:p>
@@ -2015,7 +2016,7 @@
     </p:spTree>
     <p:extLst>
       <p:ext uri="{BB962C8B-B14F-4D97-AF65-F5344CB8AC3E}">
-        <p14:creationId xmlns:p14="http://schemas.microsoft.com/office/powerpoint/2010/main" val="269372981"/>
+        <p14:creationId xmlns:p14="http://schemas.microsoft.com/office/powerpoint/2010/main" xmlns="" val="269372981"/>
       </p:ext>
     </p:extLst>
   </p:cSld>
@@ -2292,7 +2293,7 @@
               <a:pPr>
                 <a:defRPr/>
               </a:pPr>
-              <a:t>‹#›</a:t>
+              <a:t>‹Nº›</a:t>
             </a:fld>
             <a:endParaRPr lang="en-US" altLang="en-US"/>
           </a:p>
@@ -2301,7 +2302,7 @@
     </p:spTree>
     <p:extLst>
       <p:ext uri="{BB962C8B-B14F-4D97-AF65-F5344CB8AC3E}">
-        <p14:creationId xmlns:p14="http://schemas.microsoft.com/office/powerpoint/2010/main" val="456163791"/>
+        <p14:creationId xmlns:p14="http://schemas.microsoft.com/office/powerpoint/2010/main" xmlns="" val="456163791"/>
       </p:ext>
     </p:extLst>
   </p:cSld>
@@ -2717,7 +2718,7 @@
               <a:pPr>
                 <a:defRPr/>
               </a:pPr>
-              <a:t>‹#›</a:t>
+              <a:t>‹Nº›</a:t>
             </a:fld>
             <a:endParaRPr lang="en-US" altLang="en-US"/>
           </a:p>
@@ -2726,7 +2727,7 @@
     </p:spTree>
     <p:extLst>
       <p:ext uri="{BB962C8B-B14F-4D97-AF65-F5344CB8AC3E}">
-        <p14:creationId xmlns:p14="http://schemas.microsoft.com/office/powerpoint/2010/main" val="228215547"/>
+        <p14:creationId xmlns:p14="http://schemas.microsoft.com/office/powerpoint/2010/main" xmlns="" val="228215547"/>
       </p:ext>
     </p:extLst>
   </p:cSld>
@@ -2835,7 +2836,7 @@
               <a:pPr>
                 <a:defRPr/>
               </a:pPr>
-              <a:t>‹#›</a:t>
+              <a:t>‹Nº›</a:t>
             </a:fld>
             <a:endParaRPr lang="en-US" altLang="en-US"/>
           </a:p>
@@ -2844,7 +2845,7 @@
     </p:spTree>
     <p:extLst>
       <p:ext uri="{BB962C8B-B14F-4D97-AF65-F5344CB8AC3E}">
-        <p14:creationId xmlns:p14="http://schemas.microsoft.com/office/powerpoint/2010/main" val="212904887"/>
+        <p14:creationId xmlns:p14="http://schemas.microsoft.com/office/powerpoint/2010/main" xmlns="" val="212904887"/>
       </p:ext>
     </p:extLst>
   </p:cSld>
@@ -2931,7 +2932,7 @@
               <a:pPr>
                 <a:defRPr/>
               </a:pPr>
-              <a:t>‹#›</a:t>
+              <a:t>‹Nº›</a:t>
             </a:fld>
             <a:endParaRPr lang="en-US" altLang="en-US"/>
           </a:p>
@@ -2940,7 +2941,7 @@
     </p:spTree>
     <p:extLst>
       <p:ext uri="{BB962C8B-B14F-4D97-AF65-F5344CB8AC3E}">
-        <p14:creationId xmlns:p14="http://schemas.microsoft.com/office/powerpoint/2010/main" val="584679907"/>
+        <p14:creationId xmlns:p14="http://schemas.microsoft.com/office/powerpoint/2010/main" xmlns="" val="584679907"/>
       </p:ext>
     </p:extLst>
   </p:cSld>
@@ -3207,7 +3208,7 @@
               <a:pPr>
                 <a:defRPr/>
               </a:pPr>
-              <a:t>‹#›</a:t>
+              <a:t>‹Nº›</a:t>
             </a:fld>
             <a:endParaRPr lang="en-US" altLang="en-US"/>
           </a:p>
@@ -3216,7 +3217,7 @@
     </p:spTree>
     <p:extLst>
       <p:ext uri="{BB962C8B-B14F-4D97-AF65-F5344CB8AC3E}">
-        <p14:creationId xmlns:p14="http://schemas.microsoft.com/office/powerpoint/2010/main" val="1977511924"/>
+        <p14:creationId xmlns:p14="http://schemas.microsoft.com/office/powerpoint/2010/main" xmlns="" val="1977511924"/>
       </p:ext>
     </p:extLst>
   </p:cSld>
@@ -3461,7 +3462,7 @@
               <a:pPr>
                 <a:defRPr/>
               </a:pPr>
-              <a:t>‹#›</a:t>
+              <a:t>‹Nº›</a:t>
             </a:fld>
             <a:endParaRPr lang="en-US" altLang="en-US"/>
           </a:p>
@@ -3470,7 +3471,7 @@
     </p:spTree>
     <p:extLst>
       <p:ext uri="{BB962C8B-B14F-4D97-AF65-F5344CB8AC3E}">
-        <p14:creationId xmlns:p14="http://schemas.microsoft.com/office/powerpoint/2010/main" val="1585985696"/>
+        <p14:creationId xmlns:p14="http://schemas.microsoft.com/office/powerpoint/2010/main" xmlns="" val="1585985696"/>
       </p:ext>
     </p:extLst>
   </p:cSld>
@@ -3517,7 +3518,7 @@
           <a:blip r:embed="rId13" cstate="screen">
             <a:extLst>
               <a:ext uri="{28A0092B-C50C-407E-A947-70E740481C1C}">
-                <a14:useLocalDpi xmlns:a14="http://schemas.microsoft.com/office/drawing/2010/main"/>
+                <a14:useLocalDpi xmlns:a14="http://schemas.microsoft.com/office/drawing/2010/main" xmlns=""/>
               </a:ext>
             </a:extLst>
           </a:blip>
@@ -3540,14 +3541,14 @@
           </a:ln>
           <a:extLst>
             <a:ext uri="{909E8E84-426E-40dd-AFC4-6F175D3DCCD1}">
-              <a14:hiddenFill xmlns:a14="http://schemas.microsoft.com/office/drawing/2010/main" xmlns="">
+              <a14:hiddenFill xmlns="" xmlns:a14="http://schemas.microsoft.com/office/drawing/2010/main">
                 <a:solidFill>
                   <a:srgbClr val="FFFFFF"/>
                 </a:solidFill>
               </a14:hiddenFill>
             </a:ext>
             <a:ext uri="{91240B29-F687-4f45-9708-019B960494DF}">
-              <a14:hiddenLine xmlns:a14="http://schemas.microsoft.com/office/drawing/2010/main" xmlns="" w="9525">
+              <a14:hiddenLine xmlns="" xmlns:a14="http://schemas.microsoft.com/office/drawing/2010/main" w="9525">
                 <a:solidFill>
                   <a:srgbClr val="000000"/>
                 </a:solidFill>
@@ -3626,17 +3627,17 @@
           </a:ln>
           <a:extLst>
             <a:ext uri="{FAA26D3D-D897-4be2-8F04-BA451C77F1D7}">
-              <ma14:placeholderFlag xmlns="" xmlns:ma14="http://schemas.microsoft.com/office/mac/drawingml/2011/main" val="1"/>
+              <ma14:placeholderFlag xmlns:ma14="http://schemas.microsoft.com/office/mac/drawingml/2011/main" xmlns="" val="1"/>
             </a:ext>
             <a:ext uri="{909E8E84-426E-40dd-AFC4-6F175D3DCCD1}">
-              <a14:hiddenFill xmlns:a14="http://schemas.microsoft.com/office/drawing/2010/main" xmlns="">
+              <a14:hiddenFill xmlns="" xmlns:a14="http://schemas.microsoft.com/office/drawing/2010/main">
                 <a:solidFill>
                   <a:srgbClr val="FFFFFF"/>
                 </a:solidFill>
               </a14:hiddenFill>
             </a:ext>
             <a:ext uri="{91240B29-F687-4f45-9708-019B960494DF}">
-              <a14:hiddenLine xmlns:a14="http://schemas.microsoft.com/office/drawing/2010/main" xmlns="" w="9525">
+              <a14:hiddenLine xmlns="" xmlns:a14="http://schemas.microsoft.com/office/drawing/2010/main" w="9525">
                 <a:solidFill>
                   <a:srgbClr val="000000"/>
                 </a:solidFill>
@@ -3797,7 +3798,7 @@
               <a:pPr>
                 <a:defRPr/>
               </a:pPr>
-              <a:t>‹#›</a:t>
+              <a:t>‹Nº›</a:t>
             </a:fld>
             <a:endParaRPr lang="en-US" altLang="en-US"/>
           </a:p>
@@ -4643,7 +4644,15 @@
           <a:p>
             <a:r>
               <a:rPr lang="en-US" dirty="0"/>
-              <a:t>OGC API Map Tiles</a:t>
+              <a:t>OGC API </a:t>
+            </a:r>
+            <a:r>
+              <a:rPr lang="en-US" dirty="0" smtClean="0"/>
+              <a:t>Maps and </a:t>
+            </a:r>
+            <a:r>
+              <a:rPr lang="en-US" dirty="0"/>
+              <a:t>Tiles</a:t>
             </a:r>
           </a:p>
         </p:txBody>
@@ -4739,10 +4748,36 @@
           </a:p>
         </p:txBody>
       </p:sp>
+      <p:pic>
+        <p:nvPicPr>
+          <p:cNvPr id="6" name="Picture 2" descr="Image result for vector tiles"/>
+          <p:cNvPicPr>
+            <a:picLocks noChangeAspect="1" noChangeArrowheads="1"/>
+          </p:cNvPicPr>
+          <p:nvPr/>
+        </p:nvPicPr>
+        <p:blipFill>
+          <a:blip r:embed="rId2" cstate="print"/>
+          <a:srcRect/>
+          <a:stretch>
+            <a:fillRect/>
+          </a:stretch>
+        </p:blipFill>
+        <p:spPr bwMode="auto">
+          <a:xfrm>
+            <a:off x="6553200" y="4114800"/>
+            <a:ext cx="2362200" cy="2468855"/>
+          </a:xfrm>
+          <a:prstGeom prst="rect">
+            <a:avLst/>
+          </a:prstGeom>
+          <a:noFill/>
+        </p:spPr>
+      </p:pic>
     </p:spTree>
     <p:extLst>
       <p:ext uri="{BB962C8B-B14F-4D97-AF65-F5344CB8AC3E}">
-        <p14:creationId xmlns:p14="http://schemas.microsoft.com/office/powerpoint/2010/main" val="1806921747"/>
+        <p14:creationId xmlns:p14="http://schemas.microsoft.com/office/powerpoint/2010/main" xmlns="" val="1806921747"/>
       </p:ext>
     </p:extLst>
   </p:cSld>
@@ -4774,7 +4809,7 @@
           <p:cNvPr id="2" name="Title 1">
             <a:extLst>
               <a:ext uri="{FF2B5EF4-FFF2-40B4-BE49-F238E27FC236}">
-                <a16:creationId xmlns:a16="http://schemas.microsoft.com/office/drawing/2014/main" id="{DF174226-A7D7-4A5B-B2A2-59C402AC1036}"/>
+                <a16:creationId xmlns:a16="http://schemas.microsoft.com/office/drawing/2014/main" xmlns="" id="{DF174226-A7D7-4A5B-B2A2-59C402AC1036}"/>
               </a:ext>
             </a:extLst>
           </p:cNvPr>
@@ -4807,7 +4842,7 @@
           <p:cNvPr id="3" name="Content Placeholder 2">
             <a:extLst>
               <a:ext uri="{FF2B5EF4-FFF2-40B4-BE49-F238E27FC236}">
-                <a16:creationId xmlns:a16="http://schemas.microsoft.com/office/drawing/2014/main" id="{E014D3BA-A8A1-455D-91A8-266B66AAE6C9}"/>
+                <a16:creationId xmlns:a16="http://schemas.microsoft.com/office/drawing/2014/main" xmlns="" id="{E014D3BA-A8A1-455D-91A8-266B66AAE6C9}"/>
               </a:ext>
             </a:extLst>
           </p:cNvPr>
@@ -4820,31 +4855,122 @@
         </p:nvSpPr>
         <p:spPr/>
         <p:txBody>
-          <a:bodyPr/>
+          <a:bodyPr>
+            <a:normAutofit fontScale="92500" lnSpcReduction="20000"/>
+          </a:bodyPr>
           <a:lstStyle/>
           <a:p>
             <a:r>
               <a:rPr lang="en-US" dirty="0"/>
-              <a:t>Defines an OGC standard for a Web Map Tile API that can serve map tiles of spatially referenced data</a:t>
-            </a:r>
-          </a:p>
-          <a:p>
+              <a:t>Defines an OGC standard for a Web Map </a:t>
+            </a:r>
+            <a:r>
+              <a:rPr lang="en-US" dirty="0" smtClean="0"/>
+              <a:t>and Tile </a:t>
+            </a:r>
+            <a:r>
+              <a:rPr lang="en-US" dirty="0"/>
+              <a:t>API that can serve map tiles </a:t>
+            </a:r>
+            <a:r>
+              <a:rPr lang="en-US" dirty="0" smtClean="0"/>
+              <a:t>and/</a:t>
+            </a:r>
+            <a:r>
+              <a:rPr lang="en-US" dirty="0" smtClean="0"/>
+              <a:t>or maps </a:t>
+            </a:r>
+            <a:r>
+              <a:rPr lang="en-US" dirty="0" smtClean="0"/>
+              <a:t>of </a:t>
+            </a:r>
+            <a:r>
+              <a:rPr lang="en-US" dirty="0"/>
+              <a:t>spatially referenced </a:t>
+            </a:r>
+            <a:r>
+              <a:rPr lang="en-US" dirty="0" smtClean="0"/>
+              <a:t>data</a:t>
+            </a:r>
+          </a:p>
+          <a:p>
+            <a:pPr lvl="1"/>
+            <a:r>
+              <a:rPr lang="en-US" dirty="0" smtClean="0"/>
+              <a:t>It will probably be composed by a family of conformance classes/standards/documents</a:t>
+            </a:r>
             <a:endParaRPr lang="en-US" dirty="0"/>
           </a:p>
           <a:p>
+            <a:endParaRPr lang="en-US" dirty="0"/>
+          </a:p>
+          <a:p>
             <a:r>
               <a:rPr lang="en-US" dirty="0"/>
-              <a:t>Describes the discovery and query operations of an API that provides access to Map Tiles in a manner independent of the underlying data store</a:t>
-            </a:r>
-          </a:p>
-          <a:p>
+              <a:t>Describes the discovery and query operations of an API that provides access to </a:t>
+            </a:r>
+            <a:r>
+              <a:rPr lang="en-US" dirty="0" smtClean="0"/>
+              <a:t>Maps and </a:t>
+            </a:r>
+            <a:r>
+              <a:rPr lang="en-US" dirty="0"/>
+              <a:t>Tiles in a manner independent of the underlying data </a:t>
+            </a:r>
+            <a:r>
+              <a:rPr lang="en-US" dirty="0" smtClean="0"/>
+              <a:t>store</a:t>
+            </a:r>
+          </a:p>
+          <a:p>
+            <a:pPr>
+              <a:buNone/>
+            </a:pPr>
             <a:endParaRPr lang="en-US" dirty="0"/>
           </a:p>
           <a:p>
             <a:r>
               <a:rPr lang="en-US" dirty="0"/>
-              <a:t>Builds upon the WMTS standard and recent work on Tiled Feature Data</a:t>
-            </a:r>
+              <a:t>Builds upon </a:t>
+            </a:r>
+            <a:r>
+              <a:rPr lang="en-US" dirty="0" smtClean="0"/>
+              <a:t>(and unifies) the WMS 1.3 and WMTS 1.0 standards </a:t>
+            </a:r>
+            <a:r>
+              <a:rPr lang="en-US" dirty="0"/>
+              <a:t>and recent work on Tiled Feature </a:t>
+            </a:r>
+            <a:r>
+              <a:rPr lang="en-US" dirty="0" smtClean="0"/>
+              <a:t>Data (a.k.a. </a:t>
+            </a:r>
+            <a:r>
+              <a:rPr lang="en-US" i="1" dirty="0" smtClean="0"/>
+              <a:t>vector </a:t>
+            </a:r>
+            <a:r>
+              <a:rPr lang="en-US" dirty="0" smtClean="0"/>
+              <a:t>tiles).</a:t>
+            </a:r>
+          </a:p>
+          <a:p>
+            <a:endParaRPr lang="en-US" dirty="0" smtClean="0"/>
+          </a:p>
+          <a:p>
+            <a:r>
+              <a:rPr lang="en-US" dirty="0" smtClean="0"/>
+              <a:t>Uses the </a:t>
+            </a:r>
+            <a:r>
+              <a:rPr lang="en-US" dirty="0" smtClean="0"/>
+              <a:t>recently approved </a:t>
+            </a:r>
+            <a:r>
+              <a:rPr lang="en-US" dirty="0" smtClean="0"/>
+              <a:t>17-083r1 OGC Tile Matrix Set Standard (web publication pending. Available on “pending”) as a baseline to describe tiles tile spaces and tile schemas.</a:t>
+            </a:r>
+            <a:endParaRPr lang="en-US" dirty="0"/>
           </a:p>
         </p:txBody>
       </p:sp>
@@ -4853,7 +4979,7 @@
           <p:cNvPr id="4" name="Footer Placeholder 3">
             <a:extLst>
               <a:ext uri="{FF2B5EF4-FFF2-40B4-BE49-F238E27FC236}">
-                <a16:creationId xmlns:a16="http://schemas.microsoft.com/office/drawing/2014/main" id="{3B3B72CC-2334-4D32-93E3-6CF542CB7E22}"/>
+                <a16:creationId xmlns:a16="http://schemas.microsoft.com/office/drawing/2014/main" xmlns="" id="{3B3B72CC-2334-4D32-93E3-6CF542CB7E22}"/>
               </a:ext>
             </a:extLst>
           </p:cNvPr>
@@ -4883,7 +5009,7 @@
     </p:spTree>
     <p:extLst>
       <p:ext uri="{BB962C8B-B14F-4D97-AF65-F5344CB8AC3E}">
-        <p14:creationId xmlns:p14="http://schemas.microsoft.com/office/powerpoint/2010/main" val="612419559"/>
+        <p14:creationId xmlns:p14="http://schemas.microsoft.com/office/powerpoint/2010/main" xmlns="" val="612419559"/>
       </p:ext>
     </p:extLst>
   </p:cSld>
@@ -4915,7 +5041,7 @@
           <p:cNvPr id="2" name="Title 1">
             <a:extLst>
               <a:ext uri="{FF2B5EF4-FFF2-40B4-BE49-F238E27FC236}">
-                <a16:creationId xmlns:a16="http://schemas.microsoft.com/office/drawing/2014/main" id="{D330DD59-3F5C-433B-BAEB-AD810C386F12}"/>
+                <a16:creationId xmlns:a16="http://schemas.microsoft.com/office/drawing/2014/main" xmlns="" id="{D330DD59-3F5C-433B-BAEB-AD810C386F12}"/>
               </a:ext>
             </a:extLst>
           </p:cNvPr>
@@ -4933,7 +5059,15 @@
           <a:p>
             <a:r>
               <a:rPr lang="en-US" dirty="0"/>
-              <a:t>OGC API Common – Paths (1)</a:t>
+              <a:t>OGC API </a:t>
+            </a:r>
+            <a:r>
+              <a:rPr lang="en-US" dirty="0" smtClean="0"/>
+              <a:t>Maps and Tiles </a:t>
+            </a:r>
+            <a:r>
+              <a:rPr lang="en-US" dirty="0"/>
+              <a:t>– Paths (1)</a:t>
             </a:r>
           </a:p>
         </p:txBody>
@@ -4943,7 +5077,7 @@
           <p:cNvPr id="3" name="Content Placeholder 2">
             <a:extLst>
               <a:ext uri="{FF2B5EF4-FFF2-40B4-BE49-F238E27FC236}">
-                <a16:creationId xmlns:a16="http://schemas.microsoft.com/office/drawing/2014/main" id="{349D4A61-501D-40C5-A0FD-C4F7FC590678}"/>
+                <a16:creationId xmlns:a16="http://schemas.microsoft.com/office/drawing/2014/main" xmlns="" id="{349D4A61-501D-40C5-A0FD-C4F7FC590678}"/>
               </a:ext>
             </a:extLst>
           </p:cNvPr>
@@ -4960,160 +5094,165 @@
           <a:lstStyle/>
           <a:p>
             <a:r>
+              <a:rPr lang="en-US" sz="2000" dirty="0" smtClean="0"/>
+              <a:t>Path </a:t>
+            </a:r>
+            <a:r>
               <a:rPr lang="en-US" sz="2000" dirty="0"/>
-              <a:t> Path = /</a:t>
+              <a:t>= /</a:t>
             </a:r>
           </a:p>
           <a:p>
             <a:pPr lvl="1"/>
             <a:r>
+              <a:rPr lang="en-US" sz="1600" dirty="0" smtClean="0"/>
+              <a:t>Returns </a:t>
+            </a:r>
+            <a:r>
               <a:rPr lang="en-US" sz="1600" dirty="0"/>
-              <a:t> Returns landing page (inherited from OGC API - Common)</a:t>
-            </a:r>
-          </a:p>
-          <a:p>
+              <a:t>landing page (inherited from OGC API - Common)</a:t>
+            </a:r>
+          </a:p>
+          <a:p>
+            <a:r>
+              <a:rPr lang="en-US" sz="2000" dirty="0" smtClean="0"/>
+              <a:t>Path </a:t>
+            </a:r>
             <a:r>
               <a:rPr lang="en-US" sz="2000" dirty="0"/>
-              <a:t> Path = /conformance</a:t>
+              <a:t>= /conformance</a:t>
             </a:r>
           </a:p>
           <a:p>
             <a:pPr lvl="1"/>
             <a:r>
+              <a:rPr lang="en-US" sz="1600" dirty="0" smtClean="0"/>
+              <a:t>Returns </a:t>
+            </a:r>
+            <a:r>
               <a:rPr lang="en-US" sz="1600" dirty="0"/>
-              <a:t> Returns a set of conformance class URIs. (inherited from OGC API - Common)</a:t>
-            </a:r>
-          </a:p>
-          <a:p>
+              <a:t>a set of conformance class URIs. (inherited from OGC API - Common)</a:t>
+            </a:r>
+          </a:p>
+          <a:p>
+            <a:r>
+              <a:rPr lang="en-US" sz="2000" dirty="0" smtClean="0"/>
+              <a:t>Path </a:t>
+            </a:r>
             <a:r>
               <a:rPr lang="en-US" sz="2000" dirty="0"/>
-              <a:t> Path = /collections</a:t>
+              <a:t>= /collections</a:t>
             </a:r>
           </a:p>
           <a:p>
             <a:pPr lvl="1"/>
             <a:r>
+              <a:rPr lang="en-US" sz="1600" dirty="0" smtClean="0"/>
+              <a:t>Returns </a:t>
+            </a:r>
+            <a:r>
               <a:rPr lang="en-US" sz="1600" dirty="0"/>
-              <a:t> Returns metadata describing the collections accessible through this API (inherited from OGC API - Common)</a:t>
-            </a:r>
-          </a:p>
-          <a:p>
+              <a:t>metadata describing the collections accessible through this API (inherited from OGC API - Common)</a:t>
+            </a:r>
+          </a:p>
+          <a:p>
+            <a:r>
+              <a:rPr lang="en-US" sz="2000" dirty="0" smtClean="0">
+                <a:solidFill>
+                  <a:schemeClr val="tx1"/>
+                </a:solidFill>
+              </a:rPr>
+              <a:t>Path </a:t>
+            </a:r>
+            <a:r>
+              <a:rPr lang="en-US" sz="2000" dirty="0">
+                <a:solidFill>
+                  <a:schemeClr val="tx1"/>
+                </a:solidFill>
+              </a:rPr>
+              <a:t>= /collections/{</a:t>
+            </a:r>
+            <a:r>
+              <a:rPr lang="en-US" sz="2000" dirty="0" err="1">
+                <a:solidFill>
+                  <a:schemeClr val="tx1"/>
+                </a:solidFill>
+              </a:rPr>
+              <a:t>collectionId</a:t>
+            </a:r>
+            <a:r>
+              <a:rPr lang="en-US" sz="2000" dirty="0">
+                <a:solidFill>
+                  <a:schemeClr val="tx1"/>
+                </a:solidFill>
+              </a:rPr>
+              <a:t>}</a:t>
+            </a:r>
+          </a:p>
+          <a:p>
+            <a:pPr lvl="1"/>
+            <a:r>
+              <a:rPr lang="en-US" sz="1600" dirty="0" smtClean="0">
+                <a:solidFill>
+                  <a:schemeClr val="tx1"/>
+                </a:solidFill>
+              </a:rPr>
+              <a:t>Returns </a:t>
+            </a:r>
+            <a:r>
+              <a:rPr lang="en-US" sz="1600" dirty="0">
+                <a:solidFill>
+                  <a:schemeClr val="tx1"/>
+                </a:solidFill>
+              </a:rPr>
+              <a:t>metadata describing </a:t>
+            </a:r>
+            <a:r>
+              <a:rPr lang="en-US" sz="1600" dirty="0" smtClean="0">
+                <a:solidFill>
+                  <a:schemeClr val="tx1"/>
+                </a:solidFill>
+              </a:rPr>
+              <a:t>if a </a:t>
+            </a:r>
+            <a:r>
+              <a:rPr lang="en-US" sz="1600" dirty="0">
+                <a:solidFill>
+                  <a:schemeClr val="tx1"/>
+                </a:solidFill>
+              </a:rPr>
+              <a:t>{</a:t>
+            </a:r>
+            <a:r>
+              <a:rPr lang="en-US" sz="1600" dirty="0" err="1">
+                <a:solidFill>
+                  <a:schemeClr val="tx1"/>
+                </a:solidFill>
+              </a:rPr>
+              <a:t>collectionId</a:t>
+            </a:r>
+            <a:r>
+              <a:rPr lang="en-US" sz="1600" dirty="0" smtClean="0">
+                <a:solidFill>
+                  <a:schemeClr val="tx1"/>
+                </a:solidFill>
+              </a:rPr>
+              <a:t>} is available as a map or as tiles</a:t>
+            </a:r>
+            <a:endParaRPr lang="en-US" sz="1600" dirty="0">
+              <a:solidFill>
+                <a:schemeClr val="tx1"/>
+              </a:solidFill>
+            </a:endParaRPr>
+          </a:p>
+          <a:p>
+            <a:r>
+              <a:rPr lang="en-US" sz="2000" dirty="0" smtClean="0"/>
+              <a:t>Path </a:t>
+            </a:r>
             <a:r>
               <a:rPr lang="en-US" sz="2000" dirty="0"/>
-              <a:t> Path = /collections/{</a:t>
-            </a:r>
-            <a:r>
-              <a:rPr lang="en-US" sz="2000" dirty="0" err="1"/>
-              <a:t>collectionId</a:t>
-            </a:r>
-            <a:r>
-              <a:rPr lang="en-US" sz="2000" dirty="0"/>
-              <a:t>}</a:t>
-            </a:r>
-          </a:p>
-          <a:p>
-            <a:pPr lvl="1"/>
-            <a:r>
-              <a:rPr lang="en-US" sz="1600" dirty="0"/>
-              <a:t> Returns metadata describing the collection identified by {</a:t>
-            </a:r>
-            <a:r>
-              <a:rPr lang="en-US" sz="1600" dirty="0" err="1"/>
-              <a:t>collectionId</a:t>
-            </a:r>
-            <a:r>
-              <a:rPr lang="en-US" sz="1600" dirty="0"/>
-              <a:t>}</a:t>
-            </a:r>
-          </a:p>
-          <a:p>
-            <a:r>
-              <a:rPr lang="en-US" sz="2000" dirty="0"/>
-              <a:t> Path = /collections/{</a:t>
-            </a:r>
-            <a:r>
-              <a:rPr lang="en-US" sz="2000" dirty="0" err="1"/>
-              <a:t>collectionId</a:t>
-            </a:r>
-            <a:r>
-              <a:rPr lang="en-US" sz="2000" dirty="0"/>
-              <a:t>}/</a:t>
-            </a:r>
-            <a:r>
-              <a:rPr lang="en-US" sz="2000" dirty="0" err="1"/>
-              <a:t>queryables</a:t>
-            </a:r>
-            <a:endParaRPr lang="en-US" sz="2000" dirty="0"/>
-          </a:p>
-          <a:p>
-            <a:pPr lvl="1"/>
-            <a:r>
-              <a:rPr lang="en-US" sz="1600" dirty="0"/>
-              <a:t>  Returns the </a:t>
-            </a:r>
-            <a:r>
-              <a:rPr lang="en-US" sz="1600" dirty="0" err="1"/>
-              <a:t>queryable</a:t>
-            </a:r>
-            <a:r>
-              <a:rPr lang="en-US" sz="1600" dirty="0"/>
-              <a:t> properties of the feature collection</a:t>
-            </a:r>
-          </a:p>
-          <a:p>
-            <a:r>
-              <a:rPr lang="en-US" sz="2000" dirty="0"/>
-              <a:t> Path = /collections/{</a:t>
-            </a:r>
-            <a:r>
-              <a:rPr lang="en-US" sz="2000" dirty="0" err="1"/>
-              <a:t>collectionId</a:t>
-            </a:r>
-            <a:r>
-              <a:rPr lang="en-US" sz="2000" dirty="0"/>
-              <a:t>}/items</a:t>
-            </a:r>
-          </a:p>
-          <a:p>
-            <a:pPr lvl="1"/>
-            <a:r>
-              <a:rPr lang="en-US" sz="1600" dirty="0"/>
-              <a:t> Returns features of the feature collection</a:t>
-            </a:r>
-          </a:p>
-          <a:p>
-            <a:r>
-              <a:rPr lang="en-US" sz="2000" dirty="0"/>
-              <a:t> Path = /collections/{</a:t>
-            </a:r>
-            <a:r>
-              <a:rPr lang="en-US" sz="2000" dirty="0" err="1"/>
-              <a:t>collectionId</a:t>
-            </a:r>
-            <a:r>
-              <a:rPr lang="en-US" sz="2000" dirty="0"/>
-              <a:t>}/items/{</a:t>
-            </a:r>
-            <a:r>
-              <a:rPr lang="en-US" sz="2000" dirty="0" err="1"/>
-              <a:t>featureId</a:t>
-            </a:r>
-            <a:r>
-              <a:rPr lang="en-US" sz="2000" dirty="0"/>
-              <a:t>}</a:t>
-            </a:r>
-          </a:p>
-          <a:p>
-            <a:pPr lvl="1"/>
-            <a:r>
-              <a:rPr lang="en-US" sz="1600" dirty="0"/>
-              <a:t> Returns a feature</a:t>
-            </a:r>
-          </a:p>
-          <a:p>
-            <a:r>
-              <a:rPr lang="en-US" sz="2000" dirty="0"/>
-              <a:t> Path = /</a:t>
+              <a:t>= /</a:t>
             </a:r>
             <a:r>
               <a:rPr lang="en-US" sz="2000" dirty="0" err="1"/>
@@ -5122,11 +5261,47 @@
             <a:endParaRPr lang="en-US" sz="2000" dirty="0"/>
           </a:p>
           <a:p>
-            <a:r>
-              <a:rPr lang="en-US" sz="2000" dirty="0"/>
-              <a:t>  Returns all available tile matrix sets (tiling schemes)</a:t>
-            </a:r>
-            <a:endParaRPr lang="en-US" sz="1600" dirty="0"/>
+            <a:pPr lvl="1"/>
+            <a:r>
+              <a:rPr lang="en-US" sz="1600" dirty="0" smtClean="0"/>
+              <a:t>Returns all available tile matrix sets (tiling schemes)</a:t>
+            </a:r>
+          </a:p>
+          <a:p>
+            <a:r>
+              <a:rPr lang="en-US" sz="2000" dirty="0" smtClean="0"/>
+              <a:t>Path = /</a:t>
+            </a:r>
+            <a:r>
+              <a:rPr lang="en-US" sz="2000" dirty="0" err="1" smtClean="0"/>
+              <a:t>tileMatrixSet</a:t>
+            </a:r>
+            <a:r>
+              <a:rPr lang="en-US" sz="2000" dirty="0" smtClean="0"/>
+              <a:t>/{</a:t>
+            </a:r>
+            <a:r>
+              <a:rPr lang="en-US" sz="2000" dirty="0" err="1" smtClean="0"/>
+              <a:t>tileMatrixSetId</a:t>
+            </a:r>
+            <a:r>
+              <a:rPr lang="en-US" sz="2000" dirty="0" smtClean="0"/>
+              <a:t>}</a:t>
+            </a:r>
+          </a:p>
+          <a:p>
+            <a:pPr lvl="1"/>
+            <a:r>
+              <a:rPr lang="en-US" sz="1600" dirty="0" smtClean="0"/>
+              <a:t>Returns a tiling scheme by id</a:t>
+            </a:r>
+          </a:p>
+          <a:p>
+            <a:endParaRPr lang="en-US" dirty="0">
+              <a:solidFill>
+                <a:schemeClr val="tx1"/>
+              </a:solidFill>
+            </a:endParaRPr>
           </a:p>
         </p:txBody>
       </p:sp>
@@ -5135,7 +5310,7 @@
           <p:cNvPr id="4" name="Footer Placeholder 3">
             <a:extLst>
               <a:ext uri="{FF2B5EF4-FFF2-40B4-BE49-F238E27FC236}">
-                <a16:creationId xmlns:a16="http://schemas.microsoft.com/office/drawing/2014/main" id="{0E2576B7-5C60-474B-B71B-1762FD9B05D3}"/>
+                <a16:creationId xmlns:a16="http://schemas.microsoft.com/office/drawing/2014/main" xmlns="" id="{0E2576B7-5C60-474B-B71B-1762FD9B05D3}"/>
               </a:ext>
             </a:extLst>
           </p:cNvPr>
@@ -5162,10 +5337,4329 @@
           </a:p>
         </p:txBody>
       </p:sp>
+      <p:grpSp>
+        <p:nvGrpSpPr>
+          <p:cNvPr id="1026" name="Group 2"/>
+          <p:cNvGrpSpPr>
+            <a:grpSpLocks/>
+          </p:cNvGrpSpPr>
+          <p:nvPr/>
+        </p:nvGrpSpPr>
+        <p:grpSpPr bwMode="auto">
+          <a:xfrm>
+            <a:off x="6705600" y="4495800"/>
+            <a:ext cx="1905000" cy="2033840"/>
+            <a:chOff x="3861" y="1084"/>
+            <a:chExt cx="5558" cy="5555"/>
+          </a:xfrm>
+        </p:grpSpPr>
+        <p:grpSp>
+          <p:nvGrpSpPr>
+            <p:cNvPr id="1027" name="Group 3"/>
+            <p:cNvGrpSpPr>
+              <a:grpSpLocks/>
+            </p:cNvGrpSpPr>
+            <p:nvPr/>
+          </p:nvGrpSpPr>
+          <p:grpSpPr bwMode="auto">
+            <a:xfrm>
+              <a:off x="5904" y="3124"/>
+              <a:ext cx="3515" cy="3515"/>
+              <a:chOff x="1338" y="2296"/>
+              <a:chExt cx="1406" cy="1406"/>
+            </a:xfrm>
+          </p:grpSpPr>
+          <p:sp>
+            <p:nvSpPr>
+              <p:cNvPr id="1028" name="Rectangle 4"/>
+              <p:cNvSpPr>
+                <a:spLocks noChangeArrowheads="1"/>
+              </p:cNvSpPr>
+              <p:nvPr/>
+            </p:nvSpPr>
+            <p:spPr bwMode="auto">
+              <a:xfrm>
+                <a:off x="1338" y="3566"/>
+                <a:ext cx="136" cy="136"/>
+              </a:xfrm>
+              <a:prstGeom prst="rect">
+                <a:avLst/>
+              </a:prstGeom>
+              <a:solidFill>
+                <a:srgbClr val="BBE0E3"/>
+              </a:solidFill>
+              <a:ln w="9525">
+                <a:solidFill>
+                  <a:srgbClr val="000000"/>
+                </a:solidFill>
+                <a:miter lim="800000"/>
+                <a:headEnd/>
+                <a:tailEnd/>
+              </a:ln>
+            </p:spPr>
+            <p:txBody>
+              <a:bodyPr vert="horz" wrap="square" lIns="91440" tIns="45720" rIns="91440" bIns="45720" numCol="1" anchor="ctr" anchorCtr="0" compatLnSpc="1">
+                <a:prstTxWarp prst="textNoShape">
+                  <a:avLst/>
+                </a:prstTxWarp>
+              </a:bodyPr>
+              <a:lstStyle/>
+              <a:p>
+                <a:endParaRPr lang="ca-ES"/>
+              </a:p>
+            </p:txBody>
+          </p:sp>
+          <p:sp>
+            <p:nvSpPr>
+              <p:cNvPr id="1029" name="Rectangle 5"/>
+              <p:cNvSpPr>
+                <a:spLocks noChangeArrowheads="1"/>
+              </p:cNvSpPr>
+              <p:nvPr/>
+            </p:nvSpPr>
+            <p:spPr bwMode="auto">
+              <a:xfrm>
+                <a:off x="1519" y="3566"/>
+                <a:ext cx="136" cy="136"/>
+              </a:xfrm>
+              <a:prstGeom prst="rect">
+                <a:avLst/>
+              </a:prstGeom>
+              <a:solidFill>
+                <a:srgbClr val="BBE0E3"/>
+              </a:solidFill>
+              <a:ln w="9525">
+                <a:solidFill>
+                  <a:srgbClr val="000000"/>
+                </a:solidFill>
+                <a:miter lim="800000"/>
+                <a:headEnd/>
+                <a:tailEnd/>
+              </a:ln>
+            </p:spPr>
+            <p:txBody>
+              <a:bodyPr vert="horz" wrap="square" lIns="91440" tIns="45720" rIns="91440" bIns="45720" numCol="1" anchor="ctr" anchorCtr="0" compatLnSpc="1">
+                <a:prstTxWarp prst="textNoShape">
+                  <a:avLst/>
+                </a:prstTxWarp>
+              </a:bodyPr>
+              <a:lstStyle/>
+              <a:p>
+                <a:endParaRPr lang="ca-ES"/>
+              </a:p>
+            </p:txBody>
+          </p:sp>
+          <p:sp>
+            <p:nvSpPr>
+              <p:cNvPr id="1030" name="Rectangle 6"/>
+              <p:cNvSpPr>
+                <a:spLocks noChangeArrowheads="1"/>
+              </p:cNvSpPr>
+              <p:nvPr/>
+            </p:nvSpPr>
+            <p:spPr bwMode="auto">
+              <a:xfrm>
+                <a:off x="1701" y="3566"/>
+                <a:ext cx="136" cy="136"/>
+              </a:xfrm>
+              <a:prstGeom prst="rect">
+                <a:avLst/>
+              </a:prstGeom>
+              <a:solidFill>
+                <a:srgbClr val="BBE0E3"/>
+              </a:solidFill>
+              <a:ln w="9525">
+                <a:solidFill>
+                  <a:srgbClr val="000000"/>
+                </a:solidFill>
+                <a:miter lim="800000"/>
+                <a:headEnd/>
+                <a:tailEnd/>
+              </a:ln>
+            </p:spPr>
+            <p:txBody>
+              <a:bodyPr vert="horz" wrap="square" lIns="91440" tIns="45720" rIns="91440" bIns="45720" numCol="1" anchor="ctr" anchorCtr="0" compatLnSpc="1">
+                <a:prstTxWarp prst="textNoShape">
+                  <a:avLst/>
+                </a:prstTxWarp>
+              </a:bodyPr>
+              <a:lstStyle/>
+              <a:p>
+                <a:endParaRPr lang="ca-ES"/>
+              </a:p>
+            </p:txBody>
+          </p:sp>
+          <p:sp>
+            <p:nvSpPr>
+              <p:cNvPr id="1031" name="Rectangle 7"/>
+              <p:cNvSpPr>
+                <a:spLocks noChangeArrowheads="1"/>
+              </p:cNvSpPr>
+              <p:nvPr/>
+            </p:nvSpPr>
+            <p:spPr bwMode="auto">
+              <a:xfrm>
+                <a:off x="1882" y="3566"/>
+                <a:ext cx="136" cy="136"/>
+              </a:xfrm>
+              <a:prstGeom prst="rect">
+                <a:avLst/>
+              </a:prstGeom>
+              <a:solidFill>
+                <a:srgbClr val="BBE0E3"/>
+              </a:solidFill>
+              <a:ln w="9525">
+                <a:solidFill>
+                  <a:srgbClr val="000000"/>
+                </a:solidFill>
+                <a:miter lim="800000"/>
+                <a:headEnd/>
+                <a:tailEnd/>
+              </a:ln>
+            </p:spPr>
+            <p:txBody>
+              <a:bodyPr vert="horz" wrap="square" lIns="91440" tIns="45720" rIns="91440" bIns="45720" numCol="1" anchor="ctr" anchorCtr="0" compatLnSpc="1">
+                <a:prstTxWarp prst="textNoShape">
+                  <a:avLst/>
+                </a:prstTxWarp>
+              </a:bodyPr>
+              <a:lstStyle/>
+              <a:p>
+                <a:endParaRPr lang="ca-ES"/>
+              </a:p>
+            </p:txBody>
+          </p:sp>
+          <p:sp>
+            <p:nvSpPr>
+              <p:cNvPr id="1032" name="Rectangle 8"/>
+              <p:cNvSpPr>
+                <a:spLocks noChangeArrowheads="1"/>
+              </p:cNvSpPr>
+              <p:nvPr/>
+            </p:nvSpPr>
+            <p:spPr bwMode="auto">
+              <a:xfrm>
+                <a:off x="2064" y="3566"/>
+                <a:ext cx="136" cy="136"/>
+              </a:xfrm>
+              <a:prstGeom prst="rect">
+                <a:avLst/>
+              </a:prstGeom>
+              <a:solidFill>
+                <a:srgbClr val="BBE0E3"/>
+              </a:solidFill>
+              <a:ln w="9525">
+                <a:solidFill>
+                  <a:srgbClr val="000000"/>
+                </a:solidFill>
+                <a:miter lim="800000"/>
+                <a:headEnd/>
+                <a:tailEnd/>
+              </a:ln>
+            </p:spPr>
+            <p:txBody>
+              <a:bodyPr vert="horz" wrap="square" lIns="91440" tIns="45720" rIns="91440" bIns="45720" numCol="1" anchor="ctr" anchorCtr="0" compatLnSpc="1">
+                <a:prstTxWarp prst="textNoShape">
+                  <a:avLst/>
+                </a:prstTxWarp>
+              </a:bodyPr>
+              <a:lstStyle/>
+              <a:p>
+                <a:endParaRPr lang="ca-ES"/>
+              </a:p>
+            </p:txBody>
+          </p:sp>
+          <p:sp>
+            <p:nvSpPr>
+              <p:cNvPr id="1033" name="Rectangle 9"/>
+              <p:cNvSpPr>
+                <a:spLocks noChangeArrowheads="1"/>
+              </p:cNvSpPr>
+              <p:nvPr/>
+            </p:nvSpPr>
+            <p:spPr bwMode="auto">
+              <a:xfrm>
+                <a:off x="2245" y="3566"/>
+                <a:ext cx="136" cy="136"/>
+              </a:xfrm>
+              <a:prstGeom prst="rect">
+                <a:avLst/>
+              </a:prstGeom>
+              <a:solidFill>
+                <a:srgbClr val="BBE0E3"/>
+              </a:solidFill>
+              <a:ln w="9525">
+                <a:solidFill>
+                  <a:srgbClr val="000000"/>
+                </a:solidFill>
+                <a:miter lim="800000"/>
+                <a:headEnd/>
+                <a:tailEnd/>
+              </a:ln>
+            </p:spPr>
+            <p:txBody>
+              <a:bodyPr vert="horz" wrap="square" lIns="91440" tIns="45720" rIns="91440" bIns="45720" numCol="1" anchor="ctr" anchorCtr="0" compatLnSpc="1">
+                <a:prstTxWarp prst="textNoShape">
+                  <a:avLst/>
+                </a:prstTxWarp>
+              </a:bodyPr>
+              <a:lstStyle/>
+              <a:p>
+                <a:endParaRPr lang="ca-ES"/>
+              </a:p>
+            </p:txBody>
+          </p:sp>
+          <p:sp>
+            <p:nvSpPr>
+              <p:cNvPr id="1034" name="Rectangle 10"/>
+              <p:cNvSpPr>
+                <a:spLocks noChangeArrowheads="1"/>
+              </p:cNvSpPr>
+              <p:nvPr/>
+            </p:nvSpPr>
+            <p:spPr bwMode="auto">
+              <a:xfrm>
+                <a:off x="2427" y="3566"/>
+                <a:ext cx="136" cy="136"/>
+              </a:xfrm>
+              <a:prstGeom prst="rect">
+                <a:avLst/>
+              </a:prstGeom>
+              <a:solidFill>
+                <a:srgbClr val="BBE0E3"/>
+              </a:solidFill>
+              <a:ln w="9525">
+                <a:solidFill>
+                  <a:srgbClr val="000000"/>
+                </a:solidFill>
+                <a:miter lim="800000"/>
+                <a:headEnd/>
+                <a:tailEnd/>
+              </a:ln>
+            </p:spPr>
+            <p:txBody>
+              <a:bodyPr vert="horz" wrap="square" lIns="91440" tIns="45720" rIns="91440" bIns="45720" numCol="1" anchor="ctr" anchorCtr="0" compatLnSpc="1">
+                <a:prstTxWarp prst="textNoShape">
+                  <a:avLst/>
+                </a:prstTxWarp>
+              </a:bodyPr>
+              <a:lstStyle/>
+              <a:p>
+                <a:endParaRPr lang="ca-ES"/>
+              </a:p>
+            </p:txBody>
+          </p:sp>
+          <p:sp>
+            <p:nvSpPr>
+              <p:cNvPr id="1035" name="Rectangle 11"/>
+              <p:cNvSpPr>
+                <a:spLocks noChangeArrowheads="1"/>
+              </p:cNvSpPr>
+              <p:nvPr/>
+            </p:nvSpPr>
+            <p:spPr bwMode="auto">
+              <a:xfrm>
+                <a:off x="2608" y="3566"/>
+                <a:ext cx="136" cy="136"/>
+              </a:xfrm>
+              <a:prstGeom prst="rect">
+                <a:avLst/>
+              </a:prstGeom>
+              <a:solidFill>
+                <a:srgbClr val="BBE0E3"/>
+              </a:solidFill>
+              <a:ln w="9525">
+                <a:solidFill>
+                  <a:srgbClr val="000000"/>
+                </a:solidFill>
+                <a:miter lim="800000"/>
+                <a:headEnd/>
+                <a:tailEnd/>
+              </a:ln>
+            </p:spPr>
+            <p:txBody>
+              <a:bodyPr vert="horz" wrap="square" lIns="91440" tIns="45720" rIns="91440" bIns="45720" numCol="1" anchor="ctr" anchorCtr="0" compatLnSpc="1">
+                <a:prstTxWarp prst="textNoShape">
+                  <a:avLst/>
+                </a:prstTxWarp>
+              </a:bodyPr>
+              <a:lstStyle/>
+              <a:p>
+                <a:endParaRPr lang="ca-ES"/>
+              </a:p>
+            </p:txBody>
+          </p:sp>
+          <p:sp>
+            <p:nvSpPr>
+              <p:cNvPr id="1036" name="Rectangle 12"/>
+              <p:cNvSpPr>
+                <a:spLocks noChangeArrowheads="1"/>
+              </p:cNvSpPr>
+              <p:nvPr/>
+            </p:nvSpPr>
+            <p:spPr bwMode="auto">
+              <a:xfrm>
+                <a:off x="1338" y="3385"/>
+                <a:ext cx="136" cy="136"/>
+              </a:xfrm>
+              <a:prstGeom prst="rect">
+                <a:avLst/>
+              </a:prstGeom>
+              <a:solidFill>
+                <a:srgbClr val="BBE0E3"/>
+              </a:solidFill>
+              <a:ln w="9525">
+                <a:solidFill>
+                  <a:srgbClr val="000000"/>
+                </a:solidFill>
+                <a:miter lim="800000"/>
+                <a:headEnd/>
+                <a:tailEnd/>
+              </a:ln>
+            </p:spPr>
+            <p:txBody>
+              <a:bodyPr vert="horz" wrap="square" lIns="91440" tIns="45720" rIns="91440" bIns="45720" numCol="1" anchor="ctr" anchorCtr="0" compatLnSpc="1">
+                <a:prstTxWarp prst="textNoShape">
+                  <a:avLst/>
+                </a:prstTxWarp>
+              </a:bodyPr>
+              <a:lstStyle/>
+              <a:p>
+                <a:endParaRPr lang="ca-ES"/>
+              </a:p>
+            </p:txBody>
+          </p:sp>
+          <p:sp>
+            <p:nvSpPr>
+              <p:cNvPr id="1037" name="Rectangle 13"/>
+              <p:cNvSpPr>
+                <a:spLocks noChangeArrowheads="1"/>
+              </p:cNvSpPr>
+              <p:nvPr/>
+            </p:nvSpPr>
+            <p:spPr bwMode="auto">
+              <a:xfrm>
+                <a:off x="1519" y="3385"/>
+                <a:ext cx="136" cy="136"/>
+              </a:xfrm>
+              <a:prstGeom prst="rect">
+                <a:avLst/>
+              </a:prstGeom>
+              <a:solidFill>
+                <a:srgbClr val="BBE0E3"/>
+              </a:solidFill>
+              <a:ln w="9525">
+                <a:solidFill>
+                  <a:srgbClr val="000000"/>
+                </a:solidFill>
+                <a:miter lim="800000"/>
+                <a:headEnd/>
+                <a:tailEnd/>
+              </a:ln>
+            </p:spPr>
+            <p:txBody>
+              <a:bodyPr vert="horz" wrap="square" lIns="91440" tIns="45720" rIns="91440" bIns="45720" numCol="1" anchor="ctr" anchorCtr="0" compatLnSpc="1">
+                <a:prstTxWarp prst="textNoShape">
+                  <a:avLst/>
+                </a:prstTxWarp>
+              </a:bodyPr>
+              <a:lstStyle/>
+              <a:p>
+                <a:endParaRPr lang="ca-ES"/>
+              </a:p>
+            </p:txBody>
+          </p:sp>
+          <p:sp>
+            <p:nvSpPr>
+              <p:cNvPr id="1038" name="Rectangle 14"/>
+              <p:cNvSpPr>
+                <a:spLocks noChangeArrowheads="1"/>
+              </p:cNvSpPr>
+              <p:nvPr/>
+            </p:nvSpPr>
+            <p:spPr bwMode="auto">
+              <a:xfrm>
+                <a:off x="1701" y="3385"/>
+                <a:ext cx="136" cy="136"/>
+              </a:xfrm>
+              <a:prstGeom prst="rect">
+                <a:avLst/>
+              </a:prstGeom>
+              <a:solidFill>
+                <a:srgbClr val="BBE0E3"/>
+              </a:solidFill>
+              <a:ln w="9525">
+                <a:solidFill>
+                  <a:srgbClr val="000000"/>
+                </a:solidFill>
+                <a:miter lim="800000"/>
+                <a:headEnd/>
+                <a:tailEnd/>
+              </a:ln>
+            </p:spPr>
+            <p:txBody>
+              <a:bodyPr vert="horz" wrap="square" lIns="91440" tIns="45720" rIns="91440" bIns="45720" numCol="1" anchor="ctr" anchorCtr="0" compatLnSpc="1">
+                <a:prstTxWarp prst="textNoShape">
+                  <a:avLst/>
+                </a:prstTxWarp>
+              </a:bodyPr>
+              <a:lstStyle/>
+              <a:p>
+                <a:endParaRPr lang="ca-ES"/>
+              </a:p>
+            </p:txBody>
+          </p:sp>
+          <p:sp>
+            <p:nvSpPr>
+              <p:cNvPr id="1039" name="Rectangle 15"/>
+              <p:cNvSpPr>
+                <a:spLocks noChangeArrowheads="1"/>
+              </p:cNvSpPr>
+              <p:nvPr/>
+            </p:nvSpPr>
+            <p:spPr bwMode="auto">
+              <a:xfrm>
+                <a:off x="1882" y="3385"/>
+                <a:ext cx="136" cy="136"/>
+              </a:xfrm>
+              <a:prstGeom prst="rect">
+                <a:avLst/>
+              </a:prstGeom>
+              <a:solidFill>
+                <a:srgbClr val="BBE0E3"/>
+              </a:solidFill>
+              <a:ln w="9525">
+                <a:solidFill>
+                  <a:srgbClr val="000000"/>
+                </a:solidFill>
+                <a:miter lim="800000"/>
+                <a:headEnd/>
+                <a:tailEnd/>
+              </a:ln>
+            </p:spPr>
+            <p:txBody>
+              <a:bodyPr vert="horz" wrap="square" lIns="91440" tIns="45720" rIns="91440" bIns="45720" numCol="1" anchor="ctr" anchorCtr="0" compatLnSpc="1">
+                <a:prstTxWarp prst="textNoShape">
+                  <a:avLst/>
+                </a:prstTxWarp>
+              </a:bodyPr>
+              <a:lstStyle/>
+              <a:p>
+                <a:endParaRPr lang="ca-ES"/>
+              </a:p>
+            </p:txBody>
+          </p:sp>
+          <p:sp>
+            <p:nvSpPr>
+              <p:cNvPr id="1040" name="Rectangle 16"/>
+              <p:cNvSpPr>
+                <a:spLocks noChangeArrowheads="1"/>
+              </p:cNvSpPr>
+              <p:nvPr/>
+            </p:nvSpPr>
+            <p:spPr bwMode="auto">
+              <a:xfrm>
+                <a:off x="2064" y="3385"/>
+                <a:ext cx="136" cy="136"/>
+              </a:xfrm>
+              <a:prstGeom prst="rect">
+                <a:avLst/>
+              </a:prstGeom>
+              <a:solidFill>
+                <a:srgbClr val="BBE0E3"/>
+              </a:solidFill>
+              <a:ln w="9525">
+                <a:solidFill>
+                  <a:srgbClr val="000000"/>
+                </a:solidFill>
+                <a:miter lim="800000"/>
+                <a:headEnd/>
+                <a:tailEnd/>
+              </a:ln>
+            </p:spPr>
+            <p:txBody>
+              <a:bodyPr vert="horz" wrap="square" lIns="91440" tIns="45720" rIns="91440" bIns="45720" numCol="1" anchor="ctr" anchorCtr="0" compatLnSpc="1">
+                <a:prstTxWarp prst="textNoShape">
+                  <a:avLst/>
+                </a:prstTxWarp>
+              </a:bodyPr>
+              <a:lstStyle/>
+              <a:p>
+                <a:endParaRPr lang="ca-ES"/>
+              </a:p>
+            </p:txBody>
+          </p:sp>
+          <p:sp>
+            <p:nvSpPr>
+              <p:cNvPr id="1041" name="Rectangle 17"/>
+              <p:cNvSpPr>
+                <a:spLocks noChangeArrowheads="1"/>
+              </p:cNvSpPr>
+              <p:nvPr/>
+            </p:nvSpPr>
+            <p:spPr bwMode="auto">
+              <a:xfrm>
+                <a:off x="2245" y="3385"/>
+                <a:ext cx="136" cy="136"/>
+              </a:xfrm>
+              <a:prstGeom prst="rect">
+                <a:avLst/>
+              </a:prstGeom>
+              <a:solidFill>
+                <a:srgbClr val="BBE0E3"/>
+              </a:solidFill>
+              <a:ln w="9525">
+                <a:solidFill>
+                  <a:srgbClr val="000000"/>
+                </a:solidFill>
+                <a:miter lim="800000"/>
+                <a:headEnd/>
+                <a:tailEnd/>
+              </a:ln>
+            </p:spPr>
+            <p:txBody>
+              <a:bodyPr vert="horz" wrap="square" lIns="91440" tIns="45720" rIns="91440" bIns="45720" numCol="1" anchor="ctr" anchorCtr="0" compatLnSpc="1">
+                <a:prstTxWarp prst="textNoShape">
+                  <a:avLst/>
+                </a:prstTxWarp>
+              </a:bodyPr>
+              <a:lstStyle/>
+              <a:p>
+                <a:endParaRPr lang="ca-ES"/>
+              </a:p>
+            </p:txBody>
+          </p:sp>
+          <p:sp>
+            <p:nvSpPr>
+              <p:cNvPr id="1042" name="Rectangle 18"/>
+              <p:cNvSpPr>
+                <a:spLocks noChangeArrowheads="1"/>
+              </p:cNvSpPr>
+              <p:nvPr/>
+            </p:nvSpPr>
+            <p:spPr bwMode="auto">
+              <a:xfrm>
+                <a:off x="2427" y="3385"/>
+                <a:ext cx="136" cy="136"/>
+              </a:xfrm>
+              <a:prstGeom prst="rect">
+                <a:avLst/>
+              </a:prstGeom>
+              <a:solidFill>
+                <a:srgbClr val="BBE0E3"/>
+              </a:solidFill>
+              <a:ln w="9525">
+                <a:solidFill>
+                  <a:srgbClr val="000000"/>
+                </a:solidFill>
+                <a:miter lim="800000"/>
+                <a:headEnd/>
+                <a:tailEnd/>
+              </a:ln>
+            </p:spPr>
+            <p:txBody>
+              <a:bodyPr vert="horz" wrap="square" lIns="91440" tIns="45720" rIns="91440" bIns="45720" numCol="1" anchor="ctr" anchorCtr="0" compatLnSpc="1">
+                <a:prstTxWarp prst="textNoShape">
+                  <a:avLst/>
+                </a:prstTxWarp>
+              </a:bodyPr>
+              <a:lstStyle/>
+              <a:p>
+                <a:endParaRPr lang="ca-ES"/>
+              </a:p>
+            </p:txBody>
+          </p:sp>
+          <p:sp>
+            <p:nvSpPr>
+              <p:cNvPr id="1043" name="Rectangle 19"/>
+              <p:cNvSpPr>
+                <a:spLocks noChangeArrowheads="1"/>
+              </p:cNvSpPr>
+              <p:nvPr/>
+            </p:nvSpPr>
+            <p:spPr bwMode="auto">
+              <a:xfrm>
+                <a:off x="2608" y="3385"/>
+                <a:ext cx="136" cy="136"/>
+              </a:xfrm>
+              <a:prstGeom prst="rect">
+                <a:avLst/>
+              </a:prstGeom>
+              <a:solidFill>
+                <a:srgbClr val="BBE0E3"/>
+              </a:solidFill>
+              <a:ln w="9525">
+                <a:solidFill>
+                  <a:srgbClr val="000000"/>
+                </a:solidFill>
+                <a:miter lim="800000"/>
+                <a:headEnd/>
+                <a:tailEnd/>
+              </a:ln>
+            </p:spPr>
+            <p:txBody>
+              <a:bodyPr vert="horz" wrap="square" lIns="91440" tIns="45720" rIns="91440" bIns="45720" numCol="1" anchor="ctr" anchorCtr="0" compatLnSpc="1">
+                <a:prstTxWarp prst="textNoShape">
+                  <a:avLst/>
+                </a:prstTxWarp>
+              </a:bodyPr>
+              <a:lstStyle/>
+              <a:p>
+                <a:endParaRPr lang="ca-ES"/>
+              </a:p>
+            </p:txBody>
+          </p:sp>
+          <p:sp>
+            <p:nvSpPr>
+              <p:cNvPr id="1044" name="Rectangle 20"/>
+              <p:cNvSpPr>
+                <a:spLocks noChangeArrowheads="1"/>
+              </p:cNvSpPr>
+              <p:nvPr/>
+            </p:nvSpPr>
+            <p:spPr bwMode="auto">
+              <a:xfrm>
+                <a:off x="1338" y="3203"/>
+                <a:ext cx="136" cy="136"/>
+              </a:xfrm>
+              <a:prstGeom prst="rect">
+                <a:avLst/>
+              </a:prstGeom>
+              <a:solidFill>
+                <a:srgbClr val="BBE0E3"/>
+              </a:solidFill>
+              <a:ln w="9525">
+                <a:solidFill>
+                  <a:srgbClr val="000000"/>
+                </a:solidFill>
+                <a:miter lim="800000"/>
+                <a:headEnd/>
+                <a:tailEnd/>
+              </a:ln>
+            </p:spPr>
+            <p:txBody>
+              <a:bodyPr vert="horz" wrap="square" lIns="91440" tIns="45720" rIns="91440" bIns="45720" numCol="1" anchor="ctr" anchorCtr="0" compatLnSpc="1">
+                <a:prstTxWarp prst="textNoShape">
+                  <a:avLst/>
+                </a:prstTxWarp>
+              </a:bodyPr>
+              <a:lstStyle/>
+              <a:p>
+                <a:endParaRPr lang="ca-ES"/>
+              </a:p>
+            </p:txBody>
+          </p:sp>
+          <p:sp>
+            <p:nvSpPr>
+              <p:cNvPr id="1045" name="Rectangle 21"/>
+              <p:cNvSpPr>
+                <a:spLocks noChangeArrowheads="1"/>
+              </p:cNvSpPr>
+              <p:nvPr/>
+            </p:nvSpPr>
+            <p:spPr bwMode="auto">
+              <a:xfrm>
+                <a:off x="1519" y="3203"/>
+                <a:ext cx="136" cy="136"/>
+              </a:xfrm>
+              <a:prstGeom prst="rect">
+                <a:avLst/>
+              </a:prstGeom>
+              <a:solidFill>
+                <a:srgbClr val="BBE0E3"/>
+              </a:solidFill>
+              <a:ln w="9525">
+                <a:solidFill>
+                  <a:srgbClr val="000000"/>
+                </a:solidFill>
+                <a:miter lim="800000"/>
+                <a:headEnd/>
+                <a:tailEnd/>
+              </a:ln>
+            </p:spPr>
+            <p:txBody>
+              <a:bodyPr vert="horz" wrap="square" lIns="91440" tIns="45720" rIns="91440" bIns="45720" numCol="1" anchor="ctr" anchorCtr="0" compatLnSpc="1">
+                <a:prstTxWarp prst="textNoShape">
+                  <a:avLst/>
+                </a:prstTxWarp>
+              </a:bodyPr>
+              <a:lstStyle/>
+              <a:p>
+                <a:endParaRPr lang="ca-ES"/>
+              </a:p>
+            </p:txBody>
+          </p:sp>
+          <p:sp>
+            <p:nvSpPr>
+              <p:cNvPr id="1046" name="Rectangle 22"/>
+              <p:cNvSpPr>
+                <a:spLocks noChangeArrowheads="1"/>
+              </p:cNvSpPr>
+              <p:nvPr/>
+            </p:nvSpPr>
+            <p:spPr bwMode="auto">
+              <a:xfrm>
+                <a:off x="1701" y="3203"/>
+                <a:ext cx="136" cy="136"/>
+              </a:xfrm>
+              <a:prstGeom prst="rect">
+                <a:avLst/>
+              </a:prstGeom>
+              <a:solidFill>
+                <a:srgbClr val="BBE0E3"/>
+              </a:solidFill>
+              <a:ln w="9525">
+                <a:solidFill>
+                  <a:srgbClr val="000000"/>
+                </a:solidFill>
+                <a:miter lim="800000"/>
+                <a:headEnd/>
+                <a:tailEnd/>
+              </a:ln>
+            </p:spPr>
+            <p:txBody>
+              <a:bodyPr vert="horz" wrap="square" lIns="91440" tIns="45720" rIns="91440" bIns="45720" numCol="1" anchor="ctr" anchorCtr="0" compatLnSpc="1">
+                <a:prstTxWarp prst="textNoShape">
+                  <a:avLst/>
+                </a:prstTxWarp>
+              </a:bodyPr>
+              <a:lstStyle/>
+              <a:p>
+                <a:endParaRPr lang="ca-ES"/>
+              </a:p>
+            </p:txBody>
+          </p:sp>
+          <p:sp>
+            <p:nvSpPr>
+              <p:cNvPr id="1047" name="Rectangle 23"/>
+              <p:cNvSpPr>
+                <a:spLocks noChangeArrowheads="1"/>
+              </p:cNvSpPr>
+              <p:nvPr/>
+            </p:nvSpPr>
+            <p:spPr bwMode="auto">
+              <a:xfrm>
+                <a:off x="1882" y="3203"/>
+                <a:ext cx="136" cy="136"/>
+              </a:xfrm>
+              <a:prstGeom prst="rect">
+                <a:avLst/>
+              </a:prstGeom>
+              <a:solidFill>
+                <a:srgbClr val="BBE0E3"/>
+              </a:solidFill>
+              <a:ln w="9525">
+                <a:solidFill>
+                  <a:srgbClr val="000000"/>
+                </a:solidFill>
+                <a:miter lim="800000"/>
+                <a:headEnd/>
+                <a:tailEnd/>
+              </a:ln>
+            </p:spPr>
+            <p:txBody>
+              <a:bodyPr vert="horz" wrap="square" lIns="91440" tIns="45720" rIns="91440" bIns="45720" numCol="1" anchor="ctr" anchorCtr="0" compatLnSpc="1">
+                <a:prstTxWarp prst="textNoShape">
+                  <a:avLst/>
+                </a:prstTxWarp>
+              </a:bodyPr>
+              <a:lstStyle/>
+              <a:p>
+                <a:endParaRPr lang="ca-ES"/>
+              </a:p>
+            </p:txBody>
+          </p:sp>
+          <p:sp>
+            <p:nvSpPr>
+              <p:cNvPr id="1048" name="Rectangle 24"/>
+              <p:cNvSpPr>
+                <a:spLocks noChangeArrowheads="1"/>
+              </p:cNvSpPr>
+              <p:nvPr/>
+            </p:nvSpPr>
+            <p:spPr bwMode="auto">
+              <a:xfrm>
+                <a:off x="2064" y="3203"/>
+                <a:ext cx="136" cy="136"/>
+              </a:xfrm>
+              <a:prstGeom prst="rect">
+                <a:avLst/>
+              </a:prstGeom>
+              <a:solidFill>
+                <a:srgbClr val="BBE0E3"/>
+              </a:solidFill>
+              <a:ln w="9525">
+                <a:solidFill>
+                  <a:srgbClr val="000000"/>
+                </a:solidFill>
+                <a:miter lim="800000"/>
+                <a:headEnd/>
+                <a:tailEnd/>
+              </a:ln>
+            </p:spPr>
+            <p:txBody>
+              <a:bodyPr vert="horz" wrap="square" lIns="91440" tIns="45720" rIns="91440" bIns="45720" numCol="1" anchor="ctr" anchorCtr="0" compatLnSpc="1">
+                <a:prstTxWarp prst="textNoShape">
+                  <a:avLst/>
+                </a:prstTxWarp>
+              </a:bodyPr>
+              <a:lstStyle/>
+              <a:p>
+                <a:endParaRPr lang="ca-ES"/>
+              </a:p>
+            </p:txBody>
+          </p:sp>
+          <p:sp>
+            <p:nvSpPr>
+              <p:cNvPr id="1049" name="Rectangle 25"/>
+              <p:cNvSpPr>
+                <a:spLocks noChangeArrowheads="1"/>
+              </p:cNvSpPr>
+              <p:nvPr/>
+            </p:nvSpPr>
+            <p:spPr bwMode="auto">
+              <a:xfrm>
+                <a:off x="2245" y="3203"/>
+                <a:ext cx="136" cy="136"/>
+              </a:xfrm>
+              <a:prstGeom prst="rect">
+                <a:avLst/>
+              </a:prstGeom>
+              <a:solidFill>
+                <a:srgbClr val="BBE0E3"/>
+              </a:solidFill>
+              <a:ln w="9525">
+                <a:solidFill>
+                  <a:srgbClr val="000000"/>
+                </a:solidFill>
+                <a:miter lim="800000"/>
+                <a:headEnd/>
+                <a:tailEnd/>
+              </a:ln>
+            </p:spPr>
+            <p:txBody>
+              <a:bodyPr vert="horz" wrap="square" lIns="91440" tIns="45720" rIns="91440" bIns="45720" numCol="1" anchor="ctr" anchorCtr="0" compatLnSpc="1">
+                <a:prstTxWarp prst="textNoShape">
+                  <a:avLst/>
+                </a:prstTxWarp>
+              </a:bodyPr>
+              <a:lstStyle/>
+              <a:p>
+                <a:endParaRPr lang="ca-ES"/>
+              </a:p>
+            </p:txBody>
+          </p:sp>
+          <p:sp>
+            <p:nvSpPr>
+              <p:cNvPr id="1050" name="Rectangle 26"/>
+              <p:cNvSpPr>
+                <a:spLocks noChangeArrowheads="1"/>
+              </p:cNvSpPr>
+              <p:nvPr/>
+            </p:nvSpPr>
+            <p:spPr bwMode="auto">
+              <a:xfrm>
+                <a:off x="2427" y="3203"/>
+                <a:ext cx="136" cy="136"/>
+              </a:xfrm>
+              <a:prstGeom prst="rect">
+                <a:avLst/>
+              </a:prstGeom>
+              <a:solidFill>
+                <a:srgbClr val="BBE0E3"/>
+              </a:solidFill>
+              <a:ln w="9525">
+                <a:solidFill>
+                  <a:srgbClr val="000000"/>
+                </a:solidFill>
+                <a:miter lim="800000"/>
+                <a:headEnd/>
+                <a:tailEnd/>
+              </a:ln>
+            </p:spPr>
+            <p:txBody>
+              <a:bodyPr vert="horz" wrap="square" lIns="91440" tIns="45720" rIns="91440" bIns="45720" numCol="1" anchor="ctr" anchorCtr="0" compatLnSpc="1">
+                <a:prstTxWarp prst="textNoShape">
+                  <a:avLst/>
+                </a:prstTxWarp>
+              </a:bodyPr>
+              <a:lstStyle/>
+              <a:p>
+                <a:endParaRPr lang="ca-ES"/>
+              </a:p>
+            </p:txBody>
+          </p:sp>
+          <p:sp>
+            <p:nvSpPr>
+              <p:cNvPr id="1051" name="Rectangle 27"/>
+              <p:cNvSpPr>
+                <a:spLocks noChangeArrowheads="1"/>
+              </p:cNvSpPr>
+              <p:nvPr/>
+            </p:nvSpPr>
+            <p:spPr bwMode="auto">
+              <a:xfrm>
+                <a:off x="2608" y="3203"/>
+                <a:ext cx="136" cy="136"/>
+              </a:xfrm>
+              <a:prstGeom prst="rect">
+                <a:avLst/>
+              </a:prstGeom>
+              <a:solidFill>
+                <a:srgbClr val="BBE0E3"/>
+              </a:solidFill>
+              <a:ln w="9525">
+                <a:solidFill>
+                  <a:srgbClr val="000000"/>
+                </a:solidFill>
+                <a:miter lim="800000"/>
+                <a:headEnd/>
+                <a:tailEnd/>
+              </a:ln>
+            </p:spPr>
+            <p:txBody>
+              <a:bodyPr vert="horz" wrap="square" lIns="91440" tIns="45720" rIns="91440" bIns="45720" numCol="1" anchor="ctr" anchorCtr="0" compatLnSpc="1">
+                <a:prstTxWarp prst="textNoShape">
+                  <a:avLst/>
+                </a:prstTxWarp>
+              </a:bodyPr>
+              <a:lstStyle/>
+              <a:p>
+                <a:endParaRPr lang="ca-ES"/>
+              </a:p>
+            </p:txBody>
+          </p:sp>
+          <p:sp>
+            <p:nvSpPr>
+              <p:cNvPr id="1052" name="Rectangle 28"/>
+              <p:cNvSpPr>
+                <a:spLocks noChangeArrowheads="1"/>
+              </p:cNvSpPr>
+              <p:nvPr/>
+            </p:nvSpPr>
+            <p:spPr bwMode="auto">
+              <a:xfrm>
+                <a:off x="1338" y="3022"/>
+                <a:ext cx="136" cy="136"/>
+              </a:xfrm>
+              <a:prstGeom prst="rect">
+                <a:avLst/>
+              </a:prstGeom>
+              <a:solidFill>
+                <a:srgbClr val="BBE0E3"/>
+              </a:solidFill>
+              <a:ln w="9525">
+                <a:solidFill>
+                  <a:srgbClr val="000000"/>
+                </a:solidFill>
+                <a:miter lim="800000"/>
+                <a:headEnd/>
+                <a:tailEnd/>
+              </a:ln>
+            </p:spPr>
+            <p:txBody>
+              <a:bodyPr vert="horz" wrap="square" lIns="91440" tIns="45720" rIns="91440" bIns="45720" numCol="1" anchor="ctr" anchorCtr="0" compatLnSpc="1">
+                <a:prstTxWarp prst="textNoShape">
+                  <a:avLst/>
+                </a:prstTxWarp>
+              </a:bodyPr>
+              <a:lstStyle/>
+              <a:p>
+                <a:endParaRPr lang="ca-ES"/>
+              </a:p>
+            </p:txBody>
+          </p:sp>
+          <p:sp>
+            <p:nvSpPr>
+              <p:cNvPr id="1053" name="Rectangle 29"/>
+              <p:cNvSpPr>
+                <a:spLocks noChangeArrowheads="1"/>
+              </p:cNvSpPr>
+              <p:nvPr/>
+            </p:nvSpPr>
+            <p:spPr bwMode="auto">
+              <a:xfrm>
+                <a:off x="1519" y="3022"/>
+                <a:ext cx="136" cy="136"/>
+              </a:xfrm>
+              <a:prstGeom prst="rect">
+                <a:avLst/>
+              </a:prstGeom>
+              <a:solidFill>
+                <a:srgbClr val="BBE0E3"/>
+              </a:solidFill>
+              <a:ln w="9525">
+                <a:solidFill>
+                  <a:srgbClr val="000000"/>
+                </a:solidFill>
+                <a:miter lim="800000"/>
+                <a:headEnd/>
+                <a:tailEnd/>
+              </a:ln>
+            </p:spPr>
+            <p:txBody>
+              <a:bodyPr vert="horz" wrap="square" lIns="91440" tIns="45720" rIns="91440" bIns="45720" numCol="1" anchor="ctr" anchorCtr="0" compatLnSpc="1">
+                <a:prstTxWarp prst="textNoShape">
+                  <a:avLst/>
+                </a:prstTxWarp>
+              </a:bodyPr>
+              <a:lstStyle/>
+              <a:p>
+                <a:endParaRPr lang="ca-ES"/>
+              </a:p>
+            </p:txBody>
+          </p:sp>
+          <p:sp>
+            <p:nvSpPr>
+              <p:cNvPr id="1054" name="Rectangle 30"/>
+              <p:cNvSpPr>
+                <a:spLocks noChangeArrowheads="1"/>
+              </p:cNvSpPr>
+              <p:nvPr/>
+            </p:nvSpPr>
+            <p:spPr bwMode="auto">
+              <a:xfrm>
+                <a:off x="1701" y="3022"/>
+                <a:ext cx="136" cy="136"/>
+              </a:xfrm>
+              <a:prstGeom prst="rect">
+                <a:avLst/>
+              </a:prstGeom>
+              <a:solidFill>
+                <a:srgbClr val="BBE0E3"/>
+              </a:solidFill>
+              <a:ln w="9525">
+                <a:solidFill>
+                  <a:srgbClr val="000000"/>
+                </a:solidFill>
+                <a:miter lim="800000"/>
+                <a:headEnd/>
+                <a:tailEnd/>
+              </a:ln>
+            </p:spPr>
+            <p:txBody>
+              <a:bodyPr vert="horz" wrap="square" lIns="91440" tIns="45720" rIns="91440" bIns="45720" numCol="1" anchor="ctr" anchorCtr="0" compatLnSpc="1">
+                <a:prstTxWarp prst="textNoShape">
+                  <a:avLst/>
+                </a:prstTxWarp>
+              </a:bodyPr>
+              <a:lstStyle/>
+              <a:p>
+                <a:endParaRPr lang="ca-ES"/>
+              </a:p>
+            </p:txBody>
+          </p:sp>
+          <p:sp>
+            <p:nvSpPr>
+              <p:cNvPr id="1055" name="Rectangle 31"/>
+              <p:cNvSpPr>
+                <a:spLocks noChangeArrowheads="1"/>
+              </p:cNvSpPr>
+              <p:nvPr/>
+            </p:nvSpPr>
+            <p:spPr bwMode="auto">
+              <a:xfrm>
+                <a:off x="1882" y="3022"/>
+                <a:ext cx="136" cy="136"/>
+              </a:xfrm>
+              <a:prstGeom prst="rect">
+                <a:avLst/>
+              </a:prstGeom>
+              <a:solidFill>
+                <a:srgbClr val="BBE0E3"/>
+              </a:solidFill>
+              <a:ln w="9525">
+                <a:solidFill>
+                  <a:srgbClr val="000000"/>
+                </a:solidFill>
+                <a:miter lim="800000"/>
+                <a:headEnd/>
+                <a:tailEnd/>
+              </a:ln>
+            </p:spPr>
+            <p:txBody>
+              <a:bodyPr vert="horz" wrap="square" lIns="91440" tIns="45720" rIns="91440" bIns="45720" numCol="1" anchor="ctr" anchorCtr="0" compatLnSpc="1">
+                <a:prstTxWarp prst="textNoShape">
+                  <a:avLst/>
+                </a:prstTxWarp>
+              </a:bodyPr>
+              <a:lstStyle/>
+              <a:p>
+                <a:endParaRPr lang="ca-ES"/>
+              </a:p>
+            </p:txBody>
+          </p:sp>
+          <p:sp>
+            <p:nvSpPr>
+              <p:cNvPr id="1056" name="Rectangle 32"/>
+              <p:cNvSpPr>
+                <a:spLocks noChangeArrowheads="1"/>
+              </p:cNvSpPr>
+              <p:nvPr/>
+            </p:nvSpPr>
+            <p:spPr bwMode="auto">
+              <a:xfrm>
+                <a:off x="2064" y="3022"/>
+                <a:ext cx="136" cy="136"/>
+              </a:xfrm>
+              <a:prstGeom prst="rect">
+                <a:avLst/>
+              </a:prstGeom>
+              <a:solidFill>
+                <a:srgbClr val="BBE0E3"/>
+              </a:solidFill>
+              <a:ln w="9525">
+                <a:solidFill>
+                  <a:srgbClr val="000000"/>
+                </a:solidFill>
+                <a:miter lim="800000"/>
+                <a:headEnd/>
+                <a:tailEnd/>
+              </a:ln>
+            </p:spPr>
+            <p:txBody>
+              <a:bodyPr vert="horz" wrap="square" lIns="91440" tIns="45720" rIns="91440" bIns="45720" numCol="1" anchor="ctr" anchorCtr="0" compatLnSpc="1">
+                <a:prstTxWarp prst="textNoShape">
+                  <a:avLst/>
+                </a:prstTxWarp>
+              </a:bodyPr>
+              <a:lstStyle/>
+              <a:p>
+                <a:endParaRPr lang="ca-ES"/>
+              </a:p>
+            </p:txBody>
+          </p:sp>
+          <p:sp>
+            <p:nvSpPr>
+              <p:cNvPr id="1057" name="Rectangle 33"/>
+              <p:cNvSpPr>
+                <a:spLocks noChangeArrowheads="1"/>
+              </p:cNvSpPr>
+              <p:nvPr/>
+            </p:nvSpPr>
+            <p:spPr bwMode="auto">
+              <a:xfrm>
+                <a:off x="2245" y="3022"/>
+                <a:ext cx="136" cy="136"/>
+              </a:xfrm>
+              <a:prstGeom prst="rect">
+                <a:avLst/>
+              </a:prstGeom>
+              <a:solidFill>
+                <a:srgbClr val="BBE0E3"/>
+              </a:solidFill>
+              <a:ln w="9525">
+                <a:solidFill>
+                  <a:srgbClr val="000000"/>
+                </a:solidFill>
+                <a:miter lim="800000"/>
+                <a:headEnd/>
+                <a:tailEnd/>
+              </a:ln>
+            </p:spPr>
+            <p:txBody>
+              <a:bodyPr vert="horz" wrap="square" lIns="91440" tIns="45720" rIns="91440" bIns="45720" numCol="1" anchor="ctr" anchorCtr="0" compatLnSpc="1">
+                <a:prstTxWarp prst="textNoShape">
+                  <a:avLst/>
+                </a:prstTxWarp>
+              </a:bodyPr>
+              <a:lstStyle/>
+              <a:p>
+                <a:endParaRPr lang="ca-ES"/>
+              </a:p>
+            </p:txBody>
+          </p:sp>
+          <p:sp>
+            <p:nvSpPr>
+              <p:cNvPr id="1058" name="Rectangle 34"/>
+              <p:cNvSpPr>
+                <a:spLocks noChangeArrowheads="1"/>
+              </p:cNvSpPr>
+              <p:nvPr/>
+            </p:nvSpPr>
+            <p:spPr bwMode="auto">
+              <a:xfrm>
+                <a:off x="2427" y="3022"/>
+                <a:ext cx="136" cy="136"/>
+              </a:xfrm>
+              <a:prstGeom prst="rect">
+                <a:avLst/>
+              </a:prstGeom>
+              <a:solidFill>
+                <a:srgbClr val="BBE0E3"/>
+              </a:solidFill>
+              <a:ln w="9525">
+                <a:solidFill>
+                  <a:srgbClr val="000000"/>
+                </a:solidFill>
+                <a:miter lim="800000"/>
+                <a:headEnd/>
+                <a:tailEnd/>
+              </a:ln>
+            </p:spPr>
+            <p:txBody>
+              <a:bodyPr vert="horz" wrap="square" lIns="91440" tIns="45720" rIns="91440" bIns="45720" numCol="1" anchor="ctr" anchorCtr="0" compatLnSpc="1">
+                <a:prstTxWarp prst="textNoShape">
+                  <a:avLst/>
+                </a:prstTxWarp>
+              </a:bodyPr>
+              <a:lstStyle/>
+              <a:p>
+                <a:endParaRPr lang="ca-ES"/>
+              </a:p>
+            </p:txBody>
+          </p:sp>
+          <p:sp>
+            <p:nvSpPr>
+              <p:cNvPr id="1059" name="Rectangle 35"/>
+              <p:cNvSpPr>
+                <a:spLocks noChangeArrowheads="1"/>
+              </p:cNvSpPr>
+              <p:nvPr/>
+            </p:nvSpPr>
+            <p:spPr bwMode="auto">
+              <a:xfrm>
+                <a:off x="2608" y="3022"/>
+                <a:ext cx="136" cy="136"/>
+              </a:xfrm>
+              <a:prstGeom prst="rect">
+                <a:avLst/>
+              </a:prstGeom>
+              <a:solidFill>
+                <a:srgbClr val="BBE0E3"/>
+              </a:solidFill>
+              <a:ln w="9525">
+                <a:solidFill>
+                  <a:srgbClr val="000000"/>
+                </a:solidFill>
+                <a:miter lim="800000"/>
+                <a:headEnd/>
+                <a:tailEnd/>
+              </a:ln>
+            </p:spPr>
+            <p:txBody>
+              <a:bodyPr vert="horz" wrap="square" lIns="91440" tIns="45720" rIns="91440" bIns="45720" numCol="1" anchor="ctr" anchorCtr="0" compatLnSpc="1">
+                <a:prstTxWarp prst="textNoShape">
+                  <a:avLst/>
+                </a:prstTxWarp>
+              </a:bodyPr>
+              <a:lstStyle/>
+              <a:p>
+                <a:endParaRPr lang="ca-ES"/>
+              </a:p>
+            </p:txBody>
+          </p:sp>
+          <p:sp>
+            <p:nvSpPr>
+              <p:cNvPr id="1060" name="Rectangle 36"/>
+              <p:cNvSpPr>
+                <a:spLocks noChangeArrowheads="1"/>
+              </p:cNvSpPr>
+              <p:nvPr/>
+            </p:nvSpPr>
+            <p:spPr bwMode="auto">
+              <a:xfrm>
+                <a:off x="1338" y="2840"/>
+                <a:ext cx="136" cy="136"/>
+              </a:xfrm>
+              <a:prstGeom prst="rect">
+                <a:avLst/>
+              </a:prstGeom>
+              <a:solidFill>
+                <a:srgbClr val="BBE0E3"/>
+              </a:solidFill>
+              <a:ln w="9525">
+                <a:solidFill>
+                  <a:srgbClr val="000000"/>
+                </a:solidFill>
+                <a:miter lim="800000"/>
+                <a:headEnd/>
+                <a:tailEnd/>
+              </a:ln>
+            </p:spPr>
+            <p:txBody>
+              <a:bodyPr vert="horz" wrap="square" lIns="91440" tIns="45720" rIns="91440" bIns="45720" numCol="1" anchor="ctr" anchorCtr="0" compatLnSpc="1">
+                <a:prstTxWarp prst="textNoShape">
+                  <a:avLst/>
+                </a:prstTxWarp>
+              </a:bodyPr>
+              <a:lstStyle/>
+              <a:p>
+                <a:endParaRPr lang="ca-ES"/>
+              </a:p>
+            </p:txBody>
+          </p:sp>
+          <p:sp>
+            <p:nvSpPr>
+              <p:cNvPr id="1061" name="Rectangle 37"/>
+              <p:cNvSpPr>
+                <a:spLocks noChangeArrowheads="1"/>
+              </p:cNvSpPr>
+              <p:nvPr/>
+            </p:nvSpPr>
+            <p:spPr bwMode="auto">
+              <a:xfrm>
+                <a:off x="1519" y="2840"/>
+                <a:ext cx="136" cy="136"/>
+              </a:xfrm>
+              <a:prstGeom prst="rect">
+                <a:avLst/>
+              </a:prstGeom>
+              <a:solidFill>
+                <a:srgbClr val="BBE0E3"/>
+              </a:solidFill>
+              <a:ln w="9525">
+                <a:solidFill>
+                  <a:srgbClr val="000000"/>
+                </a:solidFill>
+                <a:miter lim="800000"/>
+                <a:headEnd/>
+                <a:tailEnd/>
+              </a:ln>
+            </p:spPr>
+            <p:txBody>
+              <a:bodyPr vert="horz" wrap="square" lIns="91440" tIns="45720" rIns="91440" bIns="45720" numCol="1" anchor="ctr" anchorCtr="0" compatLnSpc="1">
+                <a:prstTxWarp prst="textNoShape">
+                  <a:avLst/>
+                </a:prstTxWarp>
+              </a:bodyPr>
+              <a:lstStyle/>
+              <a:p>
+                <a:endParaRPr lang="ca-ES"/>
+              </a:p>
+            </p:txBody>
+          </p:sp>
+          <p:sp>
+            <p:nvSpPr>
+              <p:cNvPr id="1062" name="Rectangle 38"/>
+              <p:cNvSpPr>
+                <a:spLocks noChangeArrowheads="1"/>
+              </p:cNvSpPr>
+              <p:nvPr/>
+            </p:nvSpPr>
+            <p:spPr bwMode="auto">
+              <a:xfrm>
+                <a:off x="1701" y="2840"/>
+                <a:ext cx="136" cy="136"/>
+              </a:xfrm>
+              <a:prstGeom prst="rect">
+                <a:avLst/>
+              </a:prstGeom>
+              <a:solidFill>
+                <a:srgbClr val="BBE0E3"/>
+              </a:solidFill>
+              <a:ln w="9525">
+                <a:solidFill>
+                  <a:srgbClr val="000000"/>
+                </a:solidFill>
+                <a:miter lim="800000"/>
+                <a:headEnd/>
+                <a:tailEnd/>
+              </a:ln>
+            </p:spPr>
+            <p:txBody>
+              <a:bodyPr vert="horz" wrap="square" lIns="91440" tIns="45720" rIns="91440" bIns="45720" numCol="1" anchor="ctr" anchorCtr="0" compatLnSpc="1">
+                <a:prstTxWarp prst="textNoShape">
+                  <a:avLst/>
+                </a:prstTxWarp>
+              </a:bodyPr>
+              <a:lstStyle/>
+              <a:p>
+                <a:endParaRPr lang="ca-ES"/>
+              </a:p>
+            </p:txBody>
+          </p:sp>
+          <p:sp>
+            <p:nvSpPr>
+              <p:cNvPr id="1063" name="Rectangle 39"/>
+              <p:cNvSpPr>
+                <a:spLocks noChangeArrowheads="1"/>
+              </p:cNvSpPr>
+              <p:nvPr/>
+            </p:nvSpPr>
+            <p:spPr bwMode="auto">
+              <a:xfrm>
+                <a:off x="1882" y="2840"/>
+                <a:ext cx="136" cy="136"/>
+              </a:xfrm>
+              <a:prstGeom prst="rect">
+                <a:avLst/>
+              </a:prstGeom>
+              <a:solidFill>
+                <a:srgbClr val="BBE0E3"/>
+              </a:solidFill>
+              <a:ln w="9525">
+                <a:solidFill>
+                  <a:srgbClr val="000000"/>
+                </a:solidFill>
+                <a:miter lim="800000"/>
+                <a:headEnd/>
+                <a:tailEnd/>
+              </a:ln>
+            </p:spPr>
+            <p:txBody>
+              <a:bodyPr vert="horz" wrap="square" lIns="91440" tIns="45720" rIns="91440" bIns="45720" numCol="1" anchor="ctr" anchorCtr="0" compatLnSpc="1">
+                <a:prstTxWarp prst="textNoShape">
+                  <a:avLst/>
+                </a:prstTxWarp>
+              </a:bodyPr>
+              <a:lstStyle/>
+              <a:p>
+                <a:endParaRPr lang="ca-ES"/>
+              </a:p>
+            </p:txBody>
+          </p:sp>
+          <p:sp>
+            <p:nvSpPr>
+              <p:cNvPr id="1064" name="Rectangle 40"/>
+              <p:cNvSpPr>
+                <a:spLocks noChangeArrowheads="1"/>
+              </p:cNvSpPr>
+              <p:nvPr/>
+            </p:nvSpPr>
+            <p:spPr bwMode="auto">
+              <a:xfrm>
+                <a:off x="2064" y="2840"/>
+                <a:ext cx="136" cy="136"/>
+              </a:xfrm>
+              <a:prstGeom prst="rect">
+                <a:avLst/>
+              </a:prstGeom>
+              <a:solidFill>
+                <a:srgbClr val="BBE0E3"/>
+              </a:solidFill>
+              <a:ln w="9525">
+                <a:solidFill>
+                  <a:srgbClr val="000000"/>
+                </a:solidFill>
+                <a:miter lim="800000"/>
+                <a:headEnd/>
+                <a:tailEnd/>
+              </a:ln>
+            </p:spPr>
+            <p:txBody>
+              <a:bodyPr vert="horz" wrap="square" lIns="91440" tIns="45720" rIns="91440" bIns="45720" numCol="1" anchor="ctr" anchorCtr="0" compatLnSpc="1">
+                <a:prstTxWarp prst="textNoShape">
+                  <a:avLst/>
+                </a:prstTxWarp>
+              </a:bodyPr>
+              <a:lstStyle/>
+              <a:p>
+                <a:endParaRPr lang="ca-ES"/>
+              </a:p>
+            </p:txBody>
+          </p:sp>
+          <p:sp>
+            <p:nvSpPr>
+              <p:cNvPr id="1065" name="Rectangle 41"/>
+              <p:cNvSpPr>
+                <a:spLocks noChangeArrowheads="1"/>
+              </p:cNvSpPr>
+              <p:nvPr/>
+            </p:nvSpPr>
+            <p:spPr bwMode="auto">
+              <a:xfrm>
+                <a:off x="2245" y="2840"/>
+                <a:ext cx="136" cy="136"/>
+              </a:xfrm>
+              <a:prstGeom prst="rect">
+                <a:avLst/>
+              </a:prstGeom>
+              <a:solidFill>
+                <a:srgbClr val="BBE0E3"/>
+              </a:solidFill>
+              <a:ln w="9525">
+                <a:solidFill>
+                  <a:srgbClr val="000000"/>
+                </a:solidFill>
+                <a:miter lim="800000"/>
+                <a:headEnd/>
+                <a:tailEnd/>
+              </a:ln>
+            </p:spPr>
+            <p:txBody>
+              <a:bodyPr vert="horz" wrap="square" lIns="91440" tIns="45720" rIns="91440" bIns="45720" numCol="1" anchor="ctr" anchorCtr="0" compatLnSpc="1">
+                <a:prstTxWarp prst="textNoShape">
+                  <a:avLst/>
+                </a:prstTxWarp>
+              </a:bodyPr>
+              <a:lstStyle/>
+              <a:p>
+                <a:endParaRPr lang="ca-ES"/>
+              </a:p>
+            </p:txBody>
+          </p:sp>
+          <p:sp>
+            <p:nvSpPr>
+              <p:cNvPr id="1066" name="Rectangle 42"/>
+              <p:cNvSpPr>
+                <a:spLocks noChangeArrowheads="1"/>
+              </p:cNvSpPr>
+              <p:nvPr/>
+            </p:nvSpPr>
+            <p:spPr bwMode="auto">
+              <a:xfrm>
+                <a:off x="2427" y="2840"/>
+                <a:ext cx="136" cy="136"/>
+              </a:xfrm>
+              <a:prstGeom prst="rect">
+                <a:avLst/>
+              </a:prstGeom>
+              <a:solidFill>
+                <a:srgbClr val="BBE0E3"/>
+              </a:solidFill>
+              <a:ln w="9525">
+                <a:solidFill>
+                  <a:srgbClr val="000000"/>
+                </a:solidFill>
+                <a:miter lim="800000"/>
+                <a:headEnd/>
+                <a:tailEnd/>
+              </a:ln>
+            </p:spPr>
+            <p:txBody>
+              <a:bodyPr vert="horz" wrap="square" lIns="91440" tIns="45720" rIns="91440" bIns="45720" numCol="1" anchor="ctr" anchorCtr="0" compatLnSpc="1">
+                <a:prstTxWarp prst="textNoShape">
+                  <a:avLst/>
+                </a:prstTxWarp>
+              </a:bodyPr>
+              <a:lstStyle/>
+              <a:p>
+                <a:endParaRPr lang="ca-ES"/>
+              </a:p>
+            </p:txBody>
+          </p:sp>
+          <p:sp>
+            <p:nvSpPr>
+              <p:cNvPr id="1067" name="Rectangle 43"/>
+              <p:cNvSpPr>
+                <a:spLocks noChangeArrowheads="1"/>
+              </p:cNvSpPr>
+              <p:nvPr/>
+            </p:nvSpPr>
+            <p:spPr bwMode="auto">
+              <a:xfrm>
+                <a:off x="2608" y="2840"/>
+                <a:ext cx="136" cy="136"/>
+              </a:xfrm>
+              <a:prstGeom prst="rect">
+                <a:avLst/>
+              </a:prstGeom>
+              <a:solidFill>
+                <a:srgbClr val="BBE0E3"/>
+              </a:solidFill>
+              <a:ln w="9525">
+                <a:solidFill>
+                  <a:srgbClr val="000000"/>
+                </a:solidFill>
+                <a:miter lim="800000"/>
+                <a:headEnd/>
+                <a:tailEnd/>
+              </a:ln>
+            </p:spPr>
+            <p:txBody>
+              <a:bodyPr vert="horz" wrap="square" lIns="91440" tIns="45720" rIns="91440" bIns="45720" numCol="1" anchor="ctr" anchorCtr="0" compatLnSpc="1">
+                <a:prstTxWarp prst="textNoShape">
+                  <a:avLst/>
+                </a:prstTxWarp>
+              </a:bodyPr>
+              <a:lstStyle/>
+              <a:p>
+                <a:endParaRPr lang="ca-ES"/>
+              </a:p>
+            </p:txBody>
+          </p:sp>
+          <p:sp>
+            <p:nvSpPr>
+              <p:cNvPr id="1068" name="Rectangle 44"/>
+              <p:cNvSpPr>
+                <a:spLocks noChangeArrowheads="1"/>
+              </p:cNvSpPr>
+              <p:nvPr/>
+            </p:nvSpPr>
+            <p:spPr bwMode="auto">
+              <a:xfrm>
+                <a:off x="1338" y="2659"/>
+                <a:ext cx="136" cy="136"/>
+              </a:xfrm>
+              <a:prstGeom prst="rect">
+                <a:avLst/>
+              </a:prstGeom>
+              <a:solidFill>
+                <a:srgbClr val="BBE0E3"/>
+              </a:solidFill>
+              <a:ln w="9525">
+                <a:solidFill>
+                  <a:srgbClr val="000000"/>
+                </a:solidFill>
+                <a:miter lim="800000"/>
+                <a:headEnd/>
+                <a:tailEnd/>
+              </a:ln>
+            </p:spPr>
+            <p:txBody>
+              <a:bodyPr vert="horz" wrap="square" lIns="91440" tIns="45720" rIns="91440" bIns="45720" numCol="1" anchor="ctr" anchorCtr="0" compatLnSpc="1">
+                <a:prstTxWarp prst="textNoShape">
+                  <a:avLst/>
+                </a:prstTxWarp>
+              </a:bodyPr>
+              <a:lstStyle/>
+              <a:p>
+                <a:endParaRPr lang="ca-ES"/>
+              </a:p>
+            </p:txBody>
+          </p:sp>
+          <p:sp>
+            <p:nvSpPr>
+              <p:cNvPr id="1069" name="Rectangle 45"/>
+              <p:cNvSpPr>
+                <a:spLocks noChangeArrowheads="1"/>
+              </p:cNvSpPr>
+              <p:nvPr/>
+            </p:nvSpPr>
+            <p:spPr bwMode="auto">
+              <a:xfrm>
+                <a:off x="1519" y="2659"/>
+                <a:ext cx="136" cy="136"/>
+              </a:xfrm>
+              <a:prstGeom prst="rect">
+                <a:avLst/>
+              </a:prstGeom>
+              <a:solidFill>
+                <a:srgbClr val="BBE0E3"/>
+              </a:solidFill>
+              <a:ln w="9525">
+                <a:solidFill>
+                  <a:srgbClr val="000000"/>
+                </a:solidFill>
+                <a:miter lim="800000"/>
+                <a:headEnd/>
+                <a:tailEnd/>
+              </a:ln>
+            </p:spPr>
+            <p:txBody>
+              <a:bodyPr vert="horz" wrap="square" lIns="91440" tIns="45720" rIns="91440" bIns="45720" numCol="1" anchor="ctr" anchorCtr="0" compatLnSpc="1">
+                <a:prstTxWarp prst="textNoShape">
+                  <a:avLst/>
+                </a:prstTxWarp>
+              </a:bodyPr>
+              <a:lstStyle/>
+              <a:p>
+                <a:endParaRPr lang="ca-ES"/>
+              </a:p>
+            </p:txBody>
+          </p:sp>
+          <p:sp>
+            <p:nvSpPr>
+              <p:cNvPr id="1070" name="Rectangle 46"/>
+              <p:cNvSpPr>
+                <a:spLocks noChangeArrowheads="1"/>
+              </p:cNvSpPr>
+              <p:nvPr/>
+            </p:nvSpPr>
+            <p:spPr bwMode="auto">
+              <a:xfrm>
+                <a:off x="1701" y="2659"/>
+                <a:ext cx="136" cy="136"/>
+              </a:xfrm>
+              <a:prstGeom prst="rect">
+                <a:avLst/>
+              </a:prstGeom>
+              <a:solidFill>
+                <a:srgbClr val="BBE0E3"/>
+              </a:solidFill>
+              <a:ln w="9525">
+                <a:solidFill>
+                  <a:srgbClr val="000000"/>
+                </a:solidFill>
+                <a:miter lim="800000"/>
+                <a:headEnd/>
+                <a:tailEnd/>
+              </a:ln>
+            </p:spPr>
+            <p:txBody>
+              <a:bodyPr vert="horz" wrap="square" lIns="91440" tIns="45720" rIns="91440" bIns="45720" numCol="1" anchor="ctr" anchorCtr="0" compatLnSpc="1">
+                <a:prstTxWarp prst="textNoShape">
+                  <a:avLst/>
+                </a:prstTxWarp>
+              </a:bodyPr>
+              <a:lstStyle/>
+              <a:p>
+                <a:endParaRPr lang="ca-ES"/>
+              </a:p>
+            </p:txBody>
+          </p:sp>
+          <p:sp>
+            <p:nvSpPr>
+              <p:cNvPr id="1071" name="Rectangle 47"/>
+              <p:cNvSpPr>
+                <a:spLocks noChangeArrowheads="1"/>
+              </p:cNvSpPr>
+              <p:nvPr/>
+            </p:nvSpPr>
+            <p:spPr bwMode="auto">
+              <a:xfrm>
+                <a:off x="1882" y="2659"/>
+                <a:ext cx="136" cy="136"/>
+              </a:xfrm>
+              <a:prstGeom prst="rect">
+                <a:avLst/>
+              </a:prstGeom>
+              <a:solidFill>
+                <a:srgbClr val="BBE0E3"/>
+              </a:solidFill>
+              <a:ln w="9525">
+                <a:solidFill>
+                  <a:srgbClr val="000000"/>
+                </a:solidFill>
+                <a:miter lim="800000"/>
+                <a:headEnd/>
+                <a:tailEnd/>
+              </a:ln>
+            </p:spPr>
+            <p:txBody>
+              <a:bodyPr vert="horz" wrap="square" lIns="91440" tIns="45720" rIns="91440" bIns="45720" numCol="1" anchor="ctr" anchorCtr="0" compatLnSpc="1">
+                <a:prstTxWarp prst="textNoShape">
+                  <a:avLst/>
+                </a:prstTxWarp>
+              </a:bodyPr>
+              <a:lstStyle/>
+              <a:p>
+                <a:endParaRPr lang="ca-ES"/>
+              </a:p>
+            </p:txBody>
+          </p:sp>
+          <p:sp>
+            <p:nvSpPr>
+              <p:cNvPr id="1072" name="Rectangle 48"/>
+              <p:cNvSpPr>
+                <a:spLocks noChangeArrowheads="1"/>
+              </p:cNvSpPr>
+              <p:nvPr/>
+            </p:nvSpPr>
+            <p:spPr bwMode="auto">
+              <a:xfrm>
+                <a:off x="2064" y="2659"/>
+                <a:ext cx="136" cy="136"/>
+              </a:xfrm>
+              <a:prstGeom prst="rect">
+                <a:avLst/>
+              </a:prstGeom>
+              <a:solidFill>
+                <a:srgbClr val="BBE0E3"/>
+              </a:solidFill>
+              <a:ln w="9525">
+                <a:solidFill>
+                  <a:srgbClr val="000000"/>
+                </a:solidFill>
+                <a:miter lim="800000"/>
+                <a:headEnd/>
+                <a:tailEnd/>
+              </a:ln>
+            </p:spPr>
+            <p:txBody>
+              <a:bodyPr vert="horz" wrap="square" lIns="91440" tIns="45720" rIns="91440" bIns="45720" numCol="1" anchor="ctr" anchorCtr="0" compatLnSpc="1">
+                <a:prstTxWarp prst="textNoShape">
+                  <a:avLst/>
+                </a:prstTxWarp>
+              </a:bodyPr>
+              <a:lstStyle/>
+              <a:p>
+                <a:endParaRPr lang="ca-ES"/>
+              </a:p>
+            </p:txBody>
+          </p:sp>
+          <p:sp>
+            <p:nvSpPr>
+              <p:cNvPr id="1073" name="Rectangle 49"/>
+              <p:cNvSpPr>
+                <a:spLocks noChangeArrowheads="1"/>
+              </p:cNvSpPr>
+              <p:nvPr/>
+            </p:nvSpPr>
+            <p:spPr bwMode="auto">
+              <a:xfrm>
+                <a:off x="2245" y="2659"/>
+                <a:ext cx="136" cy="136"/>
+              </a:xfrm>
+              <a:prstGeom prst="rect">
+                <a:avLst/>
+              </a:prstGeom>
+              <a:solidFill>
+                <a:srgbClr val="BBE0E3"/>
+              </a:solidFill>
+              <a:ln w="9525">
+                <a:solidFill>
+                  <a:srgbClr val="000000"/>
+                </a:solidFill>
+                <a:miter lim="800000"/>
+                <a:headEnd/>
+                <a:tailEnd/>
+              </a:ln>
+            </p:spPr>
+            <p:txBody>
+              <a:bodyPr vert="horz" wrap="square" lIns="91440" tIns="45720" rIns="91440" bIns="45720" numCol="1" anchor="ctr" anchorCtr="0" compatLnSpc="1">
+                <a:prstTxWarp prst="textNoShape">
+                  <a:avLst/>
+                </a:prstTxWarp>
+              </a:bodyPr>
+              <a:lstStyle/>
+              <a:p>
+                <a:endParaRPr lang="ca-ES"/>
+              </a:p>
+            </p:txBody>
+          </p:sp>
+          <p:sp>
+            <p:nvSpPr>
+              <p:cNvPr id="1074" name="Rectangle 50"/>
+              <p:cNvSpPr>
+                <a:spLocks noChangeArrowheads="1"/>
+              </p:cNvSpPr>
+              <p:nvPr/>
+            </p:nvSpPr>
+            <p:spPr bwMode="auto">
+              <a:xfrm>
+                <a:off x="2427" y="2659"/>
+                <a:ext cx="136" cy="136"/>
+              </a:xfrm>
+              <a:prstGeom prst="rect">
+                <a:avLst/>
+              </a:prstGeom>
+              <a:solidFill>
+                <a:srgbClr val="BBE0E3"/>
+              </a:solidFill>
+              <a:ln w="9525">
+                <a:solidFill>
+                  <a:srgbClr val="000000"/>
+                </a:solidFill>
+                <a:miter lim="800000"/>
+                <a:headEnd/>
+                <a:tailEnd/>
+              </a:ln>
+            </p:spPr>
+            <p:txBody>
+              <a:bodyPr vert="horz" wrap="square" lIns="91440" tIns="45720" rIns="91440" bIns="45720" numCol="1" anchor="ctr" anchorCtr="0" compatLnSpc="1">
+                <a:prstTxWarp prst="textNoShape">
+                  <a:avLst/>
+                </a:prstTxWarp>
+              </a:bodyPr>
+              <a:lstStyle/>
+              <a:p>
+                <a:endParaRPr lang="ca-ES"/>
+              </a:p>
+            </p:txBody>
+          </p:sp>
+          <p:sp>
+            <p:nvSpPr>
+              <p:cNvPr id="1075" name="Rectangle 51"/>
+              <p:cNvSpPr>
+                <a:spLocks noChangeArrowheads="1"/>
+              </p:cNvSpPr>
+              <p:nvPr/>
+            </p:nvSpPr>
+            <p:spPr bwMode="auto">
+              <a:xfrm>
+                <a:off x="2608" y="2659"/>
+                <a:ext cx="136" cy="136"/>
+              </a:xfrm>
+              <a:prstGeom prst="rect">
+                <a:avLst/>
+              </a:prstGeom>
+              <a:solidFill>
+                <a:srgbClr val="BBE0E3"/>
+              </a:solidFill>
+              <a:ln w="9525">
+                <a:solidFill>
+                  <a:srgbClr val="000000"/>
+                </a:solidFill>
+                <a:miter lim="800000"/>
+                <a:headEnd/>
+                <a:tailEnd/>
+              </a:ln>
+            </p:spPr>
+            <p:txBody>
+              <a:bodyPr vert="horz" wrap="square" lIns="91440" tIns="45720" rIns="91440" bIns="45720" numCol="1" anchor="ctr" anchorCtr="0" compatLnSpc="1">
+                <a:prstTxWarp prst="textNoShape">
+                  <a:avLst/>
+                </a:prstTxWarp>
+              </a:bodyPr>
+              <a:lstStyle/>
+              <a:p>
+                <a:endParaRPr lang="ca-ES"/>
+              </a:p>
+            </p:txBody>
+          </p:sp>
+          <p:sp>
+            <p:nvSpPr>
+              <p:cNvPr id="1076" name="Rectangle 52"/>
+              <p:cNvSpPr>
+                <a:spLocks noChangeArrowheads="1"/>
+              </p:cNvSpPr>
+              <p:nvPr/>
+            </p:nvSpPr>
+            <p:spPr bwMode="auto">
+              <a:xfrm>
+                <a:off x="1338" y="2477"/>
+                <a:ext cx="136" cy="136"/>
+              </a:xfrm>
+              <a:prstGeom prst="rect">
+                <a:avLst/>
+              </a:prstGeom>
+              <a:solidFill>
+                <a:srgbClr val="BBE0E3"/>
+              </a:solidFill>
+              <a:ln w="9525">
+                <a:solidFill>
+                  <a:srgbClr val="000000"/>
+                </a:solidFill>
+                <a:miter lim="800000"/>
+                <a:headEnd/>
+                <a:tailEnd/>
+              </a:ln>
+            </p:spPr>
+            <p:txBody>
+              <a:bodyPr vert="horz" wrap="square" lIns="91440" tIns="45720" rIns="91440" bIns="45720" numCol="1" anchor="ctr" anchorCtr="0" compatLnSpc="1">
+                <a:prstTxWarp prst="textNoShape">
+                  <a:avLst/>
+                </a:prstTxWarp>
+              </a:bodyPr>
+              <a:lstStyle/>
+              <a:p>
+                <a:endParaRPr lang="ca-ES"/>
+              </a:p>
+            </p:txBody>
+          </p:sp>
+          <p:sp>
+            <p:nvSpPr>
+              <p:cNvPr id="1077" name="Rectangle 53"/>
+              <p:cNvSpPr>
+                <a:spLocks noChangeArrowheads="1"/>
+              </p:cNvSpPr>
+              <p:nvPr/>
+            </p:nvSpPr>
+            <p:spPr bwMode="auto">
+              <a:xfrm>
+                <a:off x="1519" y="2477"/>
+                <a:ext cx="136" cy="136"/>
+              </a:xfrm>
+              <a:prstGeom prst="rect">
+                <a:avLst/>
+              </a:prstGeom>
+              <a:solidFill>
+                <a:srgbClr val="BBE0E3"/>
+              </a:solidFill>
+              <a:ln w="9525">
+                <a:solidFill>
+                  <a:srgbClr val="000000"/>
+                </a:solidFill>
+                <a:miter lim="800000"/>
+                <a:headEnd/>
+                <a:tailEnd/>
+              </a:ln>
+            </p:spPr>
+            <p:txBody>
+              <a:bodyPr vert="horz" wrap="square" lIns="91440" tIns="45720" rIns="91440" bIns="45720" numCol="1" anchor="ctr" anchorCtr="0" compatLnSpc="1">
+                <a:prstTxWarp prst="textNoShape">
+                  <a:avLst/>
+                </a:prstTxWarp>
+              </a:bodyPr>
+              <a:lstStyle/>
+              <a:p>
+                <a:endParaRPr lang="ca-ES"/>
+              </a:p>
+            </p:txBody>
+          </p:sp>
+          <p:sp>
+            <p:nvSpPr>
+              <p:cNvPr id="1078" name="Rectangle 54"/>
+              <p:cNvSpPr>
+                <a:spLocks noChangeArrowheads="1"/>
+              </p:cNvSpPr>
+              <p:nvPr/>
+            </p:nvSpPr>
+            <p:spPr bwMode="auto">
+              <a:xfrm>
+                <a:off x="1701" y="2477"/>
+                <a:ext cx="136" cy="136"/>
+              </a:xfrm>
+              <a:prstGeom prst="rect">
+                <a:avLst/>
+              </a:prstGeom>
+              <a:solidFill>
+                <a:srgbClr val="BBE0E3"/>
+              </a:solidFill>
+              <a:ln w="9525">
+                <a:solidFill>
+                  <a:srgbClr val="000000"/>
+                </a:solidFill>
+                <a:miter lim="800000"/>
+                <a:headEnd/>
+                <a:tailEnd/>
+              </a:ln>
+            </p:spPr>
+            <p:txBody>
+              <a:bodyPr vert="horz" wrap="square" lIns="91440" tIns="45720" rIns="91440" bIns="45720" numCol="1" anchor="ctr" anchorCtr="0" compatLnSpc="1">
+                <a:prstTxWarp prst="textNoShape">
+                  <a:avLst/>
+                </a:prstTxWarp>
+              </a:bodyPr>
+              <a:lstStyle/>
+              <a:p>
+                <a:endParaRPr lang="ca-ES"/>
+              </a:p>
+            </p:txBody>
+          </p:sp>
+          <p:sp>
+            <p:nvSpPr>
+              <p:cNvPr id="1079" name="Rectangle 55"/>
+              <p:cNvSpPr>
+                <a:spLocks noChangeArrowheads="1"/>
+              </p:cNvSpPr>
+              <p:nvPr/>
+            </p:nvSpPr>
+            <p:spPr bwMode="auto">
+              <a:xfrm>
+                <a:off x="1882" y="2477"/>
+                <a:ext cx="136" cy="136"/>
+              </a:xfrm>
+              <a:prstGeom prst="rect">
+                <a:avLst/>
+              </a:prstGeom>
+              <a:solidFill>
+                <a:srgbClr val="BBE0E3"/>
+              </a:solidFill>
+              <a:ln w="9525">
+                <a:solidFill>
+                  <a:srgbClr val="000000"/>
+                </a:solidFill>
+                <a:miter lim="800000"/>
+                <a:headEnd/>
+                <a:tailEnd/>
+              </a:ln>
+            </p:spPr>
+            <p:txBody>
+              <a:bodyPr vert="horz" wrap="square" lIns="91440" tIns="45720" rIns="91440" bIns="45720" numCol="1" anchor="ctr" anchorCtr="0" compatLnSpc="1">
+                <a:prstTxWarp prst="textNoShape">
+                  <a:avLst/>
+                </a:prstTxWarp>
+              </a:bodyPr>
+              <a:lstStyle/>
+              <a:p>
+                <a:endParaRPr lang="ca-ES"/>
+              </a:p>
+            </p:txBody>
+          </p:sp>
+          <p:sp>
+            <p:nvSpPr>
+              <p:cNvPr id="1080" name="Rectangle 56"/>
+              <p:cNvSpPr>
+                <a:spLocks noChangeArrowheads="1"/>
+              </p:cNvSpPr>
+              <p:nvPr/>
+            </p:nvSpPr>
+            <p:spPr bwMode="auto">
+              <a:xfrm>
+                <a:off x="2064" y="2477"/>
+                <a:ext cx="136" cy="136"/>
+              </a:xfrm>
+              <a:prstGeom prst="rect">
+                <a:avLst/>
+              </a:prstGeom>
+              <a:solidFill>
+                <a:srgbClr val="BBE0E3"/>
+              </a:solidFill>
+              <a:ln w="9525">
+                <a:solidFill>
+                  <a:srgbClr val="000000"/>
+                </a:solidFill>
+                <a:miter lim="800000"/>
+                <a:headEnd/>
+                <a:tailEnd/>
+              </a:ln>
+            </p:spPr>
+            <p:txBody>
+              <a:bodyPr vert="horz" wrap="square" lIns="91440" tIns="45720" rIns="91440" bIns="45720" numCol="1" anchor="ctr" anchorCtr="0" compatLnSpc="1">
+                <a:prstTxWarp prst="textNoShape">
+                  <a:avLst/>
+                </a:prstTxWarp>
+              </a:bodyPr>
+              <a:lstStyle/>
+              <a:p>
+                <a:endParaRPr lang="ca-ES"/>
+              </a:p>
+            </p:txBody>
+          </p:sp>
+          <p:sp>
+            <p:nvSpPr>
+              <p:cNvPr id="1081" name="Rectangle 57"/>
+              <p:cNvSpPr>
+                <a:spLocks noChangeArrowheads="1"/>
+              </p:cNvSpPr>
+              <p:nvPr/>
+            </p:nvSpPr>
+            <p:spPr bwMode="auto">
+              <a:xfrm>
+                <a:off x="2245" y="2477"/>
+                <a:ext cx="136" cy="136"/>
+              </a:xfrm>
+              <a:prstGeom prst="rect">
+                <a:avLst/>
+              </a:prstGeom>
+              <a:solidFill>
+                <a:srgbClr val="BBE0E3"/>
+              </a:solidFill>
+              <a:ln w="9525">
+                <a:solidFill>
+                  <a:srgbClr val="000000"/>
+                </a:solidFill>
+                <a:miter lim="800000"/>
+                <a:headEnd/>
+                <a:tailEnd/>
+              </a:ln>
+            </p:spPr>
+            <p:txBody>
+              <a:bodyPr vert="horz" wrap="square" lIns="91440" tIns="45720" rIns="91440" bIns="45720" numCol="1" anchor="ctr" anchorCtr="0" compatLnSpc="1">
+                <a:prstTxWarp prst="textNoShape">
+                  <a:avLst/>
+                </a:prstTxWarp>
+              </a:bodyPr>
+              <a:lstStyle/>
+              <a:p>
+                <a:endParaRPr lang="ca-ES"/>
+              </a:p>
+            </p:txBody>
+          </p:sp>
+          <p:sp>
+            <p:nvSpPr>
+              <p:cNvPr id="1082" name="Rectangle 58"/>
+              <p:cNvSpPr>
+                <a:spLocks noChangeArrowheads="1"/>
+              </p:cNvSpPr>
+              <p:nvPr/>
+            </p:nvSpPr>
+            <p:spPr bwMode="auto">
+              <a:xfrm>
+                <a:off x="2427" y="2477"/>
+                <a:ext cx="136" cy="136"/>
+              </a:xfrm>
+              <a:prstGeom prst="rect">
+                <a:avLst/>
+              </a:prstGeom>
+              <a:solidFill>
+                <a:srgbClr val="BBE0E3"/>
+              </a:solidFill>
+              <a:ln w="9525">
+                <a:solidFill>
+                  <a:srgbClr val="000000"/>
+                </a:solidFill>
+                <a:miter lim="800000"/>
+                <a:headEnd/>
+                <a:tailEnd/>
+              </a:ln>
+            </p:spPr>
+            <p:txBody>
+              <a:bodyPr vert="horz" wrap="square" lIns="91440" tIns="45720" rIns="91440" bIns="45720" numCol="1" anchor="ctr" anchorCtr="0" compatLnSpc="1">
+                <a:prstTxWarp prst="textNoShape">
+                  <a:avLst/>
+                </a:prstTxWarp>
+              </a:bodyPr>
+              <a:lstStyle/>
+              <a:p>
+                <a:endParaRPr lang="ca-ES"/>
+              </a:p>
+            </p:txBody>
+          </p:sp>
+          <p:sp>
+            <p:nvSpPr>
+              <p:cNvPr id="1083" name="Rectangle 59"/>
+              <p:cNvSpPr>
+                <a:spLocks noChangeArrowheads="1"/>
+              </p:cNvSpPr>
+              <p:nvPr/>
+            </p:nvSpPr>
+            <p:spPr bwMode="auto">
+              <a:xfrm>
+                <a:off x="2608" y="2477"/>
+                <a:ext cx="136" cy="136"/>
+              </a:xfrm>
+              <a:prstGeom prst="rect">
+                <a:avLst/>
+              </a:prstGeom>
+              <a:solidFill>
+                <a:srgbClr val="BBE0E3"/>
+              </a:solidFill>
+              <a:ln w="9525">
+                <a:solidFill>
+                  <a:srgbClr val="000000"/>
+                </a:solidFill>
+                <a:miter lim="800000"/>
+                <a:headEnd/>
+                <a:tailEnd/>
+              </a:ln>
+            </p:spPr>
+            <p:txBody>
+              <a:bodyPr vert="horz" wrap="square" lIns="91440" tIns="45720" rIns="91440" bIns="45720" numCol="1" anchor="ctr" anchorCtr="0" compatLnSpc="1">
+                <a:prstTxWarp prst="textNoShape">
+                  <a:avLst/>
+                </a:prstTxWarp>
+              </a:bodyPr>
+              <a:lstStyle/>
+              <a:p>
+                <a:endParaRPr lang="ca-ES"/>
+              </a:p>
+            </p:txBody>
+          </p:sp>
+          <p:sp>
+            <p:nvSpPr>
+              <p:cNvPr id="1084" name="Rectangle 60"/>
+              <p:cNvSpPr>
+                <a:spLocks noChangeArrowheads="1"/>
+              </p:cNvSpPr>
+              <p:nvPr/>
+            </p:nvSpPr>
+            <p:spPr bwMode="auto">
+              <a:xfrm>
+                <a:off x="1338" y="2296"/>
+                <a:ext cx="136" cy="136"/>
+              </a:xfrm>
+              <a:prstGeom prst="rect">
+                <a:avLst/>
+              </a:prstGeom>
+              <a:solidFill>
+                <a:srgbClr val="BBE0E3"/>
+              </a:solidFill>
+              <a:ln w="9525">
+                <a:solidFill>
+                  <a:srgbClr val="000000"/>
+                </a:solidFill>
+                <a:miter lim="800000"/>
+                <a:headEnd/>
+                <a:tailEnd/>
+              </a:ln>
+            </p:spPr>
+            <p:txBody>
+              <a:bodyPr vert="horz" wrap="square" lIns="91440" tIns="45720" rIns="91440" bIns="45720" numCol="1" anchor="ctr" anchorCtr="0" compatLnSpc="1">
+                <a:prstTxWarp prst="textNoShape">
+                  <a:avLst/>
+                </a:prstTxWarp>
+              </a:bodyPr>
+              <a:lstStyle/>
+              <a:p>
+                <a:endParaRPr lang="ca-ES"/>
+              </a:p>
+            </p:txBody>
+          </p:sp>
+          <p:sp>
+            <p:nvSpPr>
+              <p:cNvPr id="1085" name="Rectangle 61"/>
+              <p:cNvSpPr>
+                <a:spLocks noChangeArrowheads="1"/>
+              </p:cNvSpPr>
+              <p:nvPr/>
+            </p:nvSpPr>
+            <p:spPr bwMode="auto">
+              <a:xfrm>
+                <a:off x="1519" y="2296"/>
+                <a:ext cx="136" cy="136"/>
+              </a:xfrm>
+              <a:prstGeom prst="rect">
+                <a:avLst/>
+              </a:prstGeom>
+              <a:solidFill>
+                <a:srgbClr val="BBE0E3"/>
+              </a:solidFill>
+              <a:ln w="9525">
+                <a:solidFill>
+                  <a:srgbClr val="000000"/>
+                </a:solidFill>
+                <a:miter lim="800000"/>
+                <a:headEnd/>
+                <a:tailEnd/>
+              </a:ln>
+            </p:spPr>
+            <p:txBody>
+              <a:bodyPr vert="horz" wrap="square" lIns="91440" tIns="45720" rIns="91440" bIns="45720" numCol="1" anchor="ctr" anchorCtr="0" compatLnSpc="1">
+                <a:prstTxWarp prst="textNoShape">
+                  <a:avLst/>
+                </a:prstTxWarp>
+              </a:bodyPr>
+              <a:lstStyle/>
+              <a:p>
+                <a:endParaRPr lang="ca-ES"/>
+              </a:p>
+            </p:txBody>
+          </p:sp>
+          <p:sp>
+            <p:nvSpPr>
+              <p:cNvPr id="1086" name="Rectangle 62"/>
+              <p:cNvSpPr>
+                <a:spLocks noChangeArrowheads="1"/>
+              </p:cNvSpPr>
+              <p:nvPr/>
+            </p:nvSpPr>
+            <p:spPr bwMode="auto">
+              <a:xfrm>
+                <a:off x="1701" y="2296"/>
+                <a:ext cx="136" cy="136"/>
+              </a:xfrm>
+              <a:prstGeom prst="rect">
+                <a:avLst/>
+              </a:prstGeom>
+              <a:solidFill>
+                <a:srgbClr val="BBE0E3"/>
+              </a:solidFill>
+              <a:ln w="9525">
+                <a:solidFill>
+                  <a:srgbClr val="000000"/>
+                </a:solidFill>
+                <a:miter lim="800000"/>
+                <a:headEnd/>
+                <a:tailEnd/>
+              </a:ln>
+            </p:spPr>
+            <p:txBody>
+              <a:bodyPr vert="horz" wrap="square" lIns="91440" tIns="45720" rIns="91440" bIns="45720" numCol="1" anchor="ctr" anchorCtr="0" compatLnSpc="1">
+                <a:prstTxWarp prst="textNoShape">
+                  <a:avLst/>
+                </a:prstTxWarp>
+              </a:bodyPr>
+              <a:lstStyle/>
+              <a:p>
+                <a:endParaRPr lang="ca-ES"/>
+              </a:p>
+            </p:txBody>
+          </p:sp>
+          <p:sp>
+            <p:nvSpPr>
+              <p:cNvPr id="1087" name="Rectangle 63"/>
+              <p:cNvSpPr>
+                <a:spLocks noChangeArrowheads="1"/>
+              </p:cNvSpPr>
+              <p:nvPr/>
+            </p:nvSpPr>
+            <p:spPr bwMode="auto">
+              <a:xfrm>
+                <a:off x="1882" y="2296"/>
+                <a:ext cx="136" cy="136"/>
+              </a:xfrm>
+              <a:prstGeom prst="rect">
+                <a:avLst/>
+              </a:prstGeom>
+              <a:solidFill>
+                <a:srgbClr val="BBE0E3"/>
+              </a:solidFill>
+              <a:ln w="9525">
+                <a:solidFill>
+                  <a:srgbClr val="000000"/>
+                </a:solidFill>
+                <a:miter lim="800000"/>
+                <a:headEnd/>
+                <a:tailEnd/>
+              </a:ln>
+            </p:spPr>
+            <p:txBody>
+              <a:bodyPr vert="horz" wrap="square" lIns="91440" tIns="45720" rIns="91440" bIns="45720" numCol="1" anchor="ctr" anchorCtr="0" compatLnSpc="1">
+                <a:prstTxWarp prst="textNoShape">
+                  <a:avLst/>
+                </a:prstTxWarp>
+              </a:bodyPr>
+              <a:lstStyle/>
+              <a:p>
+                <a:endParaRPr lang="ca-ES"/>
+              </a:p>
+            </p:txBody>
+          </p:sp>
+          <p:sp>
+            <p:nvSpPr>
+              <p:cNvPr id="1088" name="Rectangle 64"/>
+              <p:cNvSpPr>
+                <a:spLocks noChangeArrowheads="1"/>
+              </p:cNvSpPr>
+              <p:nvPr/>
+            </p:nvSpPr>
+            <p:spPr bwMode="auto">
+              <a:xfrm>
+                <a:off x="2064" y="2296"/>
+                <a:ext cx="136" cy="136"/>
+              </a:xfrm>
+              <a:prstGeom prst="rect">
+                <a:avLst/>
+              </a:prstGeom>
+              <a:solidFill>
+                <a:srgbClr val="BBE0E3"/>
+              </a:solidFill>
+              <a:ln w="9525">
+                <a:solidFill>
+                  <a:srgbClr val="000000"/>
+                </a:solidFill>
+                <a:miter lim="800000"/>
+                <a:headEnd/>
+                <a:tailEnd/>
+              </a:ln>
+            </p:spPr>
+            <p:txBody>
+              <a:bodyPr vert="horz" wrap="square" lIns="91440" tIns="45720" rIns="91440" bIns="45720" numCol="1" anchor="ctr" anchorCtr="0" compatLnSpc="1">
+                <a:prstTxWarp prst="textNoShape">
+                  <a:avLst/>
+                </a:prstTxWarp>
+              </a:bodyPr>
+              <a:lstStyle/>
+              <a:p>
+                <a:endParaRPr lang="ca-ES"/>
+              </a:p>
+            </p:txBody>
+          </p:sp>
+          <p:sp>
+            <p:nvSpPr>
+              <p:cNvPr id="1089" name="Rectangle 65"/>
+              <p:cNvSpPr>
+                <a:spLocks noChangeArrowheads="1"/>
+              </p:cNvSpPr>
+              <p:nvPr/>
+            </p:nvSpPr>
+            <p:spPr bwMode="auto">
+              <a:xfrm>
+                <a:off x="2245" y="2296"/>
+                <a:ext cx="136" cy="136"/>
+              </a:xfrm>
+              <a:prstGeom prst="rect">
+                <a:avLst/>
+              </a:prstGeom>
+              <a:solidFill>
+                <a:srgbClr val="BBE0E3"/>
+              </a:solidFill>
+              <a:ln w="9525">
+                <a:solidFill>
+                  <a:srgbClr val="000000"/>
+                </a:solidFill>
+                <a:miter lim="800000"/>
+                <a:headEnd/>
+                <a:tailEnd/>
+              </a:ln>
+            </p:spPr>
+            <p:txBody>
+              <a:bodyPr vert="horz" wrap="square" lIns="91440" tIns="45720" rIns="91440" bIns="45720" numCol="1" anchor="ctr" anchorCtr="0" compatLnSpc="1">
+                <a:prstTxWarp prst="textNoShape">
+                  <a:avLst/>
+                </a:prstTxWarp>
+              </a:bodyPr>
+              <a:lstStyle/>
+              <a:p>
+                <a:endParaRPr lang="ca-ES"/>
+              </a:p>
+            </p:txBody>
+          </p:sp>
+          <p:sp>
+            <p:nvSpPr>
+              <p:cNvPr id="1090" name="Rectangle 66"/>
+              <p:cNvSpPr>
+                <a:spLocks noChangeArrowheads="1"/>
+              </p:cNvSpPr>
+              <p:nvPr/>
+            </p:nvSpPr>
+            <p:spPr bwMode="auto">
+              <a:xfrm>
+                <a:off x="2427" y="2296"/>
+                <a:ext cx="136" cy="136"/>
+              </a:xfrm>
+              <a:prstGeom prst="rect">
+                <a:avLst/>
+              </a:prstGeom>
+              <a:solidFill>
+                <a:srgbClr val="BBE0E3"/>
+              </a:solidFill>
+              <a:ln w="9525">
+                <a:solidFill>
+                  <a:srgbClr val="000000"/>
+                </a:solidFill>
+                <a:miter lim="800000"/>
+                <a:headEnd/>
+                <a:tailEnd/>
+              </a:ln>
+            </p:spPr>
+            <p:txBody>
+              <a:bodyPr vert="horz" wrap="square" lIns="91440" tIns="45720" rIns="91440" bIns="45720" numCol="1" anchor="ctr" anchorCtr="0" compatLnSpc="1">
+                <a:prstTxWarp prst="textNoShape">
+                  <a:avLst/>
+                </a:prstTxWarp>
+              </a:bodyPr>
+              <a:lstStyle/>
+              <a:p>
+                <a:endParaRPr lang="ca-ES"/>
+              </a:p>
+            </p:txBody>
+          </p:sp>
+          <p:sp>
+            <p:nvSpPr>
+              <p:cNvPr id="1091" name="Rectangle 67"/>
+              <p:cNvSpPr>
+                <a:spLocks noChangeArrowheads="1"/>
+              </p:cNvSpPr>
+              <p:nvPr/>
+            </p:nvSpPr>
+            <p:spPr bwMode="auto">
+              <a:xfrm>
+                <a:off x="2608" y="2296"/>
+                <a:ext cx="136" cy="136"/>
+              </a:xfrm>
+              <a:prstGeom prst="rect">
+                <a:avLst/>
+              </a:prstGeom>
+              <a:solidFill>
+                <a:srgbClr val="BBE0E3"/>
+              </a:solidFill>
+              <a:ln w="9525">
+                <a:solidFill>
+                  <a:srgbClr val="000000"/>
+                </a:solidFill>
+                <a:miter lim="800000"/>
+                <a:headEnd/>
+                <a:tailEnd/>
+              </a:ln>
+            </p:spPr>
+            <p:txBody>
+              <a:bodyPr vert="horz" wrap="square" lIns="91440" tIns="45720" rIns="91440" bIns="45720" numCol="1" anchor="ctr" anchorCtr="0" compatLnSpc="1">
+                <a:prstTxWarp prst="textNoShape">
+                  <a:avLst/>
+                </a:prstTxWarp>
+              </a:bodyPr>
+              <a:lstStyle/>
+              <a:p>
+                <a:endParaRPr lang="ca-ES"/>
+              </a:p>
+            </p:txBody>
+          </p:sp>
+        </p:grpSp>
+        <p:grpSp>
+          <p:nvGrpSpPr>
+            <p:cNvPr id="1092" name="Group 68"/>
+            <p:cNvGrpSpPr>
+              <a:grpSpLocks/>
+            </p:cNvGrpSpPr>
+            <p:nvPr/>
+          </p:nvGrpSpPr>
+          <p:grpSpPr bwMode="auto">
+            <a:xfrm>
+              <a:off x="5677" y="2897"/>
+              <a:ext cx="3175" cy="3175"/>
+              <a:chOff x="4195" y="1525"/>
+              <a:chExt cx="1270" cy="1270"/>
+            </a:xfrm>
+          </p:grpSpPr>
+          <p:sp>
+            <p:nvSpPr>
+              <p:cNvPr id="1093" name="Rectangle 69"/>
+              <p:cNvSpPr>
+                <a:spLocks noChangeArrowheads="1"/>
+              </p:cNvSpPr>
+              <p:nvPr/>
+            </p:nvSpPr>
+            <p:spPr bwMode="auto">
+              <a:xfrm>
+                <a:off x="4196" y="2342"/>
+                <a:ext cx="181" cy="181"/>
+              </a:xfrm>
+              <a:prstGeom prst="rect">
+                <a:avLst/>
+              </a:prstGeom>
+              <a:solidFill>
+                <a:srgbClr val="81C6CB"/>
+              </a:solidFill>
+              <a:ln w="9525">
+                <a:solidFill>
+                  <a:srgbClr val="000000"/>
+                </a:solidFill>
+                <a:miter lim="800000"/>
+                <a:headEnd/>
+                <a:tailEnd/>
+              </a:ln>
+            </p:spPr>
+            <p:txBody>
+              <a:bodyPr vert="horz" wrap="square" lIns="91440" tIns="45720" rIns="91440" bIns="45720" numCol="1" anchor="ctr" anchorCtr="0" compatLnSpc="1">
+                <a:prstTxWarp prst="textNoShape">
+                  <a:avLst/>
+                </a:prstTxWarp>
+              </a:bodyPr>
+              <a:lstStyle/>
+              <a:p>
+                <a:endParaRPr lang="ca-ES"/>
+              </a:p>
+            </p:txBody>
+          </p:sp>
+          <p:sp>
+            <p:nvSpPr>
+              <p:cNvPr id="1094" name="Rectangle 70"/>
+              <p:cNvSpPr>
+                <a:spLocks noChangeArrowheads="1"/>
+              </p:cNvSpPr>
+              <p:nvPr/>
+            </p:nvSpPr>
+            <p:spPr bwMode="auto">
+              <a:xfrm>
+                <a:off x="4468" y="2342"/>
+                <a:ext cx="181" cy="181"/>
+              </a:xfrm>
+              <a:prstGeom prst="rect">
+                <a:avLst/>
+              </a:prstGeom>
+              <a:solidFill>
+                <a:srgbClr val="81C6CB"/>
+              </a:solidFill>
+              <a:ln w="9525">
+                <a:solidFill>
+                  <a:srgbClr val="000000"/>
+                </a:solidFill>
+                <a:miter lim="800000"/>
+                <a:headEnd/>
+                <a:tailEnd/>
+              </a:ln>
+            </p:spPr>
+            <p:txBody>
+              <a:bodyPr vert="horz" wrap="square" lIns="91440" tIns="45720" rIns="91440" bIns="45720" numCol="1" anchor="ctr" anchorCtr="0" compatLnSpc="1">
+                <a:prstTxWarp prst="textNoShape">
+                  <a:avLst/>
+                </a:prstTxWarp>
+              </a:bodyPr>
+              <a:lstStyle/>
+              <a:p>
+                <a:endParaRPr lang="ca-ES"/>
+              </a:p>
+            </p:txBody>
+          </p:sp>
+          <p:sp>
+            <p:nvSpPr>
+              <p:cNvPr id="1095" name="Rectangle 71"/>
+              <p:cNvSpPr>
+                <a:spLocks noChangeArrowheads="1"/>
+              </p:cNvSpPr>
+              <p:nvPr/>
+            </p:nvSpPr>
+            <p:spPr bwMode="auto">
+              <a:xfrm>
+                <a:off x="4741" y="2342"/>
+                <a:ext cx="181" cy="181"/>
+              </a:xfrm>
+              <a:prstGeom prst="rect">
+                <a:avLst/>
+              </a:prstGeom>
+              <a:solidFill>
+                <a:srgbClr val="81C6CB"/>
+              </a:solidFill>
+              <a:ln w="9525">
+                <a:solidFill>
+                  <a:srgbClr val="000000"/>
+                </a:solidFill>
+                <a:miter lim="800000"/>
+                <a:headEnd/>
+                <a:tailEnd/>
+              </a:ln>
+            </p:spPr>
+            <p:txBody>
+              <a:bodyPr vert="horz" wrap="square" lIns="91440" tIns="45720" rIns="91440" bIns="45720" numCol="1" anchor="ctr" anchorCtr="0" compatLnSpc="1">
+                <a:prstTxWarp prst="textNoShape">
+                  <a:avLst/>
+                </a:prstTxWarp>
+              </a:bodyPr>
+              <a:lstStyle/>
+              <a:p>
+                <a:endParaRPr lang="ca-ES"/>
+              </a:p>
+            </p:txBody>
+          </p:sp>
+          <p:sp>
+            <p:nvSpPr>
+              <p:cNvPr id="1096" name="Rectangle 72"/>
+              <p:cNvSpPr>
+                <a:spLocks noChangeArrowheads="1"/>
+              </p:cNvSpPr>
+              <p:nvPr/>
+            </p:nvSpPr>
+            <p:spPr bwMode="auto">
+              <a:xfrm>
+                <a:off x="5013" y="2342"/>
+                <a:ext cx="181" cy="181"/>
+              </a:xfrm>
+              <a:prstGeom prst="rect">
+                <a:avLst/>
+              </a:prstGeom>
+              <a:solidFill>
+                <a:srgbClr val="81C6CB"/>
+              </a:solidFill>
+              <a:ln w="9525">
+                <a:solidFill>
+                  <a:srgbClr val="000000"/>
+                </a:solidFill>
+                <a:miter lim="800000"/>
+                <a:headEnd/>
+                <a:tailEnd/>
+              </a:ln>
+            </p:spPr>
+            <p:txBody>
+              <a:bodyPr vert="horz" wrap="square" lIns="91440" tIns="45720" rIns="91440" bIns="45720" numCol="1" anchor="ctr" anchorCtr="0" compatLnSpc="1">
+                <a:prstTxWarp prst="textNoShape">
+                  <a:avLst/>
+                </a:prstTxWarp>
+              </a:bodyPr>
+              <a:lstStyle/>
+              <a:p>
+                <a:endParaRPr lang="ca-ES"/>
+              </a:p>
+            </p:txBody>
+          </p:sp>
+          <p:sp>
+            <p:nvSpPr>
+              <p:cNvPr id="1097" name="Rectangle 73"/>
+              <p:cNvSpPr>
+                <a:spLocks noChangeArrowheads="1"/>
+              </p:cNvSpPr>
+              <p:nvPr/>
+            </p:nvSpPr>
+            <p:spPr bwMode="auto">
+              <a:xfrm>
+                <a:off x="4196" y="2070"/>
+                <a:ext cx="181" cy="181"/>
+              </a:xfrm>
+              <a:prstGeom prst="rect">
+                <a:avLst/>
+              </a:prstGeom>
+              <a:solidFill>
+                <a:srgbClr val="81C6CB"/>
+              </a:solidFill>
+              <a:ln w="9525">
+                <a:solidFill>
+                  <a:srgbClr val="000000"/>
+                </a:solidFill>
+                <a:miter lim="800000"/>
+                <a:headEnd/>
+                <a:tailEnd/>
+              </a:ln>
+            </p:spPr>
+            <p:txBody>
+              <a:bodyPr vert="horz" wrap="square" lIns="91440" tIns="45720" rIns="91440" bIns="45720" numCol="1" anchor="ctr" anchorCtr="0" compatLnSpc="1">
+                <a:prstTxWarp prst="textNoShape">
+                  <a:avLst/>
+                </a:prstTxWarp>
+              </a:bodyPr>
+              <a:lstStyle/>
+              <a:p>
+                <a:endParaRPr lang="ca-ES"/>
+              </a:p>
+            </p:txBody>
+          </p:sp>
+          <p:sp>
+            <p:nvSpPr>
+              <p:cNvPr id="1098" name="Rectangle 74"/>
+              <p:cNvSpPr>
+                <a:spLocks noChangeArrowheads="1"/>
+              </p:cNvSpPr>
+              <p:nvPr/>
+            </p:nvSpPr>
+            <p:spPr bwMode="auto">
+              <a:xfrm>
+                <a:off x="4468" y="2070"/>
+                <a:ext cx="181" cy="181"/>
+              </a:xfrm>
+              <a:prstGeom prst="rect">
+                <a:avLst/>
+              </a:prstGeom>
+              <a:solidFill>
+                <a:srgbClr val="81C6CB"/>
+              </a:solidFill>
+              <a:ln w="9525">
+                <a:solidFill>
+                  <a:srgbClr val="000000"/>
+                </a:solidFill>
+                <a:miter lim="800000"/>
+                <a:headEnd/>
+                <a:tailEnd/>
+              </a:ln>
+            </p:spPr>
+            <p:txBody>
+              <a:bodyPr vert="horz" wrap="square" lIns="91440" tIns="45720" rIns="91440" bIns="45720" numCol="1" anchor="ctr" anchorCtr="0" compatLnSpc="1">
+                <a:prstTxWarp prst="textNoShape">
+                  <a:avLst/>
+                </a:prstTxWarp>
+              </a:bodyPr>
+              <a:lstStyle/>
+              <a:p>
+                <a:endParaRPr lang="ca-ES"/>
+              </a:p>
+            </p:txBody>
+          </p:sp>
+          <p:sp>
+            <p:nvSpPr>
+              <p:cNvPr id="1099" name="Rectangle 75"/>
+              <p:cNvSpPr>
+                <a:spLocks noChangeArrowheads="1"/>
+              </p:cNvSpPr>
+              <p:nvPr/>
+            </p:nvSpPr>
+            <p:spPr bwMode="auto">
+              <a:xfrm>
+                <a:off x="4741" y="2070"/>
+                <a:ext cx="181" cy="181"/>
+              </a:xfrm>
+              <a:prstGeom prst="rect">
+                <a:avLst/>
+              </a:prstGeom>
+              <a:solidFill>
+                <a:srgbClr val="81C6CB"/>
+              </a:solidFill>
+              <a:ln w="9525">
+                <a:solidFill>
+                  <a:srgbClr val="000000"/>
+                </a:solidFill>
+                <a:miter lim="800000"/>
+                <a:headEnd/>
+                <a:tailEnd/>
+              </a:ln>
+            </p:spPr>
+            <p:txBody>
+              <a:bodyPr vert="horz" wrap="square" lIns="91440" tIns="45720" rIns="91440" bIns="45720" numCol="1" anchor="ctr" anchorCtr="0" compatLnSpc="1">
+                <a:prstTxWarp prst="textNoShape">
+                  <a:avLst/>
+                </a:prstTxWarp>
+              </a:bodyPr>
+              <a:lstStyle/>
+              <a:p>
+                <a:endParaRPr lang="ca-ES"/>
+              </a:p>
+            </p:txBody>
+          </p:sp>
+          <p:sp>
+            <p:nvSpPr>
+              <p:cNvPr id="1100" name="Rectangle 76"/>
+              <p:cNvSpPr>
+                <a:spLocks noChangeArrowheads="1"/>
+              </p:cNvSpPr>
+              <p:nvPr/>
+            </p:nvSpPr>
+            <p:spPr bwMode="auto">
+              <a:xfrm>
+                <a:off x="5013" y="2070"/>
+                <a:ext cx="181" cy="181"/>
+              </a:xfrm>
+              <a:prstGeom prst="rect">
+                <a:avLst/>
+              </a:prstGeom>
+              <a:solidFill>
+                <a:srgbClr val="81C6CB"/>
+              </a:solidFill>
+              <a:ln w="9525">
+                <a:solidFill>
+                  <a:srgbClr val="000000"/>
+                </a:solidFill>
+                <a:miter lim="800000"/>
+                <a:headEnd/>
+                <a:tailEnd/>
+              </a:ln>
+            </p:spPr>
+            <p:txBody>
+              <a:bodyPr vert="horz" wrap="square" lIns="91440" tIns="45720" rIns="91440" bIns="45720" numCol="1" anchor="ctr" anchorCtr="0" compatLnSpc="1">
+                <a:prstTxWarp prst="textNoShape">
+                  <a:avLst/>
+                </a:prstTxWarp>
+              </a:bodyPr>
+              <a:lstStyle/>
+              <a:p>
+                <a:endParaRPr lang="ca-ES"/>
+              </a:p>
+            </p:txBody>
+          </p:sp>
+          <p:sp>
+            <p:nvSpPr>
+              <p:cNvPr id="1101" name="Rectangle 77"/>
+              <p:cNvSpPr>
+                <a:spLocks noChangeArrowheads="1"/>
+              </p:cNvSpPr>
+              <p:nvPr/>
+            </p:nvSpPr>
+            <p:spPr bwMode="auto">
+              <a:xfrm>
+                <a:off x="4196" y="1797"/>
+                <a:ext cx="181" cy="181"/>
+              </a:xfrm>
+              <a:prstGeom prst="rect">
+                <a:avLst/>
+              </a:prstGeom>
+              <a:solidFill>
+                <a:srgbClr val="81C6CB"/>
+              </a:solidFill>
+              <a:ln w="9525">
+                <a:solidFill>
+                  <a:srgbClr val="000000"/>
+                </a:solidFill>
+                <a:miter lim="800000"/>
+                <a:headEnd/>
+                <a:tailEnd/>
+              </a:ln>
+            </p:spPr>
+            <p:txBody>
+              <a:bodyPr vert="horz" wrap="square" lIns="91440" tIns="45720" rIns="91440" bIns="45720" numCol="1" anchor="ctr" anchorCtr="0" compatLnSpc="1">
+                <a:prstTxWarp prst="textNoShape">
+                  <a:avLst/>
+                </a:prstTxWarp>
+              </a:bodyPr>
+              <a:lstStyle/>
+              <a:p>
+                <a:endParaRPr lang="ca-ES"/>
+              </a:p>
+            </p:txBody>
+          </p:sp>
+          <p:sp>
+            <p:nvSpPr>
+              <p:cNvPr id="1102" name="Rectangle 78"/>
+              <p:cNvSpPr>
+                <a:spLocks noChangeArrowheads="1"/>
+              </p:cNvSpPr>
+              <p:nvPr/>
+            </p:nvSpPr>
+            <p:spPr bwMode="auto">
+              <a:xfrm>
+                <a:off x="4468" y="1797"/>
+                <a:ext cx="181" cy="181"/>
+              </a:xfrm>
+              <a:prstGeom prst="rect">
+                <a:avLst/>
+              </a:prstGeom>
+              <a:solidFill>
+                <a:srgbClr val="81C6CB"/>
+              </a:solidFill>
+              <a:ln w="9525">
+                <a:solidFill>
+                  <a:srgbClr val="000000"/>
+                </a:solidFill>
+                <a:miter lim="800000"/>
+                <a:headEnd/>
+                <a:tailEnd/>
+              </a:ln>
+            </p:spPr>
+            <p:txBody>
+              <a:bodyPr vert="horz" wrap="square" lIns="91440" tIns="45720" rIns="91440" bIns="45720" numCol="1" anchor="ctr" anchorCtr="0" compatLnSpc="1">
+                <a:prstTxWarp prst="textNoShape">
+                  <a:avLst/>
+                </a:prstTxWarp>
+              </a:bodyPr>
+              <a:lstStyle/>
+              <a:p>
+                <a:endParaRPr lang="ca-ES"/>
+              </a:p>
+            </p:txBody>
+          </p:sp>
+          <p:sp>
+            <p:nvSpPr>
+              <p:cNvPr id="1103" name="Rectangle 79"/>
+              <p:cNvSpPr>
+                <a:spLocks noChangeArrowheads="1"/>
+              </p:cNvSpPr>
+              <p:nvPr/>
+            </p:nvSpPr>
+            <p:spPr bwMode="auto">
+              <a:xfrm>
+                <a:off x="4741" y="1797"/>
+                <a:ext cx="181" cy="181"/>
+              </a:xfrm>
+              <a:prstGeom prst="rect">
+                <a:avLst/>
+              </a:prstGeom>
+              <a:solidFill>
+                <a:srgbClr val="81C6CB"/>
+              </a:solidFill>
+              <a:ln w="9525">
+                <a:solidFill>
+                  <a:srgbClr val="000000"/>
+                </a:solidFill>
+                <a:miter lim="800000"/>
+                <a:headEnd/>
+                <a:tailEnd/>
+              </a:ln>
+            </p:spPr>
+            <p:txBody>
+              <a:bodyPr vert="horz" wrap="square" lIns="91440" tIns="45720" rIns="91440" bIns="45720" numCol="1" anchor="ctr" anchorCtr="0" compatLnSpc="1">
+                <a:prstTxWarp prst="textNoShape">
+                  <a:avLst/>
+                </a:prstTxWarp>
+              </a:bodyPr>
+              <a:lstStyle/>
+              <a:p>
+                <a:endParaRPr lang="ca-ES"/>
+              </a:p>
+            </p:txBody>
+          </p:sp>
+          <p:sp>
+            <p:nvSpPr>
+              <p:cNvPr id="1104" name="Rectangle 80"/>
+              <p:cNvSpPr>
+                <a:spLocks noChangeArrowheads="1"/>
+              </p:cNvSpPr>
+              <p:nvPr/>
+            </p:nvSpPr>
+            <p:spPr bwMode="auto">
+              <a:xfrm>
+                <a:off x="5013" y="1797"/>
+                <a:ext cx="181" cy="181"/>
+              </a:xfrm>
+              <a:prstGeom prst="rect">
+                <a:avLst/>
+              </a:prstGeom>
+              <a:solidFill>
+                <a:srgbClr val="81C6CB"/>
+              </a:solidFill>
+              <a:ln w="9525">
+                <a:solidFill>
+                  <a:srgbClr val="000000"/>
+                </a:solidFill>
+                <a:miter lim="800000"/>
+                <a:headEnd/>
+                <a:tailEnd/>
+              </a:ln>
+            </p:spPr>
+            <p:txBody>
+              <a:bodyPr vert="horz" wrap="square" lIns="91440" tIns="45720" rIns="91440" bIns="45720" numCol="1" anchor="ctr" anchorCtr="0" compatLnSpc="1">
+                <a:prstTxWarp prst="textNoShape">
+                  <a:avLst/>
+                </a:prstTxWarp>
+              </a:bodyPr>
+              <a:lstStyle/>
+              <a:p>
+                <a:endParaRPr lang="ca-ES"/>
+              </a:p>
+            </p:txBody>
+          </p:sp>
+          <p:sp>
+            <p:nvSpPr>
+              <p:cNvPr id="1105" name="Rectangle 81"/>
+              <p:cNvSpPr>
+                <a:spLocks noChangeArrowheads="1"/>
+              </p:cNvSpPr>
+              <p:nvPr/>
+            </p:nvSpPr>
+            <p:spPr bwMode="auto">
+              <a:xfrm>
+                <a:off x="4196" y="1525"/>
+                <a:ext cx="181" cy="181"/>
+              </a:xfrm>
+              <a:prstGeom prst="rect">
+                <a:avLst/>
+              </a:prstGeom>
+              <a:solidFill>
+                <a:srgbClr val="81C6CB"/>
+              </a:solidFill>
+              <a:ln w="9525">
+                <a:solidFill>
+                  <a:srgbClr val="000000"/>
+                </a:solidFill>
+                <a:miter lim="800000"/>
+                <a:headEnd/>
+                <a:tailEnd/>
+              </a:ln>
+            </p:spPr>
+            <p:txBody>
+              <a:bodyPr vert="horz" wrap="square" lIns="91440" tIns="45720" rIns="91440" bIns="45720" numCol="1" anchor="ctr" anchorCtr="0" compatLnSpc="1">
+                <a:prstTxWarp prst="textNoShape">
+                  <a:avLst/>
+                </a:prstTxWarp>
+              </a:bodyPr>
+              <a:lstStyle/>
+              <a:p>
+                <a:endParaRPr lang="ca-ES"/>
+              </a:p>
+            </p:txBody>
+          </p:sp>
+          <p:sp>
+            <p:nvSpPr>
+              <p:cNvPr id="1106" name="Rectangle 82"/>
+              <p:cNvSpPr>
+                <a:spLocks noChangeArrowheads="1"/>
+              </p:cNvSpPr>
+              <p:nvPr/>
+            </p:nvSpPr>
+            <p:spPr bwMode="auto">
+              <a:xfrm>
+                <a:off x="4468" y="1525"/>
+                <a:ext cx="181" cy="181"/>
+              </a:xfrm>
+              <a:prstGeom prst="rect">
+                <a:avLst/>
+              </a:prstGeom>
+              <a:solidFill>
+                <a:srgbClr val="81C6CB"/>
+              </a:solidFill>
+              <a:ln w="9525">
+                <a:solidFill>
+                  <a:srgbClr val="000000"/>
+                </a:solidFill>
+                <a:miter lim="800000"/>
+                <a:headEnd/>
+                <a:tailEnd/>
+              </a:ln>
+            </p:spPr>
+            <p:txBody>
+              <a:bodyPr vert="horz" wrap="square" lIns="91440" tIns="45720" rIns="91440" bIns="45720" numCol="1" anchor="ctr" anchorCtr="0" compatLnSpc="1">
+                <a:prstTxWarp prst="textNoShape">
+                  <a:avLst/>
+                </a:prstTxWarp>
+              </a:bodyPr>
+              <a:lstStyle/>
+              <a:p>
+                <a:endParaRPr lang="ca-ES"/>
+              </a:p>
+            </p:txBody>
+          </p:sp>
+          <p:sp>
+            <p:nvSpPr>
+              <p:cNvPr id="1107" name="Rectangle 83"/>
+              <p:cNvSpPr>
+                <a:spLocks noChangeArrowheads="1"/>
+              </p:cNvSpPr>
+              <p:nvPr/>
+            </p:nvSpPr>
+            <p:spPr bwMode="auto">
+              <a:xfrm>
+                <a:off x="4741" y="1525"/>
+                <a:ext cx="181" cy="181"/>
+              </a:xfrm>
+              <a:prstGeom prst="rect">
+                <a:avLst/>
+              </a:prstGeom>
+              <a:solidFill>
+                <a:srgbClr val="81C6CB"/>
+              </a:solidFill>
+              <a:ln w="9525">
+                <a:solidFill>
+                  <a:srgbClr val="000000"/>
+                </a:solidFill>
+                <a:miter lim="800000"/>
+                <a:headEnd/>
+                <a:tailEnd/>
+              </a:ln>
+            </p:spPr>
+            <p:txBody>
+              <a:bodyPr vert="horz" wrap="square" lIns="91440" tIns="45720" rIns="91440" bIns="45720" numCol="1" anchor="ctr" anchorCtr="0" compatLnSpc="1">
+                <a:prstTxWarp prst="textNoShape">
+                  <a:avLst/>
+                </a:prstTxWarp>
+              </a:bodyPr>
+              <a:lstStyle/>
+              <a:p>
+                <a:endParaRPr lang="ca-ES"/>
+              </a:p>
+            </p:txBody>
+          </p:sp>
+          <p:sp>
+            <p:nvSpPr>
+              <p:cNvPr id="1108" name="Rectangle 84"/>
+              <p:cNvSpPr>
+                <a:spLocks noChangeArrowheads="1"/>
+              </p:cNvSpPr>
+              <p:nvPr/>
+            </p:nvSpPr>
+            <p:spPr bwMode="auto">
+              <a:xfrm>
+                <a:off x="5013" y="1525"/>
+                <a:ext cx="181" cy="181"/>
+              </a:xfrm>
+              <a:prstGeom prst="rect">
+                <a:avLst/>
+              </a:prstGeom>
+              <a:solidFill>
+                <a:srgbClr val="81C6CB"/>
+              </a:solidFill>
+              <a:ln w="9525">
+                <a:solidFill>
+                  <a:srgbClr val="000000"/>
+                </a:solidFill>
+                <a:miter lim="800000"/>
+                <a:headEnd/>
+                <a:tailEnd/>
+              </a:ln>
+            </p:spPr>
+            <p:txBody>
+              <a:bodyPr vert="horz" wrap="square" lIns="91440" tIns="45720" rIns="91440" bIns="45720" numCol="1" anchor="ctr" anchorCtr="0" compatLnSpc="1">
+                <a:prstTxWarp prst="textNoShape">
+                  <a:avLst/>
+                </a:prstTxWarp>
+              </a:bodyPr>
+              <a:lstStyle/>
+              <a:p>
+                <a:endParaRPr lang="ca-ES"/>
+              </a:p>
+            </p:txBody>
+          </p:sp>
+          <p:sp>
+            <p:nvSpPr>
+              <p:cNvPr id="1109" name="Rectangle 85"/>
+              <p:cNvSpPr>
+                <a:spLocks noChangeArrowheads="1"/>
+              </p:cNvSpPr>
+              <p:nvPr/>
+            </p:nvSpPr>
+            <p:spPr bwMode="auto">
+              <a:xfrm>
+                <a:off x="5284" y="2342"/>
+                <a:ext cx="181" cy="181"/>
+              </a:xfrm>
+              <a:prstGeom prst="rect">
+                <a:avLst/>
+              </a:prstGeom>
+              <a:solidFill>
+                <a:srgbClr val="81C6CB"/>
+              </a:solidFill>
+              <a:ln w="9525">
+                <a:solidFill>
+                  <a:srgbClr val="000000"/>
+                </a:solidFill>
+                <a:miter lim="800000"/>
+                <a:headEnd/>
+                <a:tailEnd/>
+              </a:ln>
+            </p:spPr>
+            <p:txBody>
+              <a:bodyPr vert="horz" wrap="square" lIns="91440" tIns="45720" rIns="91440" bIns="45720" numCol="1" anchor="ctr" anchorCtr="0" compatLnSpc="1">
+                <a:prstTxWarp prst="textNoShape">
+                  <a:avLst/>
+                </a:prstTxWarp>
+              </a:bodyPr>
+              <a:lstStyle/>
+              <a:p>
+                <a:endParaRPr lang="ca-ES"/>
+              </a:p>
+            </p:txBody>
+          </p:sp>
+          <p:sp>
+            <p:nvSpPr>
+              <p:cNvPr id="1110" name="Rectangle 86"/>
+              <p:cNvSpPr>
+                <a:spLocks noChangeArrowheads="1"/>
+              </p:cNvSpPr>
+              <p:nvPr/>
+            </p:nvSpPr>
+            <p:spPr bwMode="auto">
+              <a:xfrm>
+                <a:off x="5284" y="2070"/>
+                <a:ext cx="181" cy="181"/>
+              </a:xfrm>
+              <a:prstGeom prst="rect">
+                <a:avLst/>
+              </a:prstGeom>
+              <a:solidFill>
+                <a:srgbClr val="81C6CB"/>
+              </a:solidFill>
+              <a:ln w="9525">
+                <a:solidFill>
+                  <a:srgbClr val="000000"/>
+                </a:solidFill>
+                <a:miter lim="800000"/>
+                <a:headEnd/>
+                <a:tailEnd/>
+              </a:ln>
+            </p:spPr>
+            <p:txBody>
+              <a:bodyPr vert="horz" wrap="square" lIns="91440" tIns="45720" rIns="91440" bIns="45720" numCol="1" anchor="ctr" anchorCtr="0" compatLnSpc="1">
+                <a:prstTxWarp prst="textNoShape">
+                  <a:avLst/>
+                </a:prstTxWarp>
+              </a:bodyPr>
+              <a:lstStyle/>
+              <a:p>
+                <a:endParaRPr lang="ca-ES"/>
+              </a:p>
+            </p:txBody>
+          </p:sp>
+          <p:sp>
+            <p:nvSpPr>
+              <p:cNvPr id="1111" name="Rectangle 87"/>
+              <p:cNvSpPr>
+                <a:spLocks noChangeArrowheads="1"/>
+              </p:cNvSpPr>
+              <p:nvPr/>
+            </p:nvSpPr>
+            <p:spPr bwMode="auto">
+              <a:xfrm>
+                <a:off x="5284" y="1797"/>
+                <a:ext cx="181" cy="181"/>
+              </a:xfrm>
+              <a:prstGeom prst="rect">
+                <a:avLst/>
+              </a:prstGeom>
+              <a:solidFill>
+                <a:srgbClr val="81C6CB"/>
+              </a:solidFill>
+              <a:ln w="9525">
+                <a:solidFill>
+                  <a:srgbClr val="000000"/>
+                </a:solidFill>
+                <a:miter lim="800000"/>
+                <a:headEnd/>
+                <a:tailEnd/>
+              </a:ln>
+            </p:spPr>
+            <p:txBody>
+              <a:bodyPr vert="horz" wrap="square" lIns="91440" tIns="45720" rIns="91440" bIns="45720" numCol="1" anchor="ctr" anchorCtr="0" compatLnSpc="1">
+                <a:prstTxWarp prst="textNoShape">
+                  <a:avLst/>
+                </a:prstTxWarp>
+              </a:bodyPr>
+              <a:lstStyle/>
+              <a:p>
+                <a:endParaRPr lang="ca-ES"/>
+              </a:p>
+            </p:txBody>
+          </p:sp>
+          <p:sp>
+            <p:nvSpPr>
+              <p:cNvPr id="1112" name="Rectangle 88"/>
+              <p:cNvSpPr>
+                <a:spLocks noChangeArrowheads="1"/>
+              </p:cNvSpPr>
+              <p:nvPr/>
+            </p:nvSpPr>
+            <p:spPr bwMode="auto">
+              <a:xfrm>
+                <a:off x="5284" y="1525"/>
+                <a:ext cx="181" cy="181"/>
+              </a:xfrm>
+              <a:prstGeom prst="rect">
+                <a:avLst/>
+              </a:prstGeom>
+              <a:solidFill>
+                <a:srgbClr val="81C6CB"/>
+              </a:solidFill>
+              <a:ln w="9525">
+                <a:solidFill>
+                  <a:srgbClr val="000000"/>
+                </a:solidFill>
+                <a:miter lim="800000"/>
+                <a:headEnd/>
+                <a:tailEnd/>
+              </a:ln>
+            </p:spPr>
+            <p:txBody>
+              <a:bodyPr vert="horz" wrap="square" lIns="91440" tIns="45720" rIns="91440" bIns="45720" numCol="1" anchor="ctr" anchorCtr="0" compatLnSpc="1">
+                <a:prstTxWarp prst="textNoShape">
+                  <a:avLst/>
+                </a:prstTxWarp>
+              </a:bodyPr>
+              <a:lstStyle/>
+              <a:p>
+                <a:endParaRPr lang="ca-ES"/>
+              </a:p>
+            </p:txBody>
+          </p:sp>
+          <p:sp>
+            <p:nvSpPr>
+              <p:cNvPr id="1113" name="Rectangle 89"/>
+              <p:cNvSpPr>
+                <a:spLocks noChangeArrowheads="1"/>
+              </p:cNvSpPr>
+              <p:nvPr/>
+            </p:nvSpPr>
+            <p:spPr bwMode="auto">
+              <a:xfrm>
+                <a:off x="4195" y="2614"/>
+                <a:ext cx="181" cy="181"/>
+              </a:xfrm>
+              <a:prstGeom prst="rect">
+                <a:avLst/>
+              </a:prstGeom>
+              <a:solidFill>
+                <a:srgbClr val="81C6CB"/>
+              </a:solidFill>
+              <a:ln w="9525">
+                <a:solidFill>
+                  <a:srgbClr val="000000"/>
+                </a:solidFill>
+                <a:miter lim="800000"/>
+                <a:headEnd/>
+                <a:tailEnd/>
+              </a:ln>
+            </p:spPr>
+            <p:txBody>
+              <a:bodyPr vert="horz" wrap="square" lIns="91440" tIns="45720" rIns="91440" bIns="45720" numCol="1" anchor="ctr" anchorCtr="0" compatLnSpc="1">
+                <a:prstTxWarp prst="textNoShape">
+                  <a:avLst/>
+                </a:prstTxWarp>
+              </a:bodyPr>
+              <a:lstStyle/>
+              <a:p>
+                <a:endParaRPr lang="ca-ES"/>
+              </a:p>
+            </p:txBody>
+          </p:sp>
+          <p:sp>
+            <p:nvSpPr>
+              <p:cNvPr id="1114" name="Rectangle 90"/>
+              <p:cNvSpPr>
+                <a:spLocks noChangeArrowheads="1"/>
+              </p:cNvSpPr>
+              <p:nvPr/>
+            </p:nvSpPr>
+            <p:spPr bwMode="auto">
+              <a:xfrm>
+                <a:off x="4467" y="2614"/>
+                <a:ext cx="181" cy="181"/>
+              </a:xfrm>
+              <a:prstGeom prst="rect">
+                <a:avLst/>
+              </a:prstGeom>
+              <a:solidFill>
+                <a:srgbClr val="81C6CB"/>
+              </a:solidFill>
+              <a:ln w="9525">
+                <a:solidFill>
+                  <a:srgbClr val="000000"/>
+                </a:solidFill>
+                <a:miter lim="800000"/>
+                <a:headEnd/>
+                <a:tailEnd/>
+              </a:ln>
+            </p:spPr>
+            <p:txBody>
+              <a:bodyPr vert="horz" wrap="square" lIns="91440" tIns="45720" rIns="91440" bIns="45720" numCol="1" anchor="ctr" anchorCtr="0" compatLnSpc="1">
+                <a:prstTxWarp prst="textNoShape">
+                  <a:avLst/>
+                </a:prstTxWarp>
+              </a:bodyPr>
+              <a:lstStyle/>
+              <a:p>
+                <a:endParaRPr lang="ca-ES"/>
+              </a:p>
+            </p:txBody>
+          </p:sp>
+          <p:sp>
+            <p:nvSpPr>
+              <p:cNvPr id="1115" name="Rectangle 91"/>
+              <p:cNvSpPr>
+                <a:spLocks noChangeArrowheads="1"/>
+              </p:cNvSpPr>
+              <p:nvPr/>
+            </p:nvSpPr>
+            <p:spPr bwMode="auto">
+              <a:xfrm>
+                <a:off x="4740" y="2614"/>
+                <a:ext cx="181" cy="181"/>
+              </a:xfrm>
+              <a:prstGeom prst="rect">
+                <a:avLst/>
+              </a:prstGeom>
+              <a:solidFill>
+                <a:srgbClr val="81C6CB"/>
+              </a:solidFill>
+              <a:ln w="9525">
+                <a:solidFill>
+                  <a:srgbClr val="000000"/>
+                </a:solidFill>
+                <a:miter lim="800000"/>
+                <a:headEnd/>
+                <a:tailEnd/>
+              </a:ln>
+            </p:spPr>
+            <p:txBody>
+              <a:bodyPr vert="horz" wrap="square" lIns="91440" tIns="45720" rIns="91440" bIns="45720" numCol="1" anchor="ctr" anchorCtr="0" compatLnSpc="1">
+                <a:prstTxWarp prst="textNoShape">
+                  <a:avLst/>
+                </a:prstTxWarp>
+              </a:bodyPr>
+              <a:lstStyle/>
+              <a:p>
+                <a:endParaRPr lang="ca-ES"/>
+              </a:p>
+            </p:txBody>
+          </p:sp>
+          <p:sp>
+            <p:nvSpPr>
+              <p:cNvPr id="1116" name="Rectangle 92"/>
+              <p:cNvSpPr>
+                <a:spLocks noChangeArrowheads="1"/>
+              </p:cNvSpPr>
+              <p:nvPr/>
+            </p:nvSpPr>
+            <p:spPr bwMode="auto">
+              <a:xfrm>
+                <a:off x="5012" y="2614"/>
+                <a:ext cx="181" cy="181"/>
+              </a:xfrm>
+              <a:prstGeom prst="rect">
+                <a:avLst/>
+              </a:prstGeom>
+              <a:solidFill>
+                <a:srgbClr val="81C6CB"/>
+              </a:solidFill>
+              <a:ln w="9525">
+                <a:solidFill>
+                  <a:srgbClr val="000000"/>
+                </a:solidFill>
+                <a:miter lim="800000"/>
+                <a:headEnd/>
+                <a:tailEnd/>
+              </a:ln>
+            </p:spPr>
+            <p:txBody>
+              <a:bodyPr vert="horz" wrap="square" lIns="91440" tIns="45720" rIns="91440" bIns="45720" numCol="1" anchor="ctr" anchorCtr="0" compatLnSpc="1">
+                <a:prstTxWarp prst="textNoShape">
+                  <a:avLst/>
+                </a:prstTxWarp>
+              </a:bodyPr>
+              <a:lstStyle/>
+              <a:p>
+                <a:endParaRPr lang="ca-ES"/>
+              </a:p>
+            </p:txBody>
+          </p:sp>
+          <p:sp>
+            <p:nvSpPr>
+              <p:cNvPr id="1117" name="Rectangle 93"/>
+              <p:cNvSpPr>
+                <a:spLocks noChangeArrowheads="1"/>
+              </p:cNvSpPr>
+              <p:nvPr/>
+            </p:nvSpPr>
+            <p:spPr bwMode="auto">
+              <a:xfrm>
+                <a:off x="5283" y="2614"/>
+                <a:ext cx="181" cy="181"/>
+              </a:xfrm>
+              <a:prstGeom prst="rect">
+                <a:avLst/>
+              </a:prstGeom>
+              <a:solidFill>
+                <a:srgbClr val="81C6CB"/>
+              </a:solidFill>
+              <a:ln w="9525">
+                <a:solidFill>
+                  <a:srgbClr val="000000"/>
+                </a:solidFill>
+                <a:miter lim="800000"/>
+                <a:headEnd/>
+                <a:tailEnd/>
+              </a:ln>
+            </p:spPr>
+            <p:txBody>
+              <a:bodyPr vert="horz" wrap="square" lIns="91440" tIns="45720" rIns="91440" bIns="45720" numCol="1" anchor="ctr" anchorCtr="0" compatLnSpc="1">
+                <a:prstTxWarp prst="textNoShape">
+                  <a:avLst/>
+                </a:prstTxWarp>
+              </a:bodyPr>
+              <a:lstStyle/>
+              <a:p>
+                <a:endParaRPr lang="ca-ES"/>
+              </a:p>
+            </p:txBody>
+          </p:sp>
+        </p:grpSp>
+        <p:sp>
+          <p:nvSpPr>
+            <p:cNvPr id="1118" name="Line 94"/>
+            <p:cNvSpPr>
+              <a:spLocks noChangeShapeType="1"/>
+            </p:cNvSpPr>
+            <p:nvPr/>
+          </p:nvSpPr>
+          <p:spPr bwMode="auto">
+            <a:xfrm flipH="1" flipV="1">
+              <a:off x="3861" y="1084"/>
+              <a:ext cx="2043" cy="5555"/>
+            </a:xfrm>
+            <a:prstGeom prst="line">
+              <a:avLst/>
+            </a:prstGeom>
+            <a:noFill/>
+            <a:ln w="9525">
+              <a:solidFill>
+                <a:srgbClr val="000000"/>
+              </a:solidFill>
+              <a:round/>
+              <a:headEnd/>
+              <a:tailEnd/>
+            </a:ln>
+          </p:spPr>
+          <p:txBody>
+            <a:bodyPr vert="horz" wrap="square" lIns="91440" tIns="45720" rIns="91440" bIns="45720" numCol="1" anchor="t" anchorCtr="0" compatLnSpc="1">
+              <a:prstTxWarp prst="textNoShape">
+                <a:avLst/>
+              </a:prstTxWarp>
+            </a:bodyPr>
+            <a:lstStyle/>
+            <a:p>
+              <a:endParaRPr lang="ca-ES"/>
+            </a:p>
+          </p:txBody>
+        </p:sp>
+        <p:sp>
+          <p:nvSpPr>
+            <p:cNvPr id="1119" name="Line 95"/>
+            <p:cNvSpPr>
+              <a:spLocks noChangeShapeType="1"/>
+            </p:cNvSpPr>
+            <p:nvPr/>
+          </p:nvSpPr>
+          <p:spPr bwMode="auto">
+            <a:xfrm flipH="1" flipV="1">
+              <a:off x="3861" y="1084"/>
+              <a:ext cx="5558" cy="2040"/>
+            </a:xfrm>
+            <a:prstGeom prst="line">
+              <a:avLst/>
+            </a:prstGeom>
+            <a:noFill/>
+            <a:ln w="9525">
+              <a:solidFill>
+                <a:srgbClr val="000000"/>
+              </a:solidFill>
+              <a:round/>
+              <a:headEnd/>
+              <a:tailEnd/>
+            </a:ln>
+          </p:spPr>
+          <p:txBody>
+            <a:bodyPr vert="horz" wrap="square" lIns="91440" tIns="45720" rIns="91440" bIns="45720" numCol="1" anchor="t" anchorCtr="0" compatLnSpc="1">
+              <a:prstTxWarp prst="textNoShape">
+                <a:avLst/>
+              </a:prstTxWarp>
+            </a:bodyPr>
+            <a:lstStyle/>
+            <a:p>
+              <a:endParaRPr lang="ca-ES"/>
+            </a:p>
+          </p:txBody>
+        </p:sp>
+        <p:grpSp>
+          <p:nvGrpSpPr>
+            <p:cNvPr id="1120" name="Group 96"/>
+            <p:cNvGrpSpPr>
+              <a:grpSpLocks/>
+            </p:cNvGrpSpPr>
+            <p:nvPr/>
+          </p:nvGrpSpPr>
+          <p:grpSpPr bwMode="auto">
+            <a:xfrm>
+              <a:off x="5449" y="2672"/>
+              <a:ext cx="2720" cy="2720"/>
+              <a:chOff x="3107" y="2115"/>
+              <a:chExt cx="1088" cy="1088"/>
+            </a:xfrm>
+          </p:grpSpPr>
+          <p:sp>
+            <p:nvSpPr>
+              <p:cNvPr id="1121" name="Rectangle 97"/>
+              <p:cNvSpPr>
+                <a:spLocks noChangeArrowheads="1"/>
+              </p:cNvSpPr>
+              <p:nvPr/>
+            </p:nvSpPr>
+            <p:spPr bwMode="auto">
+              <a:xfrm>
+                <a:off x="3107" y="2524"/>
+                <a:ext cx="272" cy="272"/>
+              </a:xfrm>
+              <a:prstGeom prst="rect">
+                <a:avLst/>
+              </a:prstGeom>
+              <a:solidFill>
+                <a:srgbClr val="46A3AA"/>
+              </a:solidFill>
+              <a:ln w="9525">
+                <a:solidFill>
+                  <a:srgbClr val="000000"/>
+                </a:solidFill>
+                <a:miter lim="800000"/>
+                <a:headEnd/>
+                <a:tailEnd/>
+              </a:ln>
+            </p:spPr>
+            <p:txBody>
+              <a:bodyPr vert="horz" wrap="square" lIns="91440" tIns="45720" rIns="91440" bIns="45720" numCol="1" anchor="ctr" anchorCtr="0" compatLnSpc="1">
+                <a:prstTxWarp prst="textNoShape">
+                  <a:avLst/>
+                </a:prstTxWarp>
+              </a:bodyPr>
+              <a:lstStyle/>
+              <a:p>
+                <a:endParaRPr lang="ca-ES"/>
+              </a:p>
+            </p:txBody>
+          </p:sp>
+          <p:sp>
+            <p:nvSpPr>
+              <p:cNvPr id="1122" name="Rectangle 98"/>
+              <p:cNvSpPr>
+                <a:spLocks noChangeArrowheads="1"/>
+              </p:cNvSpPr>
+              <p:nvPr/>
+            </p:nvSpPr>
+            <p:spPr bwMode="auto">
+              <a:xfrm>
+                <a:off x="3515" y="2524"/>
+                <a:ext cx="272" cy="272"/>
+              </a:xfrm>
+              <a:prstGeom prst="rect">
+                <a:avLst/>
+              </a:prstGeom>
+              <a:solidFill>
+                <a:srgbClr val="46A3AA"/>
+              </a:solidFill>
+              <a:ln w="9525">
+                <a:solidFill>
+                  <a:srgbClr val="000000"/>
+                </a:solidFill>
+                <a:miter lim="800000"/>
+                <a:headEnd/>
+                <a:tailEnd/>
+              </a:ln>
+            </p:spPr>
+            <p:txBody>
+              <a:bodyPr vert="horz" wrap="square" lIns="91440" tIns="45720" rIns="91440" bIns="45720" numCol="1" anchor="ctr" anchorCtr="0" compatLnSpc="1">
+                <a:prstTxWarp prst="textNoShape">
+                  <a:avLst/>
+                </a:prstTxWarp>
+              </a:bodyPr>
+              <a:lstStyle/>
+              <a:p>
+                <a:endParaRPr lang="ca-ES"/>
+              </a:p>
+            </p:txBody>
+          </p:sp>
+          <p:sp>
+            <p:nvSpPr>
+              <p:cNvPr id="1123" name="Rectangle 99"/>
+              <p:cNvSpPr>
+                <a:spLocks noChangeArrowheads="1"/>
+              </p:cNvSpPr>
+              <p:nvPr/>
+            </p:nvSpPr>
+            <p:spPr bwMode="auto">
+              <a:xfrm>
+                <a:off x="3107" y="2115"/>
+                <a:ext cx="272" cy="272"/>
+              </a:xfrm>
+              <a:prstGeom prst="rect">
+                <a:avLst/>
+              </a:prstGeom>
+              <a:solidFill>
+                <a:srgbClr val="46A3AA"/>
+              </a:solidFill>
+              <a:ln w="9525">
+                <a:solidFill>
+                  <a:srgbClr val="000000"/>
+                </a:solidFill>
+                <a:miter lim="800000"/>
+                <a:headEnd/>
+                <a:tailEnd/>
+              </a:ln>
+            </p:spPr>
+            <p:txBody>
+              <a:bodyPr vert="horz" wrap="square" lIns="91440" tIns="45720" rIns="91440" bIns="45720" numCol="1" anchor="ctr" anchorCtr="0" compatLnSpc="1">
+                <a:prstTxWarp prst="textNoShape">
+                  <a:avLst/>
+                </a:prstTxWarp>
+              </a:bodyPr>
+              <a:lstStyle/>
+              <a:p>
+                <a:endParaRPr lang="ca-ES"/>
+              </a:p>
+            </p:txBody>
+          </p:sp>
+          <p:sp>
+            <p:nvSpPr>
+              <p:cNvPr id="1124" name="Rectangle 100"/>
+              <p:cNvSpPr>
+                <a:spLocks noChangeArrowheads="1"/>
+              </p:cNvSpPr>
+              <p:nvPr/>
+            </p:nvSpPr>
+            <p:spPr bwMode="auto">
+              <a:xfrm>
+                <a:off x="3515" y="2115"/>
+                <a:ext cx="272" cy="272"/>
+              </a:xfrm>
+              <a:prstGeom prst="rect">
+                <a:avLst/>
+              </a:prstGeom>
+              <a:solidFill>
+                <a:srgbClr val="46A3AA"/>
+              </a:solidFill>
+              <a:ln w="9525">
+                <a:solidFill>
+                  <a:srgbClr val="000000"/>
+                </a:solidFill>
+                <a:miter lim="800000"/>
+                <a:headEnd/>
+                <a:tailEnd/>
+              </a:ln>
+            </p:spPr>
+            <p:txBody>
+              <a:bodyPr vert="horz" wrap="square" lIns="91440" tIns="45720" rIns="91440" bIns="45720" numCol="1" anchor="ctr" anchorCtr="0" compatLnSpc="1">
+                <a:prstTxWarp prst="textNoShape">
+                  <a:avLst/>
+                </a:prstTxWarp>
+              </a:bodyPr>
+              <a:lstStyle/>
+              <a:p>
+                <a:endParaRPr lang="ca-ES"/>
+              </a:p>
+            </p:txBody>
+          </p:sp>
+          <p:sp>
+            <p:nvSpPr>
+              <p:cNvPr id="1125" name="Rectangle 101"/>
+              <p:cNvSpPr>
+                <a:spLocks noChangeArrowheads="1"/>
+              </p:cNvSpPr>
+              <p:nvPr/>
+            </p:nvSpPr>
+            <p:spPr bwMode="auto">
+              <a:xfrm>
+                <a:off x="3923" y="2524"/>
+                <a:ext cx="272" cy="272"/>
+              </a:xfrm>
+              <a:prstGeom prst="rect">
+                <a:avLst/>
+              </a:prstGeom>
+              <a:solidFill>
+                <a:srgbClr val="46A3AA"/>
+              </a:solidFill>
+              <a:ln w="9525">
+                <a:solidFill>
+                  <a:srgbClr val="000000"/>
+                </a:solidFill>
+                <a:miter lim="800000"/>
+                <a:headEnd/>
+                <a:tailEnd/>
+              </a:ln>
+            </p:spPr>
+            <p:txBody>
+              <a:bodyPr vert="horz" wrap="square" lIns="91440" tIns="45720" rIns="91440" bIns="45720" numCol="1" anchor="ctr" anchorCtr="0" compatLnSpc="1">
+                <a:prstTxWarp prst="textNoShape">
+                  <a:avLst/>
+                </a:prstTxWarp>
+              </a:bodyPr>
+              <a:lstStyle/>
+              <a:p>
+                <a:endParaRPr lang="ca-ES"/>
+              </a:p>
+            </p:txBody>
+          </p:sp>
+          <p:sp>
+            <p:nvSpPr>
+              <p:cNvPr id="1126" name="Rectangle 102"/>
+              <p:cNvSpPr>
+                <a:spLocks noChangeArrowheads="1"/>
+              </p:cNvSpPr>
+              <p:nvPr/>
+            </p:nvSpPr>
+            <p:spPr bwMode="auto">
+              <a:xfrm>
+                <a:off x="3923" y="2115"/>
+                <a:ext cx="272" cy="272"/>
+              </a:xfrm>
+              <a:prstGeom prst="rect">
+                <a:avLst/>
+              </a:prstGeom>
+              <a:solidFill>
+                <a:srgbClr val="46A3AA"/>
+              </a:solidFill>
+              <a:ln w="9525">
+                <a:solidFill>
+                  <a:srgbClr val="000000"/>
+                </a:solidFill>
+                <a:miter lim="800000"/>
+                <a:headEnd/>
+                <a:tailEnd/>
+              </a:ln>
+            </p:spPr>
+            <p:txBody>
+              <a:bodyPr vert="horz" wrap="square" lIns="91440" tIns="45720" rIns="91440" bIns="45720" numCol="1" anchor="ctr" anchorCtr="0" compatLnSpc="1">
+                <a:prstTxWarp prst="textNoShape">
+                  <a:avLst/>
+                </a:prstTxWarp>
+              </a:bodyPr>
+              <a:lstStyle/>
+              <a:p>
+                <a:endParaRPr lang="ca-ES"/>
+              </a:p>
+            </p:txBody>
+          </p:sp>
+          <p:sp>
+            <p:nvSpPr>
+              <p:cNvPr id="1127" name="Rectangle 103"/>
+              <p:cNvSpPr>
+                <a:spLocks noChangeArrowheads="1"/>
+              </p:cNvSpPr>
+              <p:nvPr/>
+            </p:nvSpPr>
+            <p:spPr bwMode="auto">
+              <a:xfrm>
+                <a:off x="3107" y="2931"/>
+                <a:ext cx="272" cy="272"/>
+              </a:xfrm>
+              <a:prstGeom prst="rect">
+                <a:avLst/>
+              </a:prstGeom>
+              <a:solidFill>
+                <a:srgbClr val="46A3AA"/>
+              </a:solidFill>
+              <a:ln w="9525">
+                <a:solidFill>
+                  <a:srgbClr val="000000"/>
+                </a:solidFill>
+                <a:miter lim="800000"/>
+                <a:headEnd/>
+                <a:tailEnd/>
+              </a:ln>
+            </p:spPr>
+            <p:txBody>
+              <a:bodyPr vert="horz" wrap="square" lIns="91440" tIns="45720" rIns="91440" bIns="45720" numCol="1" anchor="ctr" anchorCtr="0" compatLnSpc="1">
+                <a:prstTxWarp prst="textNoShape">
+                  <a:avLst/>
+                </a:prstTxWarp>
+              </a:bodyPr>
+              <a:lstStyle/>
+              <a:p>
+                <a:endParaRPr lang="ca-ES"/>
+              </a:p>
+            </p:txBody>
+          </p:sp>
+          <p:sp>
+            <p:nvSpPr>
+              <p:cNvPr id="1128" name="Rectangle 104"/>
+              <p:cNvSpPr>
+                <a:spLocks noChangeArrowheads="1"/>
+              </p:cNvSpPr>
+              <p:nvPr/>
+            </p:nvSpPr>
+            <p:spPr bwMode="auto">
+              <a:xfrm>
+                <a:off x="3515" y="2931"/>
+                <a:ext cx="272" cy="272"/>
+              </a:xfrm>
+              <a:prstGeom prst="rect">
+                <a:avLst/>
+              </a:prstGeom>
+              <a:solidFill>
+                <a:srgbClr val="46A3AA"/>
+              </a:solidFill>
+              <a:ln w="9525">
+                <a:solidFill>
+                  <a:srgbClr val="000000"/>
+                </a:solidFill>
+                <a:miter lim="800000"/>
+                <a:headEnd/>
+                <a:tailEnd/>
+              </a:ln>
+            </p:spPr>
+            <p:txBody>
+              <a:bodyPr vert="horz" wrap="square" lIns="91440" tIns="45720" rIns="91440" bIns="45720" numCol="1" anchor="ctr" anchorCtr="0" compatLnSpc="1">
+                <a:prstTxWarp prst="textNoShape">
+                  <a:avLst/>
+                </a:prstTxWarp>
+              </a:bodyPr>
+              <a:lstStyle/>
+              <a:p>
+                <a:endParaRPr lang="ca-ES"/>
+              </a:p>
+            </p:txBody>
+          </p:sp>
+          <p:sp>
+            <p:nvSpPr>
+              <p:cNvPr id="1129" name="Rectangle 105"/>
+              <p:cNvSpPr>
+                <a:spLocks noChangeArrowheads="1"/>
+              </p:cNvSpPr>
+              <p:nvPr/>
+            </p:nvSpPr>
+            <p:spPr bwMode="auto">
+              <a:xfrm>
+                <a:off x="3923" y="2931"/>
+                <a:ext cx="272" cy="272"/>
+              </a:xfrm>
+              <a:prstGeom prst="rect">
+                <a:avLst/>
+              </a:prstGeom>
+              <a:solidFill>
+                <a:srgbClr val="46A3AA"/>
+              </a:solidFill>
+              <a:ln w="9525">
+                <a:solidFill>
+                  <a:srgbClr val="000000"/>
+                </a:solidFill>
+                <a:miter lim="800000"/>
+                <a:headEnd/>
+                <a:tailEnd/>
+              </a:ln>
+            </p:spPr>
+            <p:txBody>
+              <a:bodyPr vert="horz" wrap="square" lIns="91440" tIns="45720" rIns="91440" bIns="45720" numCol="1" anchor="ctr" anchorCtr="0" compatLnSpc="1">
+                <a:prstTxWarp prst="textNoShape">
+                  <a:avLst/>
+                </a:prstTxWarp>
+              </a:bodyPr>
+              <a:lstStyle/>
+              <a:p>
+                <a:endParaRPr lang="ca-ES"/>
+              </a:p>
+            </p:txBody>
+          </p:sp>
+        </p:grpSp>
+        <p:grpSp>
+          <p:nvGrpSpPr>
+            <p:cNvPr id="1130" name="Group 106"/>
+            <p:cNvGrpSpPr>
+              <a:grpSpLocks/>
+            </p:cNvGrpSpPr>
+            <p:nvPr/>
+          </p:nvGrpSpPr>
+          <p:grpSpPr bwMode="auto">
+            <a:xfrm>
+              <a:off x="5109" y="2330"/>
+              <a:ext cx="2155" cy="2155"/>
+              <a:chOff x="4014" y="1343"/>
+              <a:chExt cx="862" cy="862"/>
+            </a:xfrm>
+          </p:grpSpPr>
+          <p:sp>
+            <p:nvSpPr>
+              <p:cNvPr id="1131" name="Rectangle 107"/>
+              <p:cNvSpPr>
+                <a:spLocks noChangeArrowheads="1"/>
+              </p:cNvSpPr>
+              <p:nvPr/>
+            </p:nvSpPr>
+            <p:spPr bwMode="auto">
+              <a:xfrm>
+                <a:off x="4014" y="1343"/>
+                <a:ext cx="363" cy="363"/>
+              </a:xfrm>
+              <a:prstGeom prst="rect">
+                <a:avLst/>
+              </a:prstGeom>
+              <a:solidFill>
+                <a:srgbClr val="377E83"/>
+              </a:solidFill>
+              <a:ln w="9525">
+                <a:solidFill>
+                  <a:srgbClr val="000000"/>
+                </a:solidFill>
+                <a:miter lim="800000"/>
+                <a:headEnd/>
+                <a:tailEnd/>
+              </a:ln>
+            </p:spPr>
+            <p:txBody>
+              <a:bodyPr vert="horz" wrap="square" lIns="91440" tIns="45720" rIns="91440" bIns="45720" numCol="1" anchor="ctr" anchorCtr="0" compatLnSpc="1">
+                <a:prstTxWarp prst="textNoShape">
+                  <a:avLst/>
+                </a:prstTxWarp>
+              </a:bodyPr>
+              <a:lstStyle/>
+              <a:p>
+                <a:endParaRPr lang="ca-ES"/>
+              </a:p>
+            </p:txBody>
+          </p:sp>
+          <p:sp>
+            <p:nvSpPr>
+              <p:cNvPr id="1132" name="Rectangle 108"/>
+              <p:cNvSpPr>
+                <a:spLocks noChangeArrowheads="1"/>
+              </p:cNvSpPr>
+              <p:nvPr/>
+            </p:nvSpPr>
+            <p:spPr bwMode="auto">
+              <a:xfrm>
+                <a:off x="4513" y="1344"/>
+                <a:ext cx="363" cy="362"/>
+              </a:xfrm>
+              <a:prstGeom prst="rect">
+                <a:avLst/>
+              </a:prstGeom>
+              <a:solidFill>
+                <a:srgbClr val="377E83"/>
+              </a:solidFill>
+              <a:ln w="9525">
+                <a:solidFill>
+                  <a:srgbClr val="000000"/>
+                </a:solidFill>
+                <a:miter lim="800000"/>
+                <a:headEnd/>
+                <a:tailEnd/>
+              </a:ln>
+            </p:spPr>
+            <p:txBody>
+              <a:bodyPr vert="horz" wrap="square" lIns="91440" tIns="45720" rIns="91440" bIns="45720" numCol="1" anchor="ctr" anchorCtr="0" compatLnSpc="1">
+                <a:prstTxWarp prst="textNoShape">
+                  <a:avLst/>
+                </a:prstTxWarp>
+              </a:bodyPr>
+              <a:lstStyle/>
+              <a:p>
+                <a:endParaRPr lang="ca-ES"/>
+              </a:p>
+            </p:txBody>
+          </p:sp>
+          <p:sp>
+            <p:nvSpPr>
+              <p:cNvPr id="1133" name="Rectangle 109"/>
+              <p:cNvSpPr>
+                <a:spLocks noChangeArrowheads="1"/>
+              </p:cNvSpPr>
+              <p:nvPr/>
+            </p:nvSpPr>
+            <p:spPr bwMode="auto">
+              <a:xfrm>
+                <a:off x="4014" y="1842"/>
+                <a:ext cx="363" cy="363"/>
+              </a:xfrm>
+              <a:prstGeom prst="rect">
+                <a:avLst/>
+              </a:prstGeom>
+              <a:solidFill>
+                <a:srgbClr val="377E83"/>
+              </a:solidFill>
+              <a:ln w="9525">
+                <a:solidFill>
+                  <a:srgbClr val="000000"/>
+                </a:solidFill>
+                <a:miter lim="800000"/>
+                <a:headEnd/>
+                <a:tailEnd/>
+              </a:ln>
+            </p:spPr>
+            <p:txBody>
+              <a:bodyPr vert="horz" wrap="square" lIns="91440" tIns="45720" rIns="91440" bIns="45720" numCol="1" anchor="ctr" anchorCtr="0" compatLnSpc="1">
+                <a:prstTxWarp prst="textNoShape">
+                  <a:avLst/>
+                </a:prstTxWarp>
+              </a:bodyPr>
+              <a:lstStyle/>
+              <a:p>
+                <a:endParaRPr lang="ca-ES"/>
+              </a:p>
+            </p:txBody>
+          </p:sp>
+          <p:sp>
+            <p:nvSpPr>
+              <p:cNvPr id="1134" name="Rectangle 110"/>
+              <p:cNvSpPr>
+                <a:spLocks noChangeArrowheads="1"/>
+              </p:cNvSpPr>
+              <p:nvPr/>
+            </p:nvSpPr>
+            <p:spPr bwMode="auto">
+              <a:xfrm>
+                <a:off x="4513" y="1843"/>
+                <a:ext cx="363" cy="362"/>
+              </a:xfrm>
+              <a:prstGeom prst="rect">
+                <a:avLst/>
+              </a:prstGeom>
+              <a:solidFill>
+                <a:srgbClr val="377E83"/>
+              </a:solidFill>
+              <a:ln w="9525">
+                <a:solidFill>
+                  <a:srgbClr val="000000"/>
+                </a:solidFill>
+                <a:miter lim="800000"/>
+                <a:headEnd/>
+                <a:tailEnd/>
+              </a:ln>
+            </p:spPr>
+            <p:txBody>
+              <a:bodyPr vert="horz" wrap="square" lIns="91440" tIns="45720" rIns="91440" bIns="45720" numCol="1" anchor="ctr" anchorCtr="0" compatLnSpc="1">
+                <a:prstTxWarp prst="textNoShape">
+                  <a:avLst/>
+                </a:prstTxWarp>
+              </a:bodyPr>
+              <a:lstStyle/>
+              <a:p>
+                <a:endParaRPr lang="ca-ES"/>
+              </a:p>
+            </p:txBody>
+          </p:sp>
+        </p:grpSp>
+        <p:sp>
+          <p:nvSpPr>
+            <p:cNvPr id="1135" name="Rectangle 111"/>
+            <p:cNvSpPr>
+              <a:spLocks noChangeArrowheads="1"/>
+            </p:cNvSpPr>
+            <p:nvPr/>
+          </p:nvSpPr>
+          <p:spPr bwMode="auto">
+            <a:xfrm>
+              <a:off x="4656" y="1877"/>
+              <a:ext cx="1248" cy="1247"/>
+            </a:xfrm>
+            <a:prstGeom prst="rect">
+              <a:avLst/>
+            </a:prstGeom>
+            <a:solidFill>
+              <a:srgbClr val="2C6468"/>
+            </a:solidFill>
+            <a:ln w="9525">
+              <a:solidFill>
+                <a:srgbClr val="000000"/>
+              </a:solidFill>
+              <a:miter lim="800000"/>
+              <a:headEnd/>
+              <a:tailEnd/>
+            </a:ln>
+          </p:spPr>
+          <p:txBody>
+            <a:bodyPr vert="horz" wrap="square" lIns="91440" tIns="45720" rIns="91440" bIns="45720" numCol="1" anchor="ctr" anchorCtr="0" compatLnSpc="1">
+              <a:prstTxWarp prst="textNoShape">
+                <a:avLst/>
+              </a:prstTxWarp>
+            </a:bodyPr>
+            <a:lstStyle/>
+            <a:p>
+              <a:endParaRPr lang="ca-ES"/>
+            </a:p>
+          </p:txBody>
+        </p:sp>
+        <p:sp>
+          <p:nvSpPr>
+            <p:cNvPr id="1136" name="Line 112"/>
+            <p:cNvSpPr>
+              <a:spLocks noChangeShapeType="1"/>
+            </p:cNvSpPr>
+            <p:nvPr/>
+          </p:nvSpPr>
+          <p:spPr bwMode="auto">
+            <a:xfrm flipH="1" flipV="1">
+              <a:off x="3861" y="1084"/>
+              <a:ext cx="5558" cy="5555"/>
+            </a:xfrm>
+            <a:prstGeom prst="line">
+              <a:avLst/>
+            </a:prstGeom>
+            <a:noFill/>
+            <a:ln w="9525">
+              <a:solidFill>
+                <a:srgbClr val="000000"/>
+              </a:solidFill>
+              <a:round/>
+              <a:headEnd/>
+              <a:tailEnd/>
+            </a:ln>
+          </p:spPr>
+          <p:txBody>
+            <a:bodyPr vert="horz" wrap="square" lIns="91440" tIns="45720" rIns="91440" bIns="45720" numCol="1" anchor="t" anchorCtr="0" compatLnSpc="1">
+              <a:prstTxWarp prst="textNoShape">
+                <a:avLst/>
+              </a:prstTxWarp>
+            </a:bodyPr>
+            <a:lstStyle/>
+            <a:p>
+              <a:endParaRPr lang="ca-ES"/>
+            </a:p>
+          </p:txBody>
+        </p:sp>
+      </p:grpSp>
     </p:spTree>
     <p:extLst>
       <p:ext uri="{BB962C8B-B14F-4D97-AF65-F5344CB8AC3E}">
-        <p14:creationId xmlns:p14="http://schemas.microsoft.com/office/powerpoint/2010/main" val="1359421426"/>
+        <p14:creationId xmlns:p14="http://schemas.microsoft.com/office/powerpoint/2010/main" xmlns="" val="1359421426"/>
       </p:ext>
     </p:extLst>
   </p:cSld>
@@ -5197,7 +9691,7 @@
           <p:cNvPr id="2" name="Title 1">
             <a:extLst>
               <a:ext uri="{FF2B5EF4-FFF2-40B4-BE49-F238E27FC236}">
-                <a16:creationId xmlns:a16="http://schemas.microsoft.com/office/drawing/2014/main" id="{D330DD59-3F5C-433B-BAEB-AD810C386F12}"/>
+                <a16:creationId xmlns:a16="http://schemas.microsoft.com/office/drawing/2014/main" xmlns="" id="{D330DD59-3F5C-433B-BAEB-AD810C386F12}"/>
               </a:ext>
             </a:extLst>
           </p:cNvPr>
@@ -5215,7 +9709,19 @@
           <a:p>
             <a:r>
               <a:rPr lang="en-US" dirty="0"/>
-              <a:t>OGC API Common – Paths (2)</a:t>
+              <a:t>OGC API </a:t>
+            </a:r>
+            <a:r>
+              <a:rPr lang="en-US" dirty="0" smtClean="0"/>
+              <a:t>Tiles</a:t>
+            </a:r>
+            <a:r>
+              <a:rPr lang="en-US" dirty="0" smtClean="0"/>
+              <a:t> </a:t>
+            </a:r>
+            <a:r>
+              <a:rPr lang="en-US" dirty="0"/>
+              <a:t>– Paths (2)</a:t>
             </a:r>
           </a:p>
         </p:txBody>
@@ -5225,7 +9731,7 @@
           <p:cNvPr id="3" name="Content Placeholder 2">
             <a:extLst>
               <a:ext uri="{FF2B5EF4-FFF2-40B4-BE49-F238E27FC236}">
-                <a16:creationId xmlns:a16="http://schemas.microsoft.com/office/drawing/2014/main" id="{349D4A61-501D-40C5-A0FD-C4F7FC590678}"/>
+                <a16:creationId xmlns:a16="http://schemas.microsoft.com/office/drawing/2014/main" xmlns="" id="{349D4A61-501D-40C5-A0FD-C4F7FC590678}"/>
               </a:ext>
             </a:extLst>
           </p:cNvPr>
@@ -5238,38 +9744,30 @@
         </p:nvSpPr>
         <p:spPr/>
         <p:txBody>
-          <a:bodyPr/>
+          <a:bodyPr>
+            <a:normAutofit/>
+          </a:bodyPr>
           <a:lstStyle/>
           <a:p>
             <a:r>
+              <a:rPr lang="en-US" sz="2000" dirty="0" smtClean="0"/>
+              <a:t>Path </a:t>
+            </a:r>
+            <a:r>
               <a:rPr lang="en-US" sz="2000" dirty="0"/>
-              <a:t>Path = /</a:t>
-            </a:r>
-            <a:r>
-              <a:rPr lang="en-US" sz="2000" dirty="0" err="1"/>
-              <a:t>tileMatrixSet</a:t>
-            </a:r>
-            <a:endParaRPr lang="en-US" sz="2000" dirty="0"/>
-          </a:p>
-          <a:p>
-            <a:pPr lvl="1"/>
-            <a:r>
-              <a:rPr lang="en-US" sz="1600" dirty="0"/>
-              <a:t>Returns all available tile matrix sets (tiling schemes)</a:t>
-            </a:r>
-          </a:p>
-          <a:p>
-            <a:r>
-              <a:rPr lang="en-US" sz="2000" dirty="0"/>
-              <a:t> Path = /</a:t>
-            </a:r>
-            <a:r>
-              <a:rPr lang="en-US" sz="2000" dirty="0" err="1"/>
-              <a:t>tileMatrixSet</a:t>
-            </a:r>
-            <a:r>
-              <a:rPr lang="en-US" sz="2000" dirty="0"/>
+              <a:t>= /tiles</a:t>
+            </a:r>
+            <a:r>
+              <a:rPr lang="en-US" sz="2000" dirty="0" smtClean="0"/>
               <a:t>/{</a:t>
+            </a:r>
+            <a:r>
+              <a:rPr lang="en-US" sz="2000" dirty="0" err="1" smtClean="0"/>
+              <a:t>styleId</a:t>
+            </a:r>
+            <a:r>
+              <a:rPr lang="en-US" sz="2000" dirty="0" smtClean="0"/>
+              <a:t>}/ {</a:t>
             </a:r>
             <a:r>
               <a:rPr lang="en-US" sz="2000" dirty="0" err="1"/>
@@ -5277,24 +9775,11 @@
             </a:r>
             <a:r>
               <a:rPr lang="en-US" sz="2000" dirty="0"/>
-              <a:t>}</a:t>
-            </a:r>
-          </a:p>
-          <a:p>
-            <a:pPr lvl="1"/>
-            <a:r>
-              <a:rPr lang="en-US" sz="1600" dirty="0"/>
-              <a:t>Returns a tiling scheme by id</a:t>
-            </a:r>
-          </a:p>
-          <a:p>
-            <a:r>
-              <a:rPr lang="en-US" sz="2000" dirty="0"/>
-              <a:t> Path = /tiles/{</a:t>
+              <a:t>}/{</a:t>
             </a:r>
             <a:r>
               <a:rPr lang="en-US" sz="2000" dirty="0" err="1"/>
-              <a:t>tileMatrixSetId</a:t>
+              <a:t>tileMatrix</a:t>
             </a:r>
             <a:r>
               <a:rPr lang="en-US" sz="2000" dirty="0"/>
@@ -5302,7 +9787,7 @@
             </a:r>
             <a:r>
               <a:rPr lang="en-US" sz="2000" dirty="0" err="1"/>
-              <a:t>tileMatrix</a:t>
+              <a:t>tileRow</a:t>
             </a:r>
             <a:r>
               <a:rPr lang="en-US" sz="2000" dirty="0"/>
@@ -5310,7 +9795,60 @@
             </a:r>
             <a:r>
               <a:rPr lang="en-US" sz="2000" dirty="0" err="1"/>
-              <a:t>tileRow</a:t>
+              <a:t>tileCol</a:t>
+            </a:r>
+            <a:r>
+              <a:rPr lang="en-US" sz="2000" dirty="0"/>
+              <a:t>}</a:t>
+            </a:r>
+          </a:p>
+          <a:p>
+            <a:pPr lvl="1"/>
+            <a:r>
+              <a:rPr lang="en-US" sz="1600" dirty="0"/>
+              <a:t>Returns a tile of </a:t>
+            </a:r>
+            <a:r>
+              <a:rPr lang="en-US" sz="1600" dirty="0" smtClean="0"/>
+              <a:t>the dataset</a:t>
+            </a:r>
+            <a:endParaRPr lang="en-US" sz="1600" dirty="0"/>
+          </a:p>
+          <a:p>
+            <a:r>
+              <a:rPr lang="en-US" sz="2000" dirty="0"/>
+              <a:t> Path = /collections/{</a:t>
+            </a:r>
+            <a:r>
+              <a:rPr lang="en-US" sz="2000" dirty="0" err="1"/>
+              <a:t>collectionId</a:t>
+            </a:r>
+            <a:r>
+              <a:rPr lang="en-US" sz="2000" dirty="0"/>
+              <a:t>}/tiles</a:t>
+            </a:r>
+            <a:r>
+              <a:rPr lang="en-US" sz="2000" dirty="0" smtClean="0"/>
+              <a:t>/{</a:t>
+            </a:r>
+            <a:r>
+              <a:rPr lang="en-US" sz="2000" dirty="0" err="1" smtClean="0"/>
+              <a:t>styleId</a:t>
+            </a:r>
+            <a:r>
+              <a:rPr lang="en-US" sz="2000" dirty="0" smtClean="0"/>
+              <a:t>}/</a:t>
+            </a:r>
+            <a:br>
+              <a:rPr lang="en-US" sz="2000" dirty="0" smtClean="0"/>
+            </a:br>
+            <a:r>
+              <a:rPr lang="en-US" sz="2000" dirty="0" smtClean="0"/>
+              <a:t>{</a:t>
+            </a:r>
+            <a:r>
+              <a:rPr lang="en-US" sz="2000" dirty="0" err="1" smtClean="0"/>
+              <a:t>tileMatrixSetId</a:t>
             </a:r>
             <a:r>
               <a:rPr lang="en-US" sz="2000" dirty="0"/>
@@ -5318,6 +9856,22 @@
             </a:r>
             <a:r>
               <a:rPr lang="en-US" sz="2000" dirty="0" err="1"/>
+              <a:t>tileMatrix</a:t>
+            </a:r>
+            <a:r>
+              <a:rPr lang="en-US" sz="2000" dirty="0" smtClean="0"/>
+              <a:t>}/{</a:t>
+            </a:r>
+            <a:r>
+              <a:rPr lang="en-US" sz="2000" dirty="0" err="1"/>
+              <a:t>tileRow</a:t>
+            </a:r>
+            <a:r>
+              <a:rPr lang="en-US" sz="2000" dirty="0"/>
+              <a:t>}/{</a:t>
+            </a:r>
+            <a:r>
+              <a:rPr lang="en-US" sz="2000" dirty="0" err="1"/>
               <a:t>tileCol</a:t>
             </a:r>
             <a:r>
@@ -5329,24 +9883,52 @@
             <a:pPr lvl="1"/>
             <a:r>
               <a:rPr lang="en-US" sz="1600" dirty="0"/>
-              <a:t>Returns a tile of the dataset</a:t>
-            </a:r>
+              <a:t> Returns a tile of the </a:t>
+            </a:r>
+            <a:r>
+              <a:rPr lang="en-US" sz="1600" dirty="0" smtClean="0"/>
+              <a:t>collection</a:t>
+            </a:r>
+          </a:p>
+          <a:p>
+            <a:pPr lvl="1"/>
+            <a:endParaRPr lang="en-US" sz="1600" dirty="0" smtClean="0"/>
+          </a:p>
+          <a:p>
+            <a:pPr lvl="1"/>
+            <a:endParaRPr lang="en-US" sz="1600" dirty="0" smtClean="0"/>
+          </a:p>
+          <a:p>
+            <a:pPr lvl="1"/>
+            <a:endParaRPr lang="en-US" sz="1600" dirty="0" smtClean="0"/>
+          </a:p>
+          <a:p>
+            <a:pPr lvl="1"/>
+            <a:endParaRPr lang="en-US" sz="1600" dirty="0" smtClean="0"/>
+          </a:p>
+          <a:p>
+            <a:pPr lvl="1"/>
+            <a:endParaRPr lang="en-US" sz="1600" dirty="0"/>
           </a:p>
           <a:p>
             <a:r>
               <a:rPr lang="en-US" sz="2000" dirty="0"/>
-              <a:t> Path = /collections/{</a:t>
-            </a:r>
-            <a:r>
-              <a:rPr lang="en-US" sz="2000" dirty="0" err="1"/>
-              <a:t>collectionId</a:t>
-            </a:r>
-            <a:r>
-              <a:rPr lang="en-US" sz="2000" dirty="0"/>
-              <a:t>}/tiles/{</a:t>
-            </a:r>
-            <a:r>
-              <a:rPr lang="en-US" sz="2000" dirty="0" err="1"/>
+              <a:t> Path = /tiles</a:t>
+            </a:r>
+            <a:r>
+              <a:rPr lang="en-US" sz="2000" dirty="0" smtClean="0"/>
+              <a:t>/{</a:t>
+            </a:r>
+            <a:r>
+              <a:rPr lang="en-US" sz="2000" dirty="0" err="1" smtClean="0"/>
+              <a:t>styleId</a:t>
+            </a:r>
+            <a:r>
+              <a:rPr lang="en-US" sz="2000" dirty="0" smtClean="0"/>
+              <a:t>}/{</a:t>
+            </a:r>
+            <a:r>
+              <a:rPr lang="en-US" sz="2000" dirty="0" err="1" smtClean="0"/>
               <a:t>tileMatrixSetId</a:t>
             </a:r>
             <a:r>
@@ -5375,65 +9957,87 @@
             </a:r>
             <a:r>
               <a:rPr lang="en-US" sz="2000" dirty="0"/>
-              <a:t>}</a:t>
+              <a:t>}/info</a:t>
             </a:r>
           </a:p>
           <a:p>
             <a:pPr lvl="1"/>
             <a:r>
               <a:rPr lang="en-US" sz="1600" dirty="0"/>
-              <a:t> Returns a tile of the collection with or without style</a:t>
-            </a:r>
-          </a:p>
-          <a:p>
-            <a:r>
-              <a:rPr lang="en-US" sz="2000" dirty="0"/>
-              <a:t> Path = /tiles/{</a:t>
-            </a:r>
-            <a:r>
-              <a:rPr lang="en-US" sz="2000" dirty="0" err="1"/>
+              <a:t> Returns information on a point of a </a:t>
+            </a:r>
+            <a:r>
+              <a:rPr lang="en-US" sz="1600" dirty="0" smtClean="0"/>
+              <a:t>tile</a:t>
+            </a:r>
+          </a:p>
+          <a:p>
+            <a:r>
+              <a:rPr lang="en-US" sz="2000" dirty="0" smtClean="0"/>
+              <a:t> Path = /collections/{</a:t>
+            </a:r>
+            <a:r>
+              <a:rPr lang="en-US" sz="2000" dirty="0" err="1" smtClean="0"/>
+              <a:t>collectionId</a:t>
+            </a:r>
+            <a:r>
+              <a:rPr lang="en-US" sz="2000" dirty="0" smtClean="0"/>
+              <a:t>}/tiles/{</a:t>
+            </a:r>
+            <a:r>
+              <a:rPr lang="en-US" sz="2000" dirty="0" err="1" smtClean="0"/>
+              <a:t>styleId</a:t>
+            </a:r>
+            <a:r>
+              <a:rPr lang="en-US" sz="2000" dirty="0" smtClean="0"/>
+              <a:t>}/</a:t>
+            </a:r>
+            <a:br>
+              <a:rPr lang="en-US" sz="2000" dirty="0" smtClean="0"/>
+            </a:br>
+            <a:r>
+              <a:rPr lang="en-US" sz="2000" dirty="0" smtClean="0"/>
+              <a:t>{</a:t>
+            </a:r>
+            <a:r>
+              <a:rPr lang="en-US" sz="2000" dirty="0" err="1" smtClean="0"/>
               <a:t>tileMatrixSetId</a:t>
             </a:r>
             <a:r>
-              <a:rPr lang="en-US" sz="2000" dirty="0"/>
+              <a:rPr lang="en-US" sz="2000" dirty="0" smtClean="0"/>
               <a:t>}/{</a:t>
             </a:r>
             <a:r>
-              <a:rPr lang="en-US" sz="2000" dirty="0" err="1"/>
+              <a:rPr lang="en-US" sz="2000" dirty="0" err="1" smtClean="0"/>
               <a:t>tileMatrix</a:t>
             </a:r>
             <a:r>
-              <a:rPr lang="en-US" sz="2000" dirty="0"/>
+              <a:rPr lang="en-US" sz="2000" dirty="0" smtClean="0"/>
               <a:t>}/{</a:t>
             </a:r>
             <a:r>
-              <a:rPr lang="en-US" sz="2000" dirty="0" err="1"/>
+              <a:rPr lang="en-US" sz="2000" dirty="0" err="1" smtClean="0"/>
               <a:t>tileRow</a:t>
             </a:r>
             <a:r>
-              <a:rPr lang="en-US" sz="2000" dirty="0"/>
+              <a:rPr lang="en-US" sz="2000" dirty="0" smtClean="0"/>
               <a:t>}/{</a:t>
             </a:r>
             <a:r>
-              <a:rPr lang="en-US" sz="2000" dirty="0" err="1"/>
+              <a:rPr lang="en-US" sz="2000" dirty="0" err="1" smtClean="0"/>
               <a:t>tileCol</a:t>
             </a:r>
             <a:r>
-              <a:rPr lang="en-US" sz="2000" dirty="0"/>
+              <a:rPr lang="en-US" sz="2000" dirty="0" smtClean="0"/>
               <a:t>}/info</a:t>
             </a:r>
+            <a:endParaRPr lang="en-US" sz="2000" dirty="0" smtClean="0"/>
           </a:p>
           <a:p>
             <a:pPr lvl="1"/>
             <a:r>
-              <a:rPr lang="en-US" sz="1600" dirty="0"/>
-              <a:t> Returns information on a point of a tile with or without style</a:t>
-            </a:r>
-          </a:p>
-          <a:p>
-            <a:r>
-              <a:rPr lang="en-US" sz="2000" dirty="0"/>
-              <a:t> </a:t>
+              <a:rPr lang="en-US" sz="1600" dirty="0" smtClean="0"/>
+              <a:t> Returns information of a point in a tile of the collection</a:t>
             </a:r>
           </a:p>
         </p:txBody>
@@ -5443,7 +10047,7 @@
           <p:cNvPr id="4" name="Footer Placeholder 3">
             <a:extLst>
               <a:ext uri="{FF2B5EF4-FFF2-40B4-BE49-F238E27FC236}">
-                <a16:creationId xmlns:a16="http://schemas.microsoft.com/office/drawing/2014/main" id="{0E2576B7-5C60-474B-B71B-1762FD9B05D3}"/>
+                <a16:creationId xmlns:a16="http://schemas.microsoft.com/office/drawing/2014/main" xmlns="" id="{0E2576B7-5C60-474B-B71B-1762FD9B05D3}"/>
               </a:ext>
             </a:extLst>
           </p:cNvPr>
@@ -5470,10 +10074,1092 @@
           </a:p>
         </p:txBody>
       </p:sp>
+      <p:grpSp>
+        <p:nvGrpSpPr>
+          <p:cNvPr id="56" name="55 Grupo"/>
+          <p:cNvGrpSpPr/>
+          <p:nvPr/>
+        </p:nvGrpSpPr>
+        <p:grpSpPr>
+          <a:xfrm>
+            <a:off x="5943600" y="2514600"/>
+            <a:ext cx="2844452" cy="1905000"/>
+            <a:chOff x="381000" y="1066800"/>
+            <a:chExt cx="8305800" cy="5562600"/>
+          </a:xfrm>
+        </p:grpSpPr>
+        <p:pic>
+          <p:nvPicPr>
+            <p:cNvPr id="31" name="Picture 2" descr="http://a.tile.openstreetmap.org/15/9798/14664.png"/>
+            <p:cNvPicPr>
+              <a:picLocks noChangeAspect="1" noChangeArrowheads="1"/>
+            </p:cNvPicPr>
+            <p:nvPr/>
+          </p:nvPicPr>
+          <p:blipFill>
+            <a:blip r:embed="rId2" cstate="print"/>
+            <a:srcRect/>
+            <a:stretch>
+              <a:fillRect/>
+            </a:stretch>
+          </p:blipFill>
+          <p:spPr bwMode="auto">
+            <a:xfrm>
+              <a:off x="914400" y="1447800"/>
+              <a:ext cx="2438400" cy="2438400"/>
+            </a:xfrm>
+            <a:prstGeom prst="rect">
+              <a:avLst/>
+            </a:prstGeom>
+            <a:noFill/>
+            <a:ln w="9525">
+              <a:noFill/>
+              <a:miter lim="800000"/>
+              <a:headEnd/>
+              <a:tailEnd/>
+            </a:ln>
+          </p:spPr>
+        </p:pic>
+        <p:pic>
+          <p:nvPicPr>
+            <p:cNvPr id="32" name="Picture 4" descr="http://mt1.google.com/vt/hl=en&amp;z=15&amp;y=14664&amp;x=9799"/>
+            <p:cNvPicPr>
+              <a:picLocks noChangeAspect="1" noChangeArrowheads="1"/>
+            </p:cNvPicPr>
+            <p:nvPr/>
+          </p:nvPicPr>
+          <p:blipFill>
+            <a:blip r:embed="rId3" cstate="print"/>
+            <a:srcRect/>
+            <a:stretch>
+              <a:fillRect/>
+            </a:stretch>
+          </p:blipFill>
+          <p:spPr bwMode="auto">
+            <a:xfrm>
+              <a:off x="3352800" y="1447800"/>
+              <a:ext cx="2438400" cy="2438400"/>
+            </a:xfrm>
+            <a:prstGeom prst="rect">
+              <a:avLst/>
+            </a:prstGeom>
+            <a:noFill/>
+            <a:ln w="9525">
+              <a:noFill/>
+              <a:miter lim="800000"/>
+              <a:headEnd/>
+              <a:tailEnd/>
+            </a:ln>
+          </p:spPr>
+        </p:pic>
+        <p:pic>
+          <p:nvPicPr>
+            <p:cNvPr id="33" name="Picture 6" descr="http://www.ogc.uab.cat/SITiled/GeoEye_Haiti_M/GeoEye/WorldSphericalMercator/15/9798/14665.jpg"/>
+            <p:cNvPicPr>
+              <a:picLocks noChangeAspect="1" noChangeArrowheads="1"/>
+            </p:cNvPicPr>
+            <p:nvPr/>
+          </p:nvPicPr>
+          <p:blipFill>
+            <a:blip r:embed="rId4" cstate="print"/>
+            <a:srcRect/>
+            <a:stretch>
+              <a:fillRect/>
+            </a:stretch>
+          </p:blipFill>
+          <p:spPr bwMode="auto">
+            <a:xfrm>
+              <a:off x="914400" y="3886200"/>
+              <a:ext cx="2438400" cy="2438400"/>
+            </a:xfrm>
+            <a:prstGeom prst="rect">
+              <a:avLst/>
+            </a:prstGeom>
+            <a:noFill/>
+            <a:ln w="9525">
+              <a:noFill/>
+              <a:miter lim="800000"/>
+              <a:headEnd/>
+              <a:tailEnd/>
+            </a:ln>
+          </p:spPr>
+        </p:pic>
+        <p:pic>
+          <p:nvPicPr>
+            <p:cNvPr id="34" name="Picture 8" descr="http://ecn.t0.tiles.virtualearth.net/tiles/a032211203002113.jpeg?g=854"/>
+            <p:cNvPicPr>
+              <a:picLocks noChangeAspect="1" noChangeArrowheads="1"/>
+            </p:cNvPicPr>
+            <p:nvPr/>
+          </p:nvPicPr>
+          <p:blipFill>
+            <a:blip r:embed="rId5" cstate="print"/>
+            <a:srcRect/>
+            <a:stretch>
+              <a:fillRect/>
+            </a:stretch>
+          </p:blipFill>
+          <p:spPr bwMode="auto">
+            <a:xfrm>
+              <a:off x="3352800" y="3886200"/>
+              <a:ext cx="2438400" cy="2438400"/>
+            </a:xfrm>
+            <a:prstGeom prst="rect">
+              <a:avLst/>
+            </a:prstGeom>
+            <a:noFill/>
+            <a:ln w="9525">
+              <a:noFill/>
+              <a:miter lim="800000"/>
+              <a:headEnd/>
+              <a:tailEnd/>
+            </a:ln>
+          </p:spPr>
+        </p:pic>
+        <p:pic>
+          <p:nvPicPr>
+            <p:cNvPr id="35" name="Picture 12" descr="http://otile1.mqcdn.com/tiles/1.0.0/map/15/9800/14664.png"/>
+            <p:cNvPicPr>
+              <a:picLocks noChangeAspect="1" noChangeArrowheads="1"/>
+            </p:cNvPicPr>
+            <p:nvPr/>
+          </p:nvPicPr>
+          <p:blipFill>
+            <a:blip r:embed="rId6" cstate="print"/>
+            <a:srcRect/>
+            <a:stretch>
+              <a:fillRect/>
+            </a:stretch>
+          </p:blipFill>
+          <p:spPr bwMode="auto">
+            <a:xfrm>
+              <a:off x="5791200" y="1447800"/>
+              <a:ext cx="2438400" cy="2438400"/>
+            </a:xfrm>
+            <a:prstGeom prst="rect">
+              <a:avLst/>
+            </a:prstGeom>
+            <a:noFill/>
+            <a:ln w="9525">
+              <a:noFill/>
+              <a:miter lim="800000"/>
+              <a:headEnd/>
+              <a:tailEnd/>
+            </a:ln>
+          </p:spPr>
+        </p:pic>
+        <p:pic>
+          <p:nvPicPr>
+            <p:cNvPr id="36" name="Picture 18" descr="http://tile.opencyclemap.org/cycle/15/9800/14665.png"/>
+            <p:cNvPicPr>
+              <a:picLocks noChangeAspect="1" noChangeArrowheads="1"/>
+            </p:cNvPicPr>
+            <p:nvPr/>
+          </p:nvPicPr>
+          <p:blipFill>
+            <a:blip r:embed="rId7" cstate="print"/>
+            <a:srcRect/>
+            <a:stretch>
+              <a:fillRect/>
+            </a:stretch>
+          </p:blipFill>
+          <p:spPr bwMode="auto">
+            <a:xfrm>
+              <a:off x="5791200" y="3886200"/>
+              <a:ext cx="2438400" cy="2438400"/>
+            </a:xfrm>
+            <a:prstGeom prst="rect">
+              <a:avLst/>
+            </a:prstGeom>
+            <a:noFill/>
+            <a:ln w="9525">
+              <a:noFill/>
+              <a:miter lim="800000"/>
+              <a:headEnd/>
+              <a:tailEnd/>
+            </a:ln>
+          </p:spPr>
+        </p:pic>
+        <p:cxnSp>
+          <p:nvCxnSpPr>
+            <p:cNvPr id="37" name="36 Conector recto"/>
+            <p:cNvCxnSpPr/>
+            <p:nvPr/>
+          </p:nvCxnSpPr>
+          <p:spPr bwMode="auto">
+            <a:xfrm>
+              <a:off x="3352800" y="1066800"/>
+              <a:ext cx="0" cy="5486400"/>
+            </a:xfrm>
+            <a:prstGeom prst="line">
+              <a:avLst/>
+            </a:prstGeom>
+            <a:noFill/>
+            <a:ln w="28575" cap="flat" cmpd="sng" algn="ctr">
+              <a:solidFill>
+                <a:schemeClr val="accent2">
+                  <a:lumMod val="60000"/>
+                  <a:lumOff val="40000"/>
+                </a:schemeClr>
+              </a:solidFill>
+              <a:prstDash val="solid"/>
+              <a:round/>
+              <a:headEnd type="none" w="med" len="med"/>
+              <a:tailEnd type="none" w="med" len="med"/>
+            </a:ln>
+            <a:effectLst/>
+          </p:spPr>
+        </p:cxnSp>
+        <p:cxnSp>
+          <p:nvCxnSpPr>
+            <p:cNvPr id="38" name="37 Conector recto"/>
+            <p:cNvCxnSpPr/>
+            <p:nvPr/>
+          </p:nvCxnSpPr>
+          <p:spPr bwMode="auto">
+            <a:xfrm>
+              <a:off x="5791200" y="1143000"/>
+              <a:ext cx="0" cy="5486400"/>
+            </a:xfrm>
+            <a:prstGeom prst="line">
+              <a:avLst/>
+            </a:prstGeom>
+            <a:noFill/>
+            <a:ln w="28575" cap="flat" cmpd="sng" algn="ctr">
+              <a:solidFill>
+                <a:schemeClr val="accent2">
+                  <a:lumMod val="60000"/>
+                  <a:lumOff val="40000"/>
+                </a:schemeClr>
+              </a:solidFill>
+              <a:prstDash val="solid"/>
+              <a:round/>
+              <a:headEnd type="none" w="med" len="med"/>
+              <a:tailEnd type="none" w="med" len="med"/>
+            </a:ln>
+            <a:effectLst/>
+          </p:spPr>
+        </p:cxnSp>
+        <p:cxnSp>
+          <p:nvCxnSpPr>
+            <p:cNvPr id="39" name="38 Conector recto"/>
+            <p:cNvCxnSpPr/>
+            <p:nvPr/>
+          </p:nvCxnSpPr>
+          <p:spPr bwMode="auto">
+            <a:xfrm>
+              <a:off x="381000" y="3886200"/>
+              <a:ext cx="8305800" cy="0"/>
+            </a:xfrm>
+            <a:prstGeom prst="line">
+              <a:avLst/>
+            </a:prstGeom>
+            <a:noFill/>
+            <a:ln w="28575" cap="flat" cmpd="sng" algn="ctr">
+              <a:solidFill>
+                <a:schemeClr val="accent2">
+                  <a:lumMod val="60000"/>
+                  <a:lumOff val="40000"/>
+                </a:schemeClr>
+              </a:solidFill>
+              <a:prstDash val="solid"/>
+              <a:round/>
+              <a:headEnd type="none" w="med" len="med"/>
+              <a:tailEnd type="none" w="med" len="med"/>
+            </a:ln>
+            <a:effectLst/>
+          </p:spPr>
+        </p:cxnSp>
+        <p:cxnSp>
+          <p:nvCxnSpPr>
+            <p:cNvPr id="40" name="39 Conector recto"/>
+            <p:cNvCxnSpPr/>
+            <p:nvPr/>
+          </p:nvCxnSpPr>
+          <p:spPr bwMode="auto">
+            <a:xfrm>
+              <a:off x="381000" y="6324600"/>
+              <a:ext cx="8305800" cy="0"/>
+            </a:xfrm>
+            <a:prstGeom prst="line">
+              <a:avLst/>
+            </a:prstGeom>
+            <a:noFill/>
+            <a:ln w="28575" cap="flat" cmpd="sng" algn="ctr">
+              <a:solidFill>
+                <a:schemeClr val="accent2">
+                  <a:lumMod val="60000"/>
+                  <a:lumOff val="40000"/>
+                </a:schemeClr>
+              </a:solidFill>
+              <a:prstDash val="solid"/>
+              <a:round/>
+              <a:headEnd type="none" w="med" len="med"/>
+              <a:tailEnd type="none" w="med" len="med"/>
+            </a:ln>
+            <a:effectLst/>
+          </p:spPr>
+        </p:cxnSp>
+        <p:cxnSp>
+          <p:nvCxnSpPr>
+            <p:cNvPr id="41" name="40 Conector recto"/>
+            <p:cNvCxnSpPr/>
+            <p:nvPr/>
+          </p:nvCxnSpPr>
+          <p:spPr bwMode="auto">
+            <a:xfrm>
+              <a:off x="8229600" y="1143000"/>
+              <a:ext cx="0" cy="5486400"/>
+            </a:xfrm>
+            <a:prstGeom prst="line">
+              <a:avLst/>
+            </a:prstGeom>
+            <a:noFill/>
+            <a:ln w="28575" cap="flat" cmpd="sng" algn="ctr">
+              <a:solidFill>
+                <a:schemeClr val="accent2">
+                  <a:lumMod val="60000"/>
+                  <a:lumOff val="40000"/>
+                </a:schemeClr>
+              </a:solidFill>
+              <a:prstDash val="solid"/>
+              <a:round/>
+              <a:headEnd type="none" w="med" len="med"/>
+              <a:tailEnd type="none" w="med" len="med"/>
+            </a:ln>
+            <a:effectLst/>
+          </p:spPr>
+        </p:cxnSp>
+        <p:cxnSp>
+          <p:nvCxnSpPr>
+            <p:cNvPr id="42" name="41 Conector recto"/>
+            <p:cNvCxnSpPr/>
+            <p:nvPr/>
+          </p:nvCxnSpPr>
+          <p:spPr bwMode="auto">
+            <a:xfrm>
+              <a:off x="914400" y="1143000"/>
+              <a:ext cx="0" cy="5486400"/>
+            </a:xfrm>
+            <a:prstGeom prst="line">
+              <a:avLst/>
+            </a:prstGeom>
+            <a:noFill/>
+            <a:ln w="28575" cap="flat" cmpd="sng" algn="ctr">
+              <a:solidFill>
+                <a:schemeClr val="accent2">
+                  <a:lumMod val="60000"/>
+                  <a:lumOff val="40000"/>
+                </a:schemeClr>
+              </a:solidFill>
+              <a:prstDash val="solid"/>
+              <a:round/>
+              <a:headEnd type="none" w="med" len="med"/>
+              <a:tailEnd type="none" w="med" len="med"/>
+            </a:ln>
+            <a:effectLst/>
+          </p:spPr>
+        </p:cxnSp>
+        <p:cxnSp>
+          <p:nvCxnSpPr>
+            <p:cNvPr id="43" name="42 Conector recto"/>
+            <p:cNvCxnSpPr/>
+            <p:nvPr/>
+          </p:nvCxnSpPr>
+          <p:spPr bwMode="auto">
+            <a:xfrm>
+              <a:off x="381000" y="1447800"/>
+              <a:ext cx="8305800" cy="0"/>
+            </a:xfrm>
+            <a:prstGeom prst="line">
+              <a:avLst/>
+            </a:prstGeom>
+            <a:noFill/>
+            <a:ln w="28575" cap="flat" cmpd="sng" algn="ctr">
+              <a:solidFill>
+                <a:schemeClr val="accent2">
+                  <a:lumMod val="60000"/>
+                  <a:lumOff val="40000"/>
+                </a:schemeClr>
+              </a:solidFill>
+              <a:prstDash val="solid"/>
+              <a:round/>
+              <a:headEnd type="none" w="med" len="med"/>
+              <a:tailEnd type="none" w="med" len="med"/>
+            </a:ln>
+            <a:effectLst/>
+          </p:spPr>
+        </p:cxnSp>
+        <p:sp>
+          <p:nvSpPr>
+            <p:cNvPr id="44" name="23 CuadroTexto"/>
+            <p:cNvSpPr txBox="1">
+              <a:spLocks noChangeArrowheads="1"/>
+            </p:cNvSpPr>
+            <p:nvPr/>
+          </p:nvSpPr>
+          <p:spPr bwMode="auto">
+            <a:xfrm>
+              <a:off x="914400" y="1524000"/>
+              <a:ext cx="2133600" cy="381000"/>
+            </a:xfrm>
+            <a:prstGeom prst="rect">
+              <a:avLst/>
+            </a:prstGeom>
+            <a:noFill/>
+            <a:ln w="9525">
+              <a:noFill/>
+              <a:miter lim="800000"/>
+              <a:headEnd/>
+              <a:tailEnd/>
+            </a:ln>
+          </p:spPr>
+          <p:txBody>
+            <a:bodyPr wrap="none"/>
+            <a:lstStyle/>
+            <a:p>
+              <a:r>
+                <a:rPr lang="ca-ES" sz="400" b="0"/>
+                <a:t>a.tile.openstreetmap.org</a:t>
+              </a:r>
+            </a:p>
+          </p:txBody>
+        </p:sp>
+        <p:sp>
+          <p:nvSpPr>
+            <p:cNvPr id="45" name="24 CuadroTexto"/>
+            <p:cNvSpPr txBox="1">
+              <a:spLocks noChangeArrowheads="1"/>
+            </p:cNvSpPr>
+            <p:nvPr/>
+          </p:nvSpPr>
+          <p:spPr bwMode="auto">
+            <a:xfrm>
+              <a:off x="3352800" y="1524000"/>
+              <a:ext cx="2133600" cy="381000"/>
+            </a:xfrm>
+            <a:prstGeom prst="rect">
+              <a:avLst/>
+            </a:prstGeom>
+            <a:noFill/>
+            <a:ln w="9525">
+              <a:noFill/>
+              <a:miter lim="800000"/>
+              <a:headEnd/>
+              <a:tailEnd/>
+            </a:ln>
+          </p:spPr>
+          <p:txBody>
+            <a:bodyPr wrap="none"/>
+            <a:lstStyle/>
+            <a:p>
+              <a:r>
+                <a:rPr lang="ca-ES" sz="400" b="0"/>
+                <a:t>mt1.google.com</a:t>
+              </a:r>
+            </a:p>
+          </p:txBody>
+        </p:sp>
+        <p:sp>
+          <p:nvSpPr>
+            <p:cNvPr id="46" name="25 CuadroTexto"/>
+            <p:cNvSpPr txBox="1">
+              <a:spLocks noChangeArrowheads="1"/>
+            </p:cNvSpPr>
+            <p:nvPr/>
+          </p:nvSpPr>
+          <p:spPr bwMode="auto">
+            <a:xfrm>
+              <a:off x="5867400" y="1524000"/>
+              <a:ext cx="2133600" cy="381000"/>
+            </a:xfrm>
+            <a:prstGeom prst="rect">
+              <a:avLst/>
+            </a:prstGeom>
+            <a:noFill/>
+            <a:ln w="9525">
+              <a:noFill/>
+              <a:miter lim="800000"/>
+              <a:headEnd/>
+              <a:tailEnd/>
+            </a:ln>
+          </p:spPr>
+          <p:txBody>
+            <a:bodyPr wrap="none"/>
+            <a:lstStyle/>
+            <a:p>
+              <a:r>
+                <a:rPr lang="ca-ES" sz="400" b="0" dirty="0"/>
+                <a:t>otile1.mqcdn.com/</a:t>
+              </a:r>
+              <a:r>
+                <a:rPr lang="ca-ES" sz="400" b="0" dirty="0" err="1"/>
+                <a:t>tiles</a:t>
+              </a:r>
+              <a:r>
+                <a:rPr lang="ca-ES" sz="400" b="0" dirty="0"/>
+                <a:t>/1.0.0/</a:t>
+              </a:r>
+              <a:r>
+                <a:rPr lang="ca-ES" sz="400" b="0" dirty="0" err="1"/>
+                <a:t>map</a:t>
+              </a:r>
+              <a:endParaRPr lang="ca-ES" sz="400" b="0" dirty="0"/>
+            </a:p>
+          </p:txBody>
+        </p:sp>
+        <p:sp>
+          <p:nvSpPr>
+            <p:cNvPr id="47" name="26 CuadroTexto"/>
+            <p:cNvSpPr txBox="1">
+              <a:spLocks noChangeArrowheads="1"/>
+            </p:cNvSpPr>
+            <p:nvPr/>
+          </p:nvSpPr>
+          <p:spPr bwMode="auto">
+            <a:xfrm>
+              <a:off x="5867400" y="3962400"/>
+              <a:ext cx="2133600" cy="381000"/>
+            </a:xfrm>
+            <a:prstGeom prst="rect">
+              <a:avLst/>
+            </a:prstGeom>
+            <a:noFill/>
+            <a:ln w="9525">
+              <a:noFill/>
+              <a:miter lim="800000"/>
+              <a:headEnd/>
+              <a:tailEnd/>
+            </a:ln>
+          </p:spPr>
+          <p:txBody>
+            <a:bodyPr wrap="none"/>
+            <a:lstStyle/>
+            <a:p>
+              <a:r>
+                <a:rPr lang="ca-ES" sz="400" b="0"/>
+                <a:t>tile.opencyclemap.org/cycle</a:t>
+              </a:r>
+            </a:p>
+          </p:txBody>
+        </p:sp>
+        <p:sp>
+          <p:nvSpPr>
+            <p:cNvPr id="48" name="27 CuadroTexto"/>
+            <p:cNvSpPr txBox="1">
+              <a:spLocks noChangeArrowheads="1"/>
+            </p:cNvSpPr>
+            <p:nvPr/>
+          </p:nvSpPr>
+          <p:spPr bwMode="auto">
+            <a:xfrm>
+              <a:off x="3429000" y="5867400"/>
+              <a:ext cx="2133600" cy="381000"/>
+            </a:xfrm>
+            <a:prstGeom prst="rect">
+              <a:avLst/>
+            </a:prstGeom>
+            <a:noFill/>
+            <a:ln w="9525">
+              <a:noFill/>
+              <a:miter lim="800000"/>
+              <a:headEnd/>
+              <a:tailEnd/>
+            </a:ln>
+          </p:spPr>
+          <p:txBody>
+            <a:bodyPr wrap="none"/>
+            <a:lstStyle/>
+            <a:p>
+              <a:r>
+                <a:rPr lang="ca-ES" sz="400" b="0">
+                  <a:solidFill>
+                    <a:schemeClr val="bg1"/>
+                  </a:solidFill>
+                </a:rPr>
+                <a:t>ecn.t0.tiles.virtualearth.net</a:t>
+              </a:r>
+            </a:p>
+          </p:txBody>
+        </p:sp>
+        <p:sp>
+          <p:nvSpPr>
+            <p:cNvPr id="49" name="48 CuadroTexto"/>
+            <p:cNvSpPr txBox="1"/>
+            <p:nvPr/>
+          </p:nvSpPr>
+          <p:spPr>
+            <a:xfrm>
+              <a:off x="990600" y="3962400"/>
+              <a:ext cx="2133600" cy="381000"/>
+            </a:xfrm>
+            <a:prstGeom prst="rect">
+              <a:avLst/>
+            </a:prstGeom>
+            <a:noFill/>
+          </p:spPr>
+          <p:txBody>
+            <a:bodyPr wrap="none"/>
+            <a:lstStyle/>
+            <a:p>
+              <a:pPr>
+                <a:defRPr/>
+              </a:pPr>
+              <a:r>
+                <a:rPr lang="ca-ES" sz="400" dirty="0" err="1">
+                  <a:solidFill>
+                    <a:schemeClr val="bg1">
+                      <a:lumMod val="75000"/>
+                    </a:schemeClr>
+                  </a:solidFill>
+                  <a:latin typeface="CG Times"/>
+                  <a:cs typeface="Arial" pitchFamily="34" charset="0"/>
+                </a:rPr>
+                <a:t>www.ogc.uab.cat</a:t>
+              </a:r>
+              <a:r>
+                <a:rPr lang="ca-ES" sz="400" dirty="0">
+                  <a:solidFill>
+                    <a:schemeClr val="bg1">
+                      <a:lumMod val="75000"/>
+                    </a:schemeClr>
+                  </a:solidFill>
+                  <a:latin typeface="CG Times"/>
+                  <a:cs typeface="Arial" pitchFamily="34" charset="0"/>
+                </a:rPr>
+                <a:t>/</a:t>
+              </a:r>
+              <a:r>
+                <a:rPr lang="ca-ES" sz="400" dirty="0" err="1">
+                  <a:solidFill>
+                    <a:schemeClr val="bg1">
+                      <a:lumMod val="75000"/>
+                    </a:schemeClr>
+                  </a:solidFill>
+                  <a:latin typeface="CG Times"/>
+                  <a:cs typeface="Arial" pitchFamily="34" charset="0"/>
+                </a:rPr>
+                <a:t>SITiled</a:t>
+              </a:r>
+              <a:r>
+                <a:rPr lang="ca-ES" sz="400" dirty="0">
+                  <a:solidFill>
+                    <a:schemeClr val="bg1">
+                      <a:lumMod val="75000"/>
+                    </a:schemeClr>
+                  </a:solidFill>
+                  <a:latin typeface="CG Times"/>
+                  <a:cs typeface="Arial" pitchFamily="34" charset="0"/>
+                </a:rPr>
+                <a:t>/</a:t>
+              </a:r>
+              <a:r>
+                <a:rPr lang="ca-ES" sz="400" dirty="0" err="1">
+                  <a:solidFill>
+                    <a:schemeClr val="bg1">
+                      <a:lumMod val="75000"/>
+                    </a:schemeClr>
+                  </a:solidFill>
+                  <a:latin typeface="CG Times"/>
+                  <a:cs typeface="Arial" pitchFamily="34" charset="0"/>
+                </a:rPr>
+                <a:t>GeoEye</a:t>
+              </a:r>
+              <a:r>
+                <a:rPr lang="ca-ES" sz="400" dirty="0">
+                  <a:solidFill>
+                    <a:schemeClr val="bg1">
+                      <a:lumMod val="75000"/>
+                    </a:schemeClr>
+                  </a:solidFill>
+                  <a:latin typeface="CG Times"/>
+                  <a:cs typeface="Arial" pitchFamily="34" charset="0"/>
+                </a:rPr>
+                <a:t>_</a:t>
+              </a:r>
+              <a:r>
+                <a:rPr lang="ca-ES" sz="400" dirty="0" err="1">
+                  <a:solidFill>
+                    <a:schemeClr val="bg1">
+                      <a:lumMod val="75000"/>
+                    </a:schemeClr>
+                  </a:solidFill>
+                  <a:latin typeface="CG Times"/>
+                  <a:cs typeface="Arial" pitchFamily="34" charset="0"/>
+                </a:rPr>
+                <a:t>Haiti</a:t>
+              </a:r>
+              <a:r>
+                <a:rPr lang="ca-ES" sz="400" dirty="0">
+                  <a:solidFill>
+                    <a:schemeClr val="bg1">
+                      <a:lumMod val="75000"/>
+                    </a:schemeClr>
+                  </a:solidFill>
+                  <a:latin typeface="CG Times"/>
+                  <a:cs typeface="Arial" pitchFamily="34" charset="0"/>
+                </a:rPr>
+                <a:t>_M</a:t>
+              </a:r>
+              <a:endParaRPr lang="ca-ES" sz="400" b="0" dirty="0">
+                <a:solidFill>
+                  <a:schemeClr val="bg1">
+                    <a:lumMod val="75000"/>
+                  </a:schemeClr>
+                </a:solidFill>
+                <a:latin typeface="CG Times"/>
+                <a:cs typeface="Arial" pitchFamily="34" charset="0"/>
+              </a:endParaRPr>
+            </a:p>
+          </p:txBody>
+        </p:sp>
+        <p:sp>
+          <p:nvSpPr>
+            <p:cNvPr id="50" name="49 CuadroTexto"/>
+            <p:cNvSpPr txBox="1"/>
+            <p:nvPr/>
+          </p:nvSpPr>
+          <p:spPr>
+            <a:xfrm>
+              <a:off x="1295400" y="1981200"/>
+              <a:ext cx="1371600" cy="838200"/>
+            </a:xfrm>
+            <a:prstGeom prst="rect">
+              <a:avLst/>
+            </a:prstGeom>
+            <a:noFill/>
+          </p:spPr>
+          <p:txBody>
+            <a:bodyPr wrap="none"/>
+            <a:lstStyle/>
+            <a:p>
+              <a:pPr>
+                <a:defRPr/>
+              </a:pPr>
+              <a:r>
+                <a:rPr lang="ca-ES" sz="800" b="0" dirty="0">
+                  <a:solidFill>
+                    <a:schemeClr val="tx1">
+                      <a:lumMod val="65000"/>
+                      <a:lumOff val="35000"/>
+                    </a:schemeClr>
+                  </a:solidFill>
+                  <a:latin typeface="CG Times"/>
+                  <a:cs typeface="Arial" pitchFamily="34" charset="0"/>
+                </a:rPr>
+                <a:t>X=9798</a:t>
+              </a:r>
+            </a:p>
+            <a:p>
+              <a:pPr>
+                <a:defRPr/>
+              </a:pPr>
+              <a:r>
+                <a:rPr lang="ca-ES" sz="800" b="0" dirty="0">
+                  <a:solidFill>
+                    <a:schemeClr val="tx1">
+                      <a:lumMod val="65000"/>
+                      <a:lumOff val="35000"/>
+                    </a:schemeClr>
+                  </a:solidFill>
+                  <a:latin typeface="CG Times"/>
+                  <a:cs typeface="Arial" pitchFamily="34" charset="0"/>
+                </a:rPr>
+                <a:t>Y=14664</a:t>
+              </a:r>
+            </a:p>
+          </p:txBody>
+        </p:sp>
+        <p:sp>
+          <p:nvSpPr>
+            <p:cNvPr id="51" name="50 CuadroTexto"/>
+            <p:cNvSpPr txBox="1"/>
+            <p:nvPr/>
+          </p:nvSpPr>
+          <p:spPr>
+            <a:xfrm>
+              <a:off x="3657600" y="1981200"/>
+              <a:ext cx="1371600" cy="838200"/>
+            </a:xfrm>
+            <a:prstGeom prst="rect">
+              <a:avLst/>
+            </a:prstGeom>
+            <a:noFill/>
+          </p:spPr>
+          <p:txBody>
+            <a:bodyPr wrap="none"/>
+            <a:lstStyle/>
+            <a:p>
+              <a:pPr>
+                <a:defRPr/>
+              </a:pPr>
+              <a:r>
+                <a:rPr lang="ca-ES" sz="800" b="0" dirty="0">
+                  <a:solidFill>
+                    <a:schemeClr val="tx1">
+                      <a:lumMod val="65000"/>
+                      <a:lumOff val="35000"/>
+                    </a:schemeClr>
+                  </a:solidFill>
+                  <a:latin typeface="CG Times"/>
+                  <a:cs typeface="Arial" pitchFamily="34" charset="0"/>
+                </a:rPr>
+                <a:t>X=9799</a:t>
+              </a:r>
+            </a:p>
+            <a:p>
+              <a:pPr>
+                <a:defRPr/>
+              </a:pPr>
+              <a:r>
+                <a:rPr lang="ca-ES" sz="800" b="0" dirty="0">
+                  <a:solidFill>
+                    <a:schemeClr val="tx1">
+                      <a:lumMod val="65000"/>
+                      <a:lumOff val="35000"/>
+                    </a:schemeClr>
+                  </a:solidFill>
+                  <a:latin typeface="CG Times"/>
+                  <a:cs typeface="Arial" pitchFamily="34" charset="0"/>
+                </a:rPr>
+                <a:t>Y=14664</a:t>
+              </a:r>
+            </a:p>
+          </p:txBody>
+        </p:sp>
+        <p:sp>
+          <p:nvSpPr>
+            <p:cNvPr id="52" name="51 CuadroTexto"/>
+            <p:cNvSpPr txBox="1"/>
+            <p:nvPr/>
+          </p:nvSpPr>
+          <p:spPr>
+            <a:xfrm>
+              <a:off x="6248400" y="1981200"/>
+              <a:ext cx="1371600" cy="838200"/>
+            </a:xfrm>
+            <a:prstGeom prst="rect">
+              <a:avLst/>
+            </a:prstGeom>
+            <a:noFill/>
+          </p:spPr>
+          <p:txBody>
+            <a:bodyPr wrap="none"/>
+            <a:lstStyle/>
+            <a:p>
+              <a:pPr>
+                <a:defRPr/>
+              </a:pPr>
+              <a:r>
+                <a:rPr lang="ca-ES" sz="800" b="0" dirty="0">
+                  <a:solidFill>
+                    <a:schemeClr val="tx1">
+                      <a:lumMod val="65000"/>
+                      <a:lumOff val="35000"/>
+                    </a:schemeClr>
+                  </a:solidFill>
+                  <a:latin typeface="CG Times"/>
+                  <a:cs typeface="Arial" pitchFamily="34" charset="0"/>
+                </a:rPr>
+                <a:t>X=9800</a:t>
+              </a:r>
+            </a:p>
+            <a:p>
+              <a:pPr>
+                <a:defRPr/>
+              </a:pPr>
+              <a:r>
+                <a:rPr lang="ca-ES" sz="800" b="0" dirty="0">
+                  <a:solidFill>
+                    <a:schemeClr val="tx1">
+                      <a:lumMod val="65000"/>
+                      <a:lumOff val="35000"/>
+                    </a:schemeClr>
+                  </a:solidFill>
+                  <a:latin typeface="CG Times"/>
+                  <a:cs typeface="Arial" pitchFamily="34" charset="0"/>
+                </a:rPr>
+                <a:t>Y=14664</a:t>
+              </a:r>
+            </a:p>
+          </p:txBody>
+        </p:sp>
+        <p:sp>
+          <p:nvSpPr>
+            <p:cNvPr id="53" name="52 CuadroTexto"/>
+            <p:cNvSpPr txBox="1"/>
+            <p:nvPr/>
+          </p:nvSpPr>
+          <p:spPr>
+            <a:xfrm>
+              <a:off x="1295400" y="4724400"/>
+              <a:ext cx="1371600" cy="838200"/>
+            </a:xfrm>
+            <a:prstGeom prst="rect">
+              <a:avLst/>
+            </a:prstGeom>
+            <a:noFill/>
+          </p:spPr>
+          <p:txBody>
+            <a:bodyPr wrap="none"/>
+            <a:lstStyle/>
+            <a:p>
+              <a:pPr>
+                <a:defRPr/>
+              </a:pPr>
+              <a:r>
+                <a:rPr lang="ca-ES" sz="800" b="0" dirty="0">
+                  <a:solidFill>
+                    <a:schemeClr val="accent5">
+                      <a:lumMod val="60000"/>
+                      <a:lumOff val="40000"/>
+                    </a:schemeClr>
+                  </a:solidFill>
+                  <a:latin typeface="CG Times"/>
+                  <a:cs typeface="Arial" pitchFamily="34" charset="0"/>
+                </a:rPr>
+                <a:t>X=9798</a:t>
+              </a:r>
+            </a:p>
+            <a:p>
+              <a:pPr>
+                <a:defRPr/>
+              </a:pPr>
+              <a:r>
+                <a:rPr lang="ca-ES" sz="800" b="0" dirty="0">
+                  <a:solidFill>
+                    <a:schemeClr val="accent5">
+                      <a:lumMod val="60000"/>
+                      <a:lumOff val="40000"/>
+                    </a:schemeClr>
+                  </a:solidFill>
+                  <a:latin typeface="CG Times"/>
+                  <a:cs typeface="Arial" pitchFamily="34" charset="0"/>
+                </a:rPr>
+                <a:t>Y=14665</a:t>
+              </a:r>
+            </a:p>
+          </p:txBody>
+        </p:sp>
+        <p:sp>
+          <p:nvSpPr>
+            <p:cNvPr id="54" name="53 CuadroTexto"/>
+            <p:cNvSpPr txBox="1"/>
+            <p:nvPr/>
+          </p:nvSpPr>
+          <p:spPr>
+            <a:xfrm>
+              <a:off x="3733800" y="4724400"/>
+              <a:ext cx="1371600" cy="838200"/>
+            </a:xfrm>
+            <a:prstGeom prst="rect">
+              <a:avLst/>
+            </a:prstGeom>
+            <a:noFill/>
+          </p:spPr>
+          <p:txBody>
+            <a:bodyPr wrap="none"/>
+            <a:lstStyle/>
+            <a:p>
+              <a:pPr>
+                <a:defRPr/>
+              </a:pPr>
+              <a:r>
+                <a:rPr lang="ca-ES" sz="800" b="0" dirty="0">
+                  <a:solidFill>
+                    <a:schemeClr val="accent5">
+                      <a:lumMod val="60000"/>
+                      <a:lumOff val="40000"/>
+                    </a:schemeClr>
+                  </a:solidFill>
+                  <a:latin typeface="CG Times"/>
+                  <a:cs typeface="Arial" pitchFamily="34" charset="0"/>
+                </a:rPr>
+                <a:t>X=9799</a:t>
+              </a:r>
+            </a:p>
+            <a:p>
+              <a:pPr>
+                <a:defRPr/>
+              </a:pPr>
+              <a:r>
+                <a:rPr lang="ca-ES" sz="800" b="0" dirty="0">
+                  <a:solidFill>
+                    <a:schemeClr val="accent5">
+                      <a:lumMod val="60000"/>
+                      <a:lumOff val="40000"/>
+                    </a:schemeClr>
+                  </a:solidFill>
+                  <a:latin typeface="CG Times"/>
+                  <a:cs typeface="Arial" pitchFamily="34" charset="0"/>
+                </a:rPr>
+                <a:t>Y=14665</a:t>
+              </a:r>
+            </a:p>
+          </p:txBody>
+        </p:sp>
+        <p:sp>
+          <p:nvSpPr>
+            <p:cNvPr id="55" name="54 CuadroTexto"/>
+            <p:cNvSpPr txBox="1"/>
+            <p:nvPr/>
+          </p:nvSpPr>
+          <p:spPr>
+            <a:xfrm>
+              <a:off x="6248400" y="4724400"/>
+              <a:ext cx="1371600" cy="838200"/>
+            </a:xfrm>
+            <a:prstGeom prst="rect">
+              <a:avLst/>
+            </a:prstGeom>
+            <a:noFill/>
+          </p:spPr>
+          <p:txBody>
+            <a:bodyPr wrap="none"/>
+            <a:lstStyle/>
+            <a:p>
+              <a:pPr>
+                <a:defRPr/>
+              </a:pPr>
+              <a:r>
+                <a:rPr lang="ca-ES" sz="800" b="0" dirty="0">
+                  <a:solidFill>
+                    <a:schemeClr val="tx1">
+                      <a:lumMod val="65000"/>
+                      <a:lumOff val="35000"/>
+                    </a:schemeClr>
+                  </a:solidFill>
+                  <a:latin typeface="CG Times"/>
+                  <a:cs typeface="Arial" pitchFamily="34" charset="0"/>
+                </a:rPr>
+                <a:t>X=9800</a:t>
+              </a:r>
+            </a:p>
+            <a:p>
+              <a:pPr>
+                <a:defRPr/>
+              </a:pPr>
+              <a:r>
+                <a:rPr lang="ca-ES" sz="800" b="0" dirty="0">
+                  <a:solidFill>
+                    <a:schemeClr val="tx1">
+                      <a:lumMod val="65000"/>
+                      <a:lumOff val="35000"/>
+                    </a:schemeClr>
+                  </a:solidFill>
+                  <a:latin typeface="CG Times"/>
+                  <a:cs typeface="Arial" pitchFamily="34" charset="0"/>
+                </a:rPr>
+                <a:t>Y=14665</a:t>
+              </a:r>
+            </a:p>
+          </p:txBody>
+        </p:sp>
+      </p:grpSp>
     </p:spTree>
     <p:extLst>
       <p:ext uri="{BB962C8B-B14F-4D97-AF65-F5344CB8AC3E}">
-        <p14:creationId xmlns:p14="http://schemas.microsoft.com/office/powerpoint/2010/main" val="337438883"/>
+        <p14:creationId xmlns:p14="http://schemas.microsoft.com/office/powerpoint/2010/main" xmlns="" val="337438883"/>
       </p:ext>
     </p:extLst>
   </p:cSld>
@@ -5505,7 +11191,7 @@
           <p:cNvPr id="2" name="Title 1">
             <a:extLst>
               <a:ext uri="{FF2B5EF4-FFF2-40B4-BE49-F238E27FC236}">
-                <a16:creationId xmlns:a16="http://schemas.microsoft.com/office/drawing/2014/main" id="{D330DD59-3F5C-433B-BAEB-AD810C386F12}"/>
+                <a16:creationId xmlns:a16="http://schemas.microsoft.com/office/drawing/2014/main" xmlns="" id="{D330DD59-3F5C-433B-BAEB-AD810C386F12}"/>
               </a:ext>
             </a:extLst>
           </p:cNvPr>
@@ -5523,8 +11209,25 @@
           <a:p>
             <a:r>
               <a:rPr lang="en-US" dirty="0"/>
-              <a:t>OGC API Common – Paths (3)</a:t>
-            </a:r>
+              <a:t>OGC API </a:t>
+            </a:r>
+            <a:r>
+              <a:rPr lang="en-US" dirty="0" smtClean="0"/>
+              <a:t>Maps</a:t>
+            </a:r>
+            <a:r>
+              <a:rPr lang="en-US" dirty="0" smtClean="0"/>
+              <a:t> </a:t>
+            </a:r>
+            <a:r>
+              <a:rPr lang="en-US" dirty="0"/>
+              <a:t>– Paths </a:t>
+            </a:r>
+            <a:r>
+              <a:rPr lang="en-US" dirty="0" smtClean="0"/>
+              <a:t>(3)</a:t>
+            </a:r>
+            <a:endParaRPr lang="en-US" dirty="0"/>
           </a:p>
         </p:txBody>
       </p:sp>
@@ -5533,7 +11236,7 @@
           <p:cNvPr id="3" name="Content Placeholder 2">
             <a:extLst>
               <a:ext uri="{FF2B5EF4-FFF2-40B4-BE49-F238E27FC236}">
-                <a16:creationId xmlns:a16="http://schemas.microsoft.com/office/drawing/2014/main" id="{349D4A61-501D-40C5-A0FD-C4F7FC590678}"/>
+                <a16:creationId xmlns:a16="http://schemas.microsoft.com/office/drawing/2014/main" xmlns="" id="{349D4A61-501D-40C5-A0FD-C4F7FC590678}"/>
               </a:ext>
             </a:extLst>
           </p:cNvPr>
@@ -5544,184 +11247,185 @@
             <p:ph idx="1"/>
           </p:nvPr>
         </p:nvSpPr>
-        <p:spPr>
-          <a:xfrm>
-            <a:off x="0" y="1143000"/>
-            <a:ext cx="8874125" cy="4891088"/>
-          </a:xfrm>
-        </p:spPr>
+        <p:spPr/>
         <p:txBody>
-          <a:bodyPr/>
+          <a:bodyPr>
+            <a:normAutofit/>
+          </a:bodyPr>
           <a:lstStyle/>
           <a:p>
             <a:r>
+              <a:rPr lang="en-US" sz="2000" dirty="0" smtClean="0"/>
+              <a:t>Path </a:t>
+            </a:r>
+            <a:r>
               <a:rPr lang="en-US" sz="2000" dirty="0"/>
-              <a:t>Path = /collections/{</a:t>
+              <a:t>= </a:t>
+            </a:r>
+            <a:r>
+              <a:rPr lang="en-US" sz="2000" dirty="0" smtClean="0"/>
+              <a:t>/map</a:t>
+            </a:r>
+            <a:endParaRPr lang="en-US" sz="2000" dirty="0" smtClean="0"/>
+          </a:p>
+          <a:p>
+            <a:pPr lvl="1"/>
+            <a:r>
+              <a:rPr lang="en-US" sz="1600" dirty="0" smtClean="0"/>
+              <a:t>Returns </a:t>
+            </a:r>
+            <a:r>
+              <a:rPr lang="en-US" sz="1600" dirty="0"/>
+              <a:t>a </a:t>
+            </a:r>
+            <a:r>
+              <a:rPr lang="en-US" sz="1600" dirty="0" smtClean="0"/>
+              <a:t>map </a:t>
+            </a:r>
+            <a:r>
+              <a:rPr lang="en-US" sz="1600" dirty="0"/>
+              <a:t>of </a:t>
+            </a:r>
+            <a:r>
+              <a:rPr lang="en-US" sz="1600" dirty="0" smtClean="0"/>
+              <a:t>the dataset</a:t>
+            </a:r>
+            <a:endParaRPr lang="en-US" sz="1600" dirty="0"/>
+          </a:p>
+          <a:p>
+            <a:r>
+              <a:rPr lang="en-US" sz="2000" dirty="0"/>
+              <a:t> Path = /collections/{</a:t>
             </a:r>
             <a:r>
               <a:rPr lang="en-US" sz="2000" dirty="0" err="1"/>
               <a:t>collectionId</a:t>
             </a:r>
             <a:r>
+              <a:rPr lang="en-US" sz="2000" dirty="0" smtClean="0"/>
+              <a:t>}/map/{</a:t>
+            </a:r>
+            <a:r>
+              <a:rPr lang="en-US" sz="2000" dirty="0" err="1" smtClean="0"/>
+              <a:t>styleId</a:t>
+            </a:r>
+            <a:r>
+              <a:rPr lang="en-US" sz="2000" dirty="0" smtClean="0"/>
+              <a:t>}/</a:t>
+            </a:r>
+            <a:endParaRPr lang="en-US" sz="2000" dirty="0" smtClean="0"/>
+          </a:p>
+          <a:p>
+            <a:pPr lvl="1"/>
+            <a:r>
+              <a:rPr lang="en-US" sz="1600" dirty="0" smtClean="0"/>
+              <a:t> </a:t>
+            </a:r>
+            <a:r>
+              <a:rPr lang="en-US" sz="1600" dirty="0"/>
+              <a:t>Returns a </a:t>
+            </a:r>
+            <a:r>
+              <a:rPr lang="en-US" sz="1600" dirty="0" smtClean="0"/>
+              <a:t>map </a:t>
+            </a:r>
+            <a:r>
+              <a:rPr lang="en-US" sz="1600" dirty="0"/>
+              <a:t>of </a:t>
+            </a:r>
+            <a:r>
+              <a:rPr lang="en-US" sz="1600" dirty="0" smtClean="0"/>
+              <a:t>a collection</a:t>
+            </a:r>
+            <a:endParaRPr lang="en-US" sz="1600" dirty="0" smtClean="0"/>
+          </a:p>
+          <a:p>
+            <a:pPr lvl="1"/>
+            <a:endParaRPr lang="en-US" sz="1600" dirty="0" smtClean="0"/>
+          </a:p>
+          <a:p>
+            <a:pPr lvl="1"/>
+            <a:endParaRPr lang="en-US" sz="1600" dirty="0" smtClean="0"/>
+          </a:p>
+          <a:p>
+            <a:pPr lvl="1"/>
+            <a:endParaRPr lang="en-US" sz="1600" dirty="0" smtClean="0"/>
+          </a:p>
+          <a:p>
+            <a:pPr lvl="1"/>
+            <a:endParaRPr lang="en-US" sz="1600" dirty="0" smtClean="0"/>
+          </a:p>
+          <a:p>
+            <a:pPr lvl="1"/>
+            <a:endParaRPr lang="en-US" sz="1600" dirty="0"/>
+          </a:p>
+          <a:p>
+            <a:r>
               <a:rPr lang="en-US" sz="2000" dirty="0"/>
-              <a:t>}/tiles/{</a:t>
-            </a:r>
-            <a:r>
-              <a:rPr lang="en-US" sz="2000" dirty="0" err="1"/>
-              <a:t>tileMatrixSetId</a:t>
-            </a:r>
-            <a:r>
-              <a:rPr lang="en-US" sz="2000" dirty="0"/>
-              <a:t>}/{</a:t>
-            </a:r>
-            <a:r>
-              <a:rPr lang="en-US" sz="2000" dirty="0" err="1"/>
-              <a:t>tileMatrix</a:t>
-            </a:r>
-            <a:r>
-              <a:rPr lang="en-US" sz="2000" dirty="0"/>
-              <a:t>}/{</a:t>
-            </a:r>
-            <a:r>
-              <a:rPr lang="en-US" sz="2000" dirty="0" err="1"/>
-              <a:t>tileRow</a:t>
-            </a:r>
-            <a:r>
-              <a:rPr lang="en-US" sz="2000" dirty="0"/>
-              <a:t>}/{</a:t>
-            </a:r>
-            <a:r>
-              <a:rPr lang="en-US" sz="2000" dirty="0" err="1"/>
-              <a:t>tileCol</a:t>
-            </a:r>
-            <a:r>
-              <a:rPr lang="en-US" sz="2000" dirty="0"/>
+              <a:t> Path = </a:t>
+            </a:r>
+            <a:r>
+              <a:rPr lang="en-US" sz="2000" dirty="0" smtClean="0"/>
+              <a:t>/map/info</a:t>
+            </a:r>
+            <a:endParaRPr lang="en-US" sz="2000" dirty="0"/>
+          </a:p>
+          <a:p>
+            <a:pPr lvl="1"/>
+            <a:r>
+              <a:rPr lang="en-US" sz="1600" dirty="0"/>
+              <a:t> Returns information on a point of a </a:t>
+            </a:r>
+            <a:r>
+              <a:rPr lang="en-US" sz="1600" dirty="0" smtClean="0"/>
+              <a:t>map</a:t>
+            </a:r>
+            <a:endParaRPr lang="en-US" sz="1600" dirty="0" smtClean="0"/>
+          </a:p>
+          <a:p>
+            <a:r>
+              <a:rPr lang="en-US" sz="2000" dirty="0" smtClean="0"/>
+              <a:t> Path = /collections/{</a:t>
+            </a:r>
+            <a:r>
+              <a:rPr lang="en-US" sz="2000" dirty="0" err="1" smtClean="0"/>
+              <a:t>collectionId</a:t>
+            </a:r>
+            <a:r>
+              <a:rPr lang="en-US" sz="2000" dirty="0" smtClean="0"/>
+              <a:t>}/map/{</a:t>
+            </a:r>
+            <a:r>
+              <a:rPr lang="en-US" sz="2000" dirty="0" err="1" smtClean="0"/>
+              <a:t>styleId</a:t>
+            </a:r>
+            <a:r>
+              <a:rPr lang="en-US" sz="2000" dirty="0" smtClean="0"/>
               <a:t>}/info</a:t>
             </a:r>
+            <a:endParaRPr lang="en-US" sz="2000" dirty="0" smtClean="0"/>
           </a:p>
           <a:p>
             <a:pPr lvl="1"/>
             <a:r>
-              <a:rPr lang="en-US" sz="1600" dirty="0"/>
-              <a:t> Returns information of a point in a tile of the collection with or without style</a:t>
-            </a:r>
-          </a:p>
-          <a:p>
-            <a:r>
-              <a:rPr lang="en-US" sz="2000" dirty="0"/>
-              <a:t> Path = /tiles/{</a:t>
-            </a:r>
-            <a:r>
-              <a:rPr lang="en-US" sz="2000" dirty="0" err="1"/>
-              <a:t>tileMatrixSetId</a:t>
-            </a:r>
-            <a:r>
-              <a:rPr lang="en-US" sz="2000" dirty="0"/>
-              <a:t>}</a:t>
-            </a:r>
-          </a:p>
-          <a:p>
-            <a:pPr lvl="1"/>
-            <a:r>
-              <a:rPr lang="en-US" sz="1600" dirty="0"/>
-              <a:t> Returns tiles from several collections.</a:t>
-            </a:r>
-          </a:p>
-          <a:p>
-            <a:r>
-              <a:rPr lang="en-US" sz="2000" dirty="0"/>
-              <a:t> Path = /collections/{</a:t>
-            </a:r>
-            <a:r>
-              <a:rPr lang="en-US" sz="2000" dirty="0" err="1"/>
-              <a:t>collectionId</a:t>
-            </a:r>
-            <a:r>
-              <a:rPr lang="en-US" sz="2000" dirty="0"/>
-              <a:t>}/tiles/{</a:t>
-            </a:r>
-            <a:r>
-              <a:rPr lang="en-US" sz="2000" dirty="0" err="1"/>
-              <a:t>tileMatrixSetId</a:t>
-            </a:r>
-            <a:r>
-              <a:rPr lang="en-US" sz="2000" dirty="0"/>
-              <a:t>}</a:t>
-            </a:r>
-          </a:p>
-          <a:p>
-            <a:pPr lvl="1"/>
-            <a:r>
-              <a:rPr lang="en-US" sz="1600" dirty="0"/>
-              <a:t> Returns tiles of a collection</a:t>
-            </a:r>
-          </a:p>
-          <a:p>
-            <a:r>
-              <a:rPr lang="en-US" sz="2000" dirty="0"/>
-              <a:t> Path = /map</a:t>
-            </a:r>
-          </a:p>
-          <a:p>
-            <a:pPr lvl="1"/>
-            <a:r>
-              <a:rPr lang="en-US" sz="1600" dirty="0"/>
-              <a:t> Returns a map of collections with or without style</a:t>
-            </a:r>
-          </a:p>
-          <a:p>
-            <a:r>
-              <a:rPr lang="en-US" sz="2000" dirty="0"/>
-              <a:t> Path = /collections/{</a:t>
-            </a:r>
-            <a:r>
-              <a:rPr lang="en-US" sz="2000" dirty="0" err="1"/>
-              <a:t>collectionId</a:t>
-            </a:r>
-            <a:r>
-              <a:rPr lang="en-US" sz="2000" dirty="0"/>
-              <a:t>}/map</a:t>
-            </a:r>
-          </a:p>
-          <a:p>
-            <a:pPr lvl="1"/>
-            <a:r>
-              <a:rPr lang="en-US" sz="1600" dirty="0"/>
-              <a:t> Returns a maps from the collection with or without style</a:t>
-            </a:r>
-          </a:p>
-          <a:p>
-            <a:r>
-              <a:rPr lang="en-US" sz="2000" dirty="0"/>
-              <a:t> Path = /map/info</a:t>
-            </a:r>
-          </a:p>
-          <a:p>
-            <a:pPr lvl="1"/>
-            <a:r>
-              <a:rPr lang="en-US" sz="1600" dirty="0"/>
-              <a:t> Returns information about a map of the collection with or without style</a:t>
-            </a:r>
-          </a:p>
-          <a:p>
-            <a:r>
-              <a:rPr lang="en-US" sz="2000" dirty="0"/>
-              <a:t> Path = /collections/{</a:t>
-            </a:r>
-            <a:r>
-              <a:rPr lang="en-US" sz="2000" dirty="0" err="1"/>
-              <a:t>collectionId</a:t>
-            </a:r>
-            <a:r>
-              <a:rPr lang="en-US" sz="2000" dirty="0"/>
-              <a:t>}/map/info</a:t>
-            </a:r>
-          </a:p>
-          <a:p>
-            <a:pPr lvl="1"/>
-            <a:r>
-              <a:rPr lang="en-US" sz="1600" dirty="0"/>
-              <a:t>  Returns information about a map from the collection with or without style</a:t>
+              <a:rPr lang="en-US" sz="1600" dirty="0" smtClean="0"/>
+              <a:t> Returns information of a point in a </a:t>
+            </a:r>
+            <a:r>
+              <a:rPr lang="en-US" sz="1600" dirty="0" smtClean="0"/>
+              <a:t>map </a:t>
+            </a:r>
+            <a:r>
+              <a:rPr lang="en-US" sz="1600" dirty="0" smtClean="0"/>
+              <a:t>of </a:t>
+            </a:r>
+            <a:r>
+              <a:rPr lang="en-US" sz="1600" dirty="0" smtClean="0"/>
+              <a:t>a </a:t>
+            </a:r>
+            <a:r>
+              <a:rPr lang="en-US" sz="1600" dirty="0" smtClean="0"/>
+              <a:t>collection</a:t>
             </a:r>
           </a:p>
         </p:txBody>
@@ -5731,7 +11435,7 @@
           <p:cNvPr id="4" name="Footer Placeholder 3">
             <a:extLst>
               <a:ext uri="{FF2B5EF4-FFF2-40B4-BE49-F238E27FC236}">
-                <a16:creationId xmlns:a16="http://schemas.microsoft.com/office/drawing/2014/main" id="{0E2576B7-5C60-474B-B71B-1762FD9B05D3}"/>
+                <a16:creationId xmlns:a16="http://schemas.microsoft.com/office/drawing/2014/main" xmlns="" id="{0E2576B7-5C60-474B-B71B-1762FD9B05D3}"/>
               </a:ext>
             </a:extLst>
           </p:cNvPr>
@@ -5758,10 +11462,43 @@
           </a:p>
         </p:txBody>
       </p:sp>
+      <p:pic>
+        <p:nvPicPr>
+          <p:cNvPr id="57" name="Picture 4"/>
+          <p:cNvPicPr>
+            <a:picLocks noChangeAspect="1" noChangeArrowheads="1"/>
+          </p:cNvPicPr>
+          <p:nvPr/>
+        </p:nvPicPr>
+        <p:blipFill>
+          <a:blip r:embed="rId2" cstate="print"/>
+          <a:srcRect l="17141" t="26664" r="2063" b="7447"/>
+          <a:stretch>
+            <a:fillRect/>
+          </a:stretch>
+        </p:blipFill>
+        <p:spPr bwMode="auto">
+          <a:xfrm>
+            <a:off x="5867400" y="2590800"/>
+            <a:ext cx="3048000" cy="1717183"/>
+          </a:xfrm>
+          <a:prstGeom prst="rect">
+            <a:avLst/>
+          </a:prstGeom>
+          <a:noFill/>
+          <a:ln w="9525">
+            <a:noFill/>
+            <a:miter lim="800000"/>
+            <a:headEnd/>
+            <a:tailEnd/>
+          </a:ln>
+          <a:effectLst/>
+        </p:spPr>
+      </p:pic>
     </p:spTree>
     <p:extLst>
       <p:ext uri="{BB962C8B-B14F-4D97-AF65-F5344CB8AC3E}">
-        <p14:creationId xmlns:p14="http://schemas.microsoft.com/office/powerpoint/2010/main" val="2244421068"/>
+        <p14:creationId xmlns:p14="http://schemas.microsoft.com/office/powerpoint/2010/main" xmlns="" val="337438883"/>
       </p:ext>
     </p:extLst>
   </p:cSld>
@@ -5793,7 +11530,7 @@
           <p:cNvPr id="2" name="Title 1">
             <a:extLst>
               <a:ext uri="{FF2B5EF4-FFF2-40B4-BE49-F238E27FC236}">
-                <a16:creationId xmlns:a16="http://schemas.microsoft.com/office/drawing/2014/main" id="{1D057E43-2878-4378-BEE4-4B70CD4EE31A}"/>
+                <a16:creationId xmlns:a16="http://schemas.microsoft.com/office/drawing/2014/main" xmlns="" id="{D330DD59-3F5C-433B-BAEB-AD810C386F12}"/>
               </a:ext>
             </a:extLst>
           </p:cNvPr>
@@ -5811,7 +11548,109 @@
           <a:p>
             <a:r>
               <a:rPr lang="en-US" dirty="0"/>
-              <a:t>Issues</a:t>
+              <a:t>OGC API </a:t>
+            </a:r>
+            <a:r>
+              <a:rPr lang="en-US" dirty="0" err="1" smtClean="0"/>
+              <a:t>MultiTile</a:t>
+            </a:r>
+            <a:r>
+              <a:rPr lang="en-US" dirty="0" smtClean="0"/>
+              <a:t> </a:t>
+            </a:r>
+            <a:r>
+              <a:rPr lang="en-US" dirty="0"/>
+              <a:t>– Paths </a:t>
+            </a:r>
+            <a:r>
+              <a:rPr lang="en-US" dirty="0" smtClean="0"/>
+              <a:t>(4)</a:t>
+            </a:r>
+            <a:endParaRPr lang="en-US" dirty="0"/>
+          </a:p>
+        </p:txBody>
+      </p:sp>
+      <p:sp>
+        <p:nvSpPr>
+          <p:cNvPr id="3" name="Content Placeholder 2">
+            <a:extLst>
+              <a:ext uri="{FF2B5EF4-FFF2-40B4-BE49-F238E27FC236}">
+                <a16:creationId xmlns:a16="http://schemas.microsoft.com/office/drawing/2014/main" xmlns="" id="{349D4A61-501D-40C5-A0FD-C4F7FC590678}"/>
+              </a:ext>
+            </a:extLst>
+          </p:cNvPr>
+          <p:cNvSpPr>
+            <a:spLocks noGrp="1"/>
+          </p:cNvSpPr>
+          <p:nvPr>
+            <p:ph idx="1"/>
+          </p:nvPr>
+        </p:nvSpPr>
+        <p:spPr>
+          <a:xfrm>
+            <a:off x="0" y="1143000"/>
+            <a:ext cx="8874125" cy="4891088"/>
+          </a:xfrm>
+        </p:spPr>
+        <p:txBody>
+          <a:bodyPr/>
+          <a:lstStyle/>
+          <a:p>
+            <a:r>
+              <a:rPr lang="en-US" sz="2000" dirty="0" smtClean="0"/>
+              <a:t>Path </a:t>
+            </a:r>
+            <a:r>
+              <a:rPr lang="en-US" sz="2000" dirty="0"/>
+              <a:t>= /tiles/{</a:t>
+            </a:r>
+            <a:r>
+              <a:rPr lang="en-US" sz="2000" dirty="0" err="1"/>
+              <a:t>tileMatrixSetId</a:t>
+            </a:r>
+            <a:r>
+              <a:rPr lang="en-US" sz="2000" dirty="0"/>
+              <a:t>}</a:t>
+            </a:r>
+          </a:p>
+          <a:p>
+            <a:pPr lvl="1"/>
+            <a:r>
+              <a:rPr lang="en-US" sz="1600" dirty="0"/>
+              <a:t> Returns tiles from several collections.</a:t>
+            </a:r>
+          </a:p>
+          <a:p>
+            <a:r>
+              <a:rPr lang="en-US" sz="2000" dirty="0"/>
+              <a:t> Path = /collections/{</a:t>
+            </a:r>
+            <a:r>
+              <a:rPr lang="en-US" sz="2000" dirty="0" err="1"/>
+              <a:t>collectionId</a:t>
+            </a:r>
+            <a:r>
+              <a:rPr lang="en-US" sz="2000" dirty="0"/>
+              <a:t>}/tiles/{</a:t>
+            </a:r>
+            <a:r>
+              <a:rPr lang="en-US" sz="2000" dirty="0" err="1"/>
+              <a:t>tileMatrixSetId</a:t>
+            </a:r>
+            <a:r>
+              <a:rPr lang="en-US" sz="2000" dirty="0"/>
+              <a:t>}</a:t>
+            </a:r>
+          </a:p>
+          <a:p>
+            <a:pPr lvl="1"/>
+            <a:r>
+              <a:rPr lang="en-US" sz="1600" dirty="0"/>
+              <a:t> Returns tiles of a </a:t>
+            </a:r>
+            <a:r>
+              <a:rPr lang="en-US" sz="1600" dirty="0" smtClean="0"/>
+              <a:t>collection</a:t>
             </a:r>
           </a:p>
         </p:txBody>
@@ -5821,7 +11660,7 @@
           <p:cNvPr id="4" name="Footer Placeholder 3">
             <a:extLst>
               <a:ext uri="{FF2B5EF4-FFF2-40B4-BE49-F238E27FC236}">
-                <a16:creationId xmlns:a16="http://schemas.microsoft.com/office/drawing/2014/main" id="{D6FB805F-8CAB-401D-B20C-94EE464D8D2C}"/>
+                <a16:creationId xmlns:a16="http://schemas.microsoft.com/office/drawing/2014/main" xmlns="" id="{0E2576B7-5C60-474B-B71B-1762FD9B05D3}"/>
               </a:ext>
             </a:extLst>
           </p:cNvPr>
@@ -5848,46 +11687,10 @@
           </a:p>
         </p:txBody>
       </p:sp>
-      <p:pic>
-        <p:nvPicPr>
-          <p:cNvPr id="9" name="Picture 8">
-            <a:extLst>
-              <a:ext uri="{FF2B5EF4-FFF2-40B4-BE49-F238E27FC236}">
-                <a16:creationId xmlns:a16="http://schemas.microsoft.com/office/drawing/2014/main" id="{E0BD0286-3A36-E641-A7A4-5D33E1732DA3}"/>
-              </a:ext>
-            </a:extLst>
-          </p:cNvPr>
-          <p:cNvPicPr>
-            <a:picLocks noChangeAspect="1"/>
-          </p:cNvPicPr>
-          <p:nvPr/>
-        </p:nvPicPr>
-        <p:blipFill>
-          <a:blip r:embed="rId2">
-            <a:extLst>
-              <a:ext uri="{28A0092B-C50C-407E-A947-70E740481C1C}">
-                <a14:useLocalDpi xmlns:a14="http://schemas.microsoft.com/office/drawing/2010/main" val="0"/>
-              </a:ext>
-            </a:extLst>
-          </a:blip>
-          <a:stretch>
-            <a:fillRect/>
-          </a:stretch>
-        </p:blipFill>
-        <p:spPr>
-          <a:xfrm>
-            <a:off x="0" y="1839336"/>
-            <a:ext cx="9144000" cy="3179327"/>
-          </a:xfrm>
-          <a:prstGeom prst="rect">
-            <a:avLst/>
-          </a:prstGeom>
-        </p:spPr>
-      </p:pic>
     </p:spTree>
     <p:extLst>
       <p:ext uri="{BB962C8B-B14F-4D97-AF65-F5344CB8AC3E}">
-        <p14:creationId xmlns:p14="http://schemas.microsoft.com/office/powerpoint/2010/main" val="1973850590"/>
+        <p14:creationId xmlns:p14="http://schemas.microsoft.com/office/powerpoint/2010/main" xmlns="" val="2244421068"/>
       </p:ext>
     </p:extLst>
   </p:cSld>
@@ -5916,10 +11719,10 @@
       </p:grpSpPr>
       <p:sp>
         <p:nvSpPr>
-          <p:cNvPr id="3" name="Text Placeholder 2">
+          <p:cNvPr id="2" name="Title 1">
             <a:extLst>
               <a:ext uri="{FF2B5EF4-FFF2-40B4-BE49-F238E27FC236}">
-                <a16:creationId xmlns:a16="http://schemas.microsoft.com/office/drawing/2014/main" id="{D4D158CF-24A0-49D2-91EA-59B82AC122D4}"/>
+                <a16:creationId xmlns:a16="http://schemas.microsoft.com/office/drawing/2014/main" xmlns="" id="{1D057E43-2878-4378-BEE4-4B70CD4EE31A}"/>
               </a:ext>
             </a:extLst>
           </p:cNvPr>
@@ -5927,50 +11730,18 @@
             <a:spLocks noGrp="1"/>
           </p:cNvSpPr>
           <p:nvPr>
-            <p:ph type="body" idx="1"/>
+            <p:ph type="title"/>
           </p:nvPr>
         </p:nvSpPr>
-        <p:spPr>
-          <a:xfrm>
-            <a:off x="533400" y="1905000"/>
-            <a:ext cx="7772400" cy="2286000"/>
-          </a:xfrm>
-        </p:spPr>
+        <p:spPr/>
         <p:txBody>
           <a:bodyPr/>
           <a:lstStyle/>
           <a:p>
-            <a:pPr algn="ctr"/>
-            <a:r>
-              <a:rPr lang="en-US" sz="2400" b="1" dirty="0"/>
-              <a:t>Points of Contact:</a:t>
-            </a:r>
-          </a:p>
-          <a:p>
-            <a:pPr algn="ctr"/>
-            <a:endParaRPr lang="en-US" b="1" dirty="0"/>
-          </a:p>
-          <a:p>
-            <a:pPr algn="ctr"/>
-            <a:r>
-              <a:rPr lang="en-US" b="1" dirty="0"/>
-              <a:t>Joan </a:t>
-            </a:r>
-            <a:r>
-              <a:rPr lang="en-US" b="1" dirty="0" err="1"/>
-              <a:t>Maso</a:t>
-            </a:r>
-            <a:endParaRPr lang="en-US" b="1" dirty="0"/>
-          </a:p>
-          <a:p>
-            <a:pPr algn="ctr"/>
-            <a:r>
-              <a:rPr lang="en-US" b="1" dirty="0">
-                <a:hlinkClick r:id="rId2"/>
-              </a:rPr>
-              <a:t>Joan.Maso@uab.cat</a:t>
-            </a:r>
-            <a:endParaRPr lang="en-US" dirty="0"/>
+            <a:r>
+              <a:rPr lang="en-US" dirty="0"/>
+              <a:t>Issues</a:t>
+            </a:r>
           </a:p>
         </p:txBody>
       </p:sp>
@@ -5979,7 +11750,7 @@
           <p:cNvPr id="4" name="Footer Placeholder 3">
             <a:extLst>
               <a:ext uri="{FF2B5EF4-FFF2-40B4-BE49-F238E27FC236}">
-                <a16:creationId xmlns:a16="http://schemas.microsoft.com/office/drawing/2014/main" id="{C6584C69-815A-4F4D-8663-FE3C1CDC2A31}"/>
+                <a16:creationId xmlns:a16="http://schemas.microsoft.com/office/drawing/2014/main" xmlns="" id="{D6FB805F-8CAB-401D-B20C-94EE464D8D2C}"/>
               </a:ext>
             </a:extLst>
           </p:cNvPr>
@@ -6006,10 +11777,233 @@
           </a:p>
         </p:txBody>
       </p:sp>
+      <p:pic>
+        <p:nvPicPr>
+          <p:cNvPr id="9" name="Picture 8">
+            <a:extLst>
+              <a:ext uri="{FF2B5EF4-FFF2-40B4-BE49-F238E27FC236}">
+                <a16:creationId xmlns:a16="http://schemas.microsoft.com/office/drawing/2014/main" xmlns="" id="{E0BD0286-3A36-E641-A7A4-5D33E1732DA3}"/>
+              </a:ext>
+            </a:extLst>
+          </p:cNvPr>
+          <p:cNvPicPr>
+            <a:picLocks noChangeAspect="1"/>
+          </p:cNvPicPr>
+          <p:nvPr/>
+        </p:nvPicPr>
+        <p:blipFill>
+          <a:blip r:embed="rId2" cstate="print">
+            <a:extLst>
+              <a:ext uri="{28A0092B-C50C-407E-A947-70E740481C1C}">
+                <a14:useLocalDpi xmlns:a14="http://schemas.microsoft.com/office/drawing/2010/main" xmlns="" val="0"/>
+              </a:ext>
+            </a:extLst>
+          </a:blip>
+          <a:stretch>
+            <a:fillRect/>
+          </a:stretch>
+        </p:blipFill>
+        <p:spPr>
+          <a:xfrm>
+            <a:off x="0" y="1839336"/>
+            <a:ext cx="9144000" cy="3179327"/>
+          </a:xfrm>
+          <a:prstGeom prst="rect">
+            <a:avLst/>
+          </a:prstGeom>
+        </p:spPr>
+      </p:pic>
+      <p:sp>
+        <p:nvSpPr>
+          <p:cNvPr id="5" name="4 Rectángulo"/>
+          <p:cNvSpPr/>
+          <p:nvPr/>
+        </p:nvSpPr>
+        <p:spPr>
+          <a:xfrm>
+            <a:off x="1219200" y="5257800"/>
+            <a:ext cx="6472669" cy="369332"/>
+          </a:xfrm>
+          <a:prstGeom prst="rect">
+            <a:avLst/>
+          </a:prstGeom>
+        </p:spPr>
+        <p:txBody>
+          <a:bodyPr wrap="none">
+            <a:spAutoFit/>
+          </a:bodyPr>
+          <a:lstStyle/>
+          <a:p>
+            <a:r>
+              <a:rPr lang="ca-ES" sz="1800" b="0" dirty="0" smtClean="0">
+                <a:hlinkClick r:id="rId3"/>
+              </a:rPr>
+              <a:t>https://github.com/opengeospatial/OGC-API-Map-Tiles/issues</a:t>
+            </a:r>
+            <a:endParaRPr lang="ca-ES" sz="1800" b="0" dirty="0"/>
+          </a:p>
+        </p:txBody>
+      </p:sp>
     </p:spTree>
     <p:extLst>
       <p:ext uri="{BB962C8B-B14F-4D97-AF65-F5344CB8AC3E}">
-        <p14:creationId xmlns:p14="http://schemas.microsoft.com/office/powerpoint/2010/main" val="857201570"/>
+        <p14:creationId xmlns:p14="http://schemas.microsoft.com/office/powerpoint/2010/main" xmlns="" val="1973850590"/>
+      </p:ext>
+    </p:extLst>
+  </p:cSld>
+  <p:clrMapOvr>
+    <a:masterClrMapping/>
+  </p:clrMapOvr>
+</p:sld>
+</file>
+
+<file path=ppt/slides/slide8.xml><?xml version="1.0" encoding="utf-8"?>
+<p:sld xmlns:a="http://schemas.openxmlformats.org/drawingml/2006/main" xmlns:r="http://schemas.openxmlformats.org/officeDocument/2006/relationships" xmlns:p="http://schemas.openxmlformats.org/presentationml/2006/main">
+  <p:cSld>
+    <p:spTree>
+      <p:nvGrpSpPr>
+        <p:cNvPr id="1" name=""/>
+        <p:cNvGrpSpPr/>
+        <p:nvPr/>
+      </p:nvGrpSpPr>
+      <p:grpSpPr>
+        <a:xfrm>
+          <a:off x="0" y="0"/>
+          <a:ext cx="0" cy="0"/>
+          <a:chOff x="0" y="0"/>
+          <a:chExt cx="0" cy="0"/>
+        </a:xfrm>
+      </p:grpSpPr>
+      <p:sp>
+        <p:nvSpPr>
+          <p:cNvPr id="3" name="Text Placeholder 2">
+            <a:extLst>
+              <a:ext uri="{FF2B5EF4-FFF2-40B4-BE49-F238E27FC236}">
+                <a16:creationId xmlns:a16="http://schemas.microsoft.com/office/drawing/2014/main" xmlns="" id="{D4D158CF-24A0-49D2-91EA-59B82AC122D4}"/>
+              </a:ext>
+            </a:extLst>
+          </p:cNvPr>
+          <p:cNvSpPr>
+            <a:spLocks noGrp="1"/>
+          </p:cNvSpPr>
+          <p:nvPr>
+            <p:ph type="body" idx="1"/>
+          </p:nvPr>
+        </p:nvSpPr>
+        <p:spPr>
+          <a:xfrm>
+            <a:off x="533400" y="2209800"/>
+            <a:ext cx="7772400" cy="2286000"/>
+          </a:xfrm>
+        </p:spPr>
+        <p:txBody>
+          <a:bodyPr/>
+          <a:lstStyle/>
+          <a:p>
+            <a:pPr algn="ctr"/>
+            <a:r>
+              <a:rPr lang="en-US" sz="2400" b="1" dirty="0"/>
+              <a:t>Points of Contact:</a:t>
+            </a:r>
+          </a:p>
+          <a:p>
+            <a:pPr algn="ctr"/>
+            <a:endParaRPr lang="en-US" b="1" dirty="0"/>
+          </a:p>
+          <a:p>
+            <a:pPr algn="ctr"/>
+            <a:r>
+              <a:rPr lang="en-US" b="1" dirty="0"/>
+              <a:t>Joan </a:t>
+            </a:r>
+            <a:r>
+              <a:rPr lang="en-US" b="1" dirty="0" err="1"/>
+              <a:t>Maso</a:t>
+            </a:r>
+            <a:endParaRPr lang="en-US" b="1" dirty="0"/>
+          </a:p>
+          <a:p>
+            <a:pPr algn="ctr"/>
+            <a:r>
+              <a:rPr lang="en-US" b="1" dirty="0" smtClean="0">
+                <a:hlinkClick r:id="rId2"/>
+              </a:rPr>
+              <a:t>Joan.Maso@uab.cat</a:t>
+            </a:r>
+            <a:endParaRPr lang="en-US" b="1" dirty="0" smtClean="0"/>
+          </a:p>
+          <a:p>
+            <a:pPr algn="ctr"/>
+            <a:endParaRPr lang="en-US" b="1" dirty="0" smtClean="0"/>
+          </a:p>
+          <a:p>
+            <a:pPr algn="ctr"/>
+            <a:r>
+              <a:rPr lang="en-US" b="1" dirty="0" err="1" smtClean="0"/>
+              <a:t>Núria</a:t>
+            </a:r>
+            <a:r>
+              <a:rPr lang="en-US" b="1" dirty="0" smtClean="0"/>
+              <a:t> </a:t>
+            </a:r>
+            <a:r>
+              <a:rPr lang="en-US" b="1" dirty="0" err="1" smtClean="0"/>
+              <a:t>Julià</a:t>
+            </a:r>
+            <a:endParaRPr lang="en-US" b="1" dirty="0" smtClean="0"/>
+          </a:p>
+          <a:p>
+            <a:pPr algn="ctr"/>
+            <a:r>
+              <a:rPr lang="en-US" b="1" dirty="0" smtClean="0">
+                <a:hlinkClick r:id="rId2"/>
+              </a:rPr>
+              <a:t>N.Julia@creaf.uab.cat</a:t>
+            </a:r>
+            <a:endParaRPr lang="en-US" b="1" dirty="0" smtClean="0"/>
+          </a:p>
+          <a:p>
+            <a:pPr algn="ctr"/>
+            <a:endParaRPr lang="en-US" dirty="0"/>
+          </a:p>
+        </p:txBody>
+      </p:sp>
+      <p:sp>
+        <p:nvSpPr>
+          <p:cNvPr id="4" name="Footer Placeholder 3">
+            <a:extLst>
+              <a:ext uri="{FF2B5EF4-FFF2-40B4-BE49-F238E27FC236}">
+                <a16:creationId xmlns:a16="http://schemas.microsoft.com/office/drawing/2014/main" xmlns="" id="{C6584C69-815A-4F4D-8663-FE3C1CDC2A31}"/>
+              </a:ext>
+            </a:extLst>
+          </p:cNvPr>
+          <p:cNvSpPr>
+            <a:spLocks noGrp="1"/>
+          </p:cNvSpPr>
+          <p:nvPr>
+            <p:ph type="ftr" sz="quarter" idx="10"/>
+          </p:nvPr>
+        </p:nvSpPr>
+        <p:spPr/>
+        <p:txBody>
+          <a:bodyPr/>
+          <a:lstStyle/>
+          <a:p>
+            <a:pPr>
+              <a:defRPr/>
+            </a:pPr>
+            <a:r>
+              <a:rPr lang="en-US" altLang="en-US"/>
+              <a:t>Copyright © 2019 Open Geospatial Consortium</a:t>
+            </a:r>
+            <a:endParaRPr lang="en-US" altLang="en-US" dirty="0"/>
+          </a:p>
+        </p:txBody>
+      </p:sp>
+    </p:spTree>
+    <p:extLst>
+      <p:ext uri="{BB962C8B-B14F-4D97-AF65-F5344CB8AC3E}">
+        <p14:creationId xmlns:p14="http://schemas.microsoft.com/office/powerpoint/2010/main" xmlns="" val="857201570"/>
       </p:ext>
     </p:extLst>
   </p:cSld>
